--- a/템플릿PPT/YSCOIN_TYPE2.pptx
+++ b/템플릿PPT/YSCOIN_TYPE2.pptx
@@ -5,17 +5,13 @@
     <p:sldMasterId id="2147483648" r:id="rId1"/>
   </p:sldMasterIdLst>
   <p:notesMasterIdLst>
-    <p:notesMasterId r:id="rId10"/>
+    <p:notesMasterId r:id="rId6"/>
   </p:notesMasterIdLst>
   <p:sldIdLst>
     <p:sldId id="257" r:id="rId2"/>
-    <p:sldId id="264" r:id="rId3"/>
-    <p:sldId id="258" r:id="rId4"/>
-    <p:sldId id="259" r:id="rId5"/>
-    <p:sldId id="260" r:id="rId6"/>
-    <p:sldId id="261" r:id="rId7"/>
-    <p:sldId id="262" r:id="rId8"/>
-    <p:sldId id="263" r:id="rId9"/>
+    <p:sldId id="258" r:id="rId3"/>
+    <p:sldId id="259" r:id="rId4"/>
+    <p:sldId id="261" r:id="rId5"/>
   </p:sldIdLst>
   <p:sldSz cx="12192000" cy="6858000"/>
   <p:notesSz cx="6858000" cy="9144000"/>
@@ -537,7 +533,7 @@
           <a:p>
             <a:fld id="{EE8CD062-59B9-4B86-8618-879470A7C0F2}" type="slidenum">
               <a:rPr lang="ko-KR" altLang="en-US" smtClean="0"/>
-              <a:t>4</a:t>
+              <a:t>3</a:t>
             </a:fld>
             <a:endParaRPr lang="ko-KR" altLang="en-US"/>
           </a:p>
@@ -547,6 +543,90 @@
     <p:extLst>
       <p:ext uri="{BB962C8B-B14F-4D97-AF65-F5344CB8AC3E}">
         <p14:creationId xmlns:p14="http://schemas.microsoft.com/office/powerpoint/2010/main" val="2866284431"/>
+      </p:ext>
+    </p:extLst>
+  </p:cSld>
+  <p:clrMapOvr>
+    <a:masterClrMapping/>
+  </p:clrMapOvr>
+</p:notes>
+</file>
+
+<file path=ppt/notesSlides/notesSlide2.xml><?xml version="1.0" encoding="utf-8"?>
+<p:notes xmlns:a="http://schemas.openxmlformats.org/drawingml/2006/main" xmlns:r="http://schemas.openxmlformats.org/officeDocument/2006/relationships" xmlns:p="http://schemas.openxmlformats.org/presentationml/2006/main">
+  <p:cSld>
+    <p:spTree>
+      <p:nvGrpSpPr>
+        <p:cNvPr id="1" name=""/>
+        <p:cNvGrpSpPr/>
+        <p:nvPr/>
+      </p:nvGrpSpPr>
+      <p:grpSpPr>
+        <a:xfrm>
+          <a:off x="0" y="0"/>
+          <a:ext cx="0" cy="0"/>
+          <a:chOff x="0" y="0"/>
+          <a:chExt cx="0" cy="0"/>
+        </a:xfrm>
+      </p:grpSpPr>
+      <p:sp>
+        <p:nvSpPr>
+          <p:cNvPr id="2" name="슬라이드 이미지 개체 틀 1"/>
+          <p:cNvSpPr>
+            <a:spLocks noGrp="1" noRot="1" noChangeAspect="1"/>
+          </p:cNvSpPr>
+          <p:nvPr>
+            <p:ph type="sldImg"/>
+          </p:nvPr>
+        </p:nvSpPr>
+        <p:spPr/>
+      </p:sp>
+      <p:sp>
+        <p:nvSpPr>
+          <p:cNvPr id="3" name="슬라이드 노트 개체 틀 2"/>
+          <p:cNvSpPr>
+            <a:spLocks noGrp="1"/>
+          </p:cNvSpPr>
+          <p:nvPr>
+            <p:ph type="body" idx="1"/>
+          </p:nvPr>
+        </p:nvSpPr>
+        <p:spPr/>
+        <p:txBody>
+          <a:bodyPr/>
+          <a:lstStyle/>
+          <a:p>
+            <a:endParaRPr lang="ko-KR" altLang="en-US"/>
+          </a:p>
+        </p:txBody>
+      </p:sp>
+      <p:sp>
+        <p:nvSpPr>
+          <p:cNvPr id="4" name="슬라이드 번호 개체 틀 3"/>
+          <p:cNvSpPr>
+            <a:spLocks noGrp="1"/>
+          </p:cNvSpPr>
+          <p:nvPr>
+            <p:ph type="sldNum" sz="quarter" idx="10"/>
+          </p:nvPr>
+        </p:nvSpPr>
+        <p:spPr/>
+        <p:txBody>
+          <a:bodyPr/>
+          <a:lstStyle/>
+          <a:p>
+            <a:fld id="{EE8CD062-59B9-4B86-8618-879470A7C0F2}" type="slidenum">
+              <a:rPr lang="ko-KR" altLang="en-US" smtClean="0"/>
+              <a:t>4</a:t>
+            </a:fld>
+            <a:endParaRPr lang="ko-KR" altLang="en-US"/>
+          </a:p>
+        </p:txBody>
+      </p:sp>
+    </p:spTree>
+    <p:extLst>
+      <p:ext uri="{BB962C8B-B14F-4D97-AF65-F5344CB8AC3E}">
+        <p14:creationId xmlns:p14="http://schemas.microsoft.com/office/powerpoint/2010/main" val="4170061547"/>
       </p:ext>
     </p:extLst>
   </p:cSld>
@@ -3688,14 +3768,14 @@
       </p:grpSpPr>
       <p:sp>
         <p:nvSpPr>
-          <p:cNvPr id="2" name="직사각형 1"/>
+          <p:cNvPr id="5" name="직사각형 4"/>
           <p:cNvSpPr/>
           <p:nvPr/>
         </p:nvSpPr>
         <p:spPr>
           <a:xfrm>
-            <a:off x="671209" y="592875"/>
-            <a:ext cx="10797702" cy="6108970"/>
+            <a:off x="316393" y="764678"/>
+            <a:ext cx="11559209" cy="5816931"/>
           </a:xfrm>
           <a:prstGeom prst="rect">
             <a:avLst/>
@@ -3728,20 +3808,20 @@
           <a:lstStyle/>
           <a:p>
             <a:pPr algn="ctr"/>
-            <a:endParaRPr lang="ko-KR" altLang="en-US"/>
-          </a:p>
-        </p:txBody>
-      </p:sp>
-      <p:sp>
-        <p:nvSpPr>
-          <p:cNvPr id="4" name="TextBox 3"/>
+            <a:endParaRPr lang="ko-KR" altLang="en-US" dirty="0"/>
+          </a:p>
+        </p:txBody>
+      </p:sp>
+      <p:sp>
+        <p:nvSpPr>
+          <p:cNvPr id="6" name="TextBox 5"/>
           <p:cNvSpPr txBox="1"/>
           <p:nvPr/>
         </p:nvSpPr>
         <p:spPr>
           <a:xfrm>
-            <a:off x="5615058" y="0"/>
-            <a:ext cx="910004" cy="461665"/>
+            <a:off x="3977678" y="131770"/>
+            <a:ext cx="4431193" cy="461665"/>
           </a:xfrm>
           <a:prstGeom prst="rect">
             <a:avLst/>
@@ -3754,8 +3834,9 @@
           </a:bodyPr>
           <a:lstStyle/>
           <a:p>
-            <a:r>
-              <a:rPr lang="ko-KR" altLang="en-US" sz="2400" dirty="0" smtClean="0">
+            <a:pPr algn="ctr"/>
+            <a:r>
+              <a:rPr lang="ko-KR" altLang="en-US" sz="2400" b="1" dirty="0" smtClean="0">
                 <a:solidFill>
                   <a:schemeClr val="accent5">
                     <a:lumMod val="50000"/>
@@ -3766,7 +3847,7 @@
               </a:rPr>
               <a:t>개요</a:t>
             </a:r>
-            <a:endParaRPr lang="ko-KR" altLang="en-US" sz="2400" dirty="0">
+            <a:endParaRPr lang="en-US" altLang="ko-KR" sz="2400" b="1" dirty="0" smtClean="0">
               <a:solidFill>
                 <a:schemeClr val="accent5">
                   <a:lumMod val="50000"/>
@@ -3780,19 +3861,21 @@
       </p:sp>
       <p:sp>
         <p:nvSpPr>
-          <p:cNvPr id="5" name="TextBox 4"/>
+          <p:cNvPr id="9" name="TextBox 8"/>
           <p:cNvSpPr txBox="1"/>
           <p:nvPr/>
         </p:nvSpPr>
         <p:spPr>
           <a:xfrm>
-            <a:off x="1770434" y="846306"/>
-            <a:ext cx="3589506" cy="369332"/>
+            <a:off x="4167805" y="3494473"/>
+            <a:ext cx="3856382" cy="369332"/>
           </a:xfrm>
           <a:prstGeom prst="rect">
             <a:avLst/>
           </a:prstGeom>
-          <a:noFill/>
+          <a:solidFill>
+            <a:schemeClr val="bg1"/>
+          </a:solidFill>
         </p:spPr>
         <p:txBody>
           <a:bodyPr wrap="square" rtlCol="0">
@@ -3800,27 +3883,106 @@
           </a:bodyPr>
           <a:lstStyle/>
           <a:p>
-            <a:pPr marL="285750" indent="-285750">
-              <a:buFont typeface="Arial" panose="020B0604020202020204" pitchFamily="34" charset="0"/>
-              <a:buChar char="•"/>
-            </a:pPr>
+            <a:endParaRPr lang="en-US" altLang="ko-KR" dirty="0" smtClean="0"/>
+          </a:p>
+        </p:txBody>
+      </p:sp>
+      <p:sp>
+        <p:nvSpPr>
+          <p:cNvPr id="12" name="순서도: 처리 11"/>
+          <p:cNvSpPr/>
+          <p:nvPr/>
+        </p:nvSpPr>
+        <p:spPr>
+          <a:xfrm>
+            <a:off x="2080401" y="2071988"/>
+            <a:ext cx="964357" cy="1080000"/>
+          </a:xfrm>
+          <a:prstGeom prst="flowChartProcess">
+            <a:avLst/>
+          </a:prstGeom>
+        </p:spPr>
+        <p:style>
+          <a:lnRef idx="2">
+            <a:schemeClr val="accent1">
+              <a:shade val="50000"/>
+            </a:schemeClr>
+          </a:lnRef>
+          <a:fillRef idx="1">
+            <a:schemeClr val="accent1"/>
+          </a:fillRef>
+          <a:effectRef idx="0">
+            <a:schemeClr val="accent1"/>
+          </a:effectRef>
+          <a:fontRef idx="minor">
+            <a:schemeClr val="lt1"/>
+          </a:fontRef>
+        </p:style>
+        <p:txBody>
+          <a:bodyPr lIns="36000" tIns="36000" rIns="36000" bIns="36000" rtlCol="0" anchor="ctr"/>
+          <a:lstStyle/>
+          <a:p>
+            <a:pPr algn="ctr"/>
+            <a:r>
+              <a:rPr lang="en-US" altLang="ko-KR" sz="3200" dirty="0" smtClean="0"/>
+              <a:t>01</a:t>
+            </a:r>
+            <a:endParaRPr lang="ko-KR" altLang="en-US" sz="3200" dirty="0"/>
+          </a:p>
+        </p:txBody>
+      </p:sp>
+      <p:sp>
+        <p:nvSpPr>
+          <p:cNvPr id="14" name="순서도: 처리 13"/>
+          <p:cNvSpPr/>
+          <p:nvPr/>
+        </p:nvSpPr>
+        <p:spPr>
+          <a:xfrm>
+            <a:off x="3044757" y="2071988"/>
+            <a:ext cx="2635643" cy="1080000"/>
+          </a:xfrm>
+          <a:prstGeom prst="flowChartProcess">
+            <a:avLst/>
+          </a:prstGeom>
+          <a:solidFill>
+            <a:schemeClr val="bg1"/>
+          </a:solidFill>
+        </p:spPr>
+        <p:style>
+          <a:lnRef idx="2">
+            <a:schemeClr val="accent1">
+              <a:shade val="50000"/>
+            </a:schemeClr>
+          </a:lnRef>
+          <a:fillRef idx="1">
+            <a:schemeClr val="accent1"/>
+          </a:fillRef>
+          <a:effectRef idx="0">
+            <a:schemeClr val="accent1"/>
+          </a:effectRef>
+          <a:fontRef idx="minor">
+            <a:schemeClr val="lt1"/>
+          </a:fontRef>
+        </p:style>
+        <p:txBody>
+          <a:bodyPr lIns="36000" tIns="36000" rIns="36000" bIns="36000" rtlCol="0" anchor="ctr"/>
+          <a:lstStyle/>
+          <a:p>
+            <a:pPr algn="ctr"/>
             <a:r>
               <a:rPr lang="ko-KR" altLang="en-US" dirty="0" smtClean="0">
                 <a:solidFill>
-                  <a:schemeClr val="accent1">
-                    <a:lumMod val="50000"/>
-                  </a:schemeClr>
+                  <a:schemeClr val="tx1"/>
                 </a:solidFill>
                 <a:latin typeface="HY견고딕" panose="02030600000101010101" pitchFamily="18" charset="-127"/>
                 <a:ea typeface="HY견고딕" panose="02030600000101010101" pitchFamily="18" charset="-127"/>
               </a:rPr>
-              <a:t>이 프로그램을 제작한 이유</a:t>
-            </a:r>
-            <a:endParaRPr lang="ko-KR" altLang="en-US" dirty="0">
+              <a:t>제작 동기</a:t>
+            </a:r>
+            <a:endParaRPr lang="en-US" altLang="ko-KR" dirty="0" smtClean="0">
               <a:solidFill>
-                <a:schemeClr val="accent1">
-                  <a:lumMod val="50000"/>
-                </a:schemeClr>
+                <a:schemeClr val="tx1"/>
               </a:solidFill>
               <a:latin typeface="HY견고딕" panose="02030600000101010101" pitchFamily="18" charset="-127"/>
               <a:ea typeface="HY견고딕" panose="02030600000101010101" pitchFamily="18" charset="-127"/>
@@ -3830,482 +3992,214 @@
       </p:sp>
       <p:sp>
         <p:nvSpPr>
-          <p:cNvPr id="6" name="TextBox 5"/>
-          <p:cNvSpPr txBox="1"/>
+          <p:cNvPr id="16" name="순서도: 처리 15"/>
+          <p:cNvSpPr/>
           <p:nvPr/>
         </p:nvSpPr>
         <p:spPr>
           <a:xfrm>
-            <a:off x="2266545" y="1381328"/>
-            <a:ext cx="8995013" cy="646331"/>
+            <a:off x="4362578" y="4206290"/>
+            <a:ext cx="964357" cy="1080000"/>
           </a:xfrm>
-          <a:prstGeom prst="rect">
+          <a:prstGeom prst="flowChartProcess">
             <a:avLst/>
           </a:prstGeom>
-          <a:noFill/>
         </p:spPr>
-        <p:txBody>
-          <a:bodyPr wrap="square" rtlCol="0">
-            <a:spAutoFit/>
-          </a:bodyPr>
-          <a:lstStyle/>
-          <a:p>
+        <p:style>
+          <a:lnRef idx="2">
+            <a:schemeClr val="accent1">
+              <a:shade val="50000"/>
+            </a:schemeClr>
+          </a:lnRef>
+          <a:fillRef idx="1">
+            <a:schemeClr val="accent1"/>
+          </a:fillRef>
+          <a:effectRef idx="0">
+            <a:schemeClr val="accent1"/>
+          </a:effectRef>
+          <a:fontRef idx="minor">
+            <a:schemeClr val="lt1"/>
+          </a:fontRef>
+        </p:style>
+        <p:txBody>
+          <a:bodyPr lIns="36000" tIns="36000" rIns="36000" bIns="36000" rtlCol="0" anchor="ctr"/>
+          <a:lstStyle/>
+          <a:p>
+            <a:pPr algn="ctr"/>
+            <a:r>
+              <a:rPr lang="en-US" altLang="ko-KR" sz="3200" dirty="0" smtClean="0"/>
+              <a:t>03</a:t>
+            </a:r>
+            <a:endParaRPr lang="ko-KR" altLang="en-US" sz="3200" dirty="0"/>
+          </a:p>
+        </p:txBody>
+      </p:sp>
+      <p:sp>
+        <p:nvSpPr>
+          <p:cNvPr id="18" name="순서도: 처리 17"/>
+          <p:cNvSpPr/>
+          <p:nvPr/>
+        </p:nvSpPr>
+        <p:spPr>
+          <a:xfrm>
+            <a:off x="5326936" y="4206290"/>
+            <a:ext cx="2635643" cy="1080000"/>
+          </a:xfrm>
+          <a:prstGeom prst="flowChartProcess">
+            <a:avLst/>
+          </a:prstGeom>
+          <a:solidFill>
+            <a:schemeClr val="bg1"/>
+          </a:solidFill>
+        </p:spPr>
+        <p:style>
+          <a:lnRef idx="2">
+            <a:schemeClr val="accent1">
+              <a:shade val="50000"/>
+            </a:schemeClr>
+          </a:lnRef>
+          <a:fillRef idx="1">
+            <a:schemeClr val="accent1"/>
+          </a:fillRef>
+          <a:effectRef idx="0">
+            <a:schemeClr val="accent1"/>
+          </a:effectRef>
+          <a:fontRef idx="minor">
+            <a:schemeClr val="lt1"/>
+          </a:fontRef>
+        </p:style>
+        <p:txBody>
+          <a:bodyPr lIns="36000" tIns="36000" rIns="36000" bIns="36000" rtlCol="0" anchor="ctr"/>
+          <a:lstStyle/>
+          <a:p>
+            <a:pPr algn="ctr"/>
             <a:r>
               <a:rPr lang="ko-KR" altLang="en-US" dirty="0" smtClean="0">
                 <a:solidFill>
-                  <a:schemeClr val="accent1">
-                    <a:lumMod val="75000"/>
-                  </a:schemeClr>
+                  <a:schemeClr val="tx1"/>
                 </a:solidFill>
                 <a:latin typeface="HY견고딕" panose="02030600000101010101" pitchFamily="18" charset="-127"/>
                 <a:ea typeface="HY견고딕" panose="02030600000101010101" pitchFamily="18" charset="-127"/>
               </a:rPr>
-              <a:t>서로의 의견 중에 가상화폐 거래소 </a:t>
-            </a:r>
-            <a:r>
-              <a:rPr lang="en-US" altLang="ko-KR" dirty="0" smtClean="0">
+              <a:t>직접시연</a:t>
+            </a:r>
+            <a:endParaRPr lang="en-US" altLang="ko-KR" dirty="0" smtClean="0">
+              <a:solidFill>
+                <a:schemeClr val="tx1"/>
+              </a:solidFill>
+              <a:latin typeface="HY견고딕" panose="02030600000101010101" pitchFamily="18" charset="-127"/>
+              <a:ea typeface="HY견고딕" panose="02030600000101010101" pitchFamily="18" charset="-127"/>
+            </a:endParaRPr>
+          </a:p>
+        </p:txBody>
+      </p:sp>
+      <p:sp>
+        <p:nvSpPr>
+          <p:cNvPr id="19" name="순서도: 처리 18"/>
+          <p:cNvSpPr/>
+          <p:nvPr/>
+        </p:nvSpPr>
+        <p:spPr>
+          <a:xfrm>
+            <a:off x="6644758" y="2071988"/>
+            <a:ext cx="964357" cy="1080000"/>
+          </a:xfrm>
+          <a:prstGeom prst="flowChartProcess">
+            <a:avLst/>
+          </a:prstGeom>
+        </p:spPr>
+        <p:style>
+          <a:lnRef idx="2">
+            <a:schemeClr val="accent1">
+              <a:shade val="50000"/>
+            </a:schemeClr>
+          </a:lnRef>
+          <a:fillRef idx="1">
+            <a:schemeClr val="accent1"/>
+          </a:fillRef>
+          <a:effectRef idx="0">
+            <a:schemeClr val="accent1"/>
+          </a:effectRef>
+          <a:fontRef idx="minor">
+            <a:schemeClr val="lt1"/>
+          </a:fontRef>
+        </p:style>
+        <p:txBody>
+          <a:bodyPr lIns="36000" tIns="36000" rIns="36000" bIns="36000" rtlCol="0" anchor="ctr"/>
+          <a:lstStyle/>
+          <a:p>
+            <a:pPr algn="ctr"/>
+            <a:r>
+              <a:rPr lang="en-US" altLang="ko-KR" sz="3200" dirty="0" smtClean="0"/>
+              <a:t>02</a:t>
+            </a:r>
+            <a:endParaRPr lang="ko-KR" altLang="en-US" sz="3200" dirty="0"/>
+          </a:p>
+        </p:txBody>
+      </p:sp>
+      <p:sp>
+        <p:nvSpPr>
+          <p:cNvPr id="21" name="순서도: 처리 20"/>
+          <p:cNvSpPr/>
+          <p:nvPr/>
+        </p:nvSpPr>
+        <p:spPr>
+          <a:xfrm>
+            <a:off x="7609115" y="2071988"/>
+            <a:ext cx="2635643" cy="1080000"/>
+          </a:xfrm>
+          <a:prstGeom prst="flowChartProcess">
+            <a:avLst/>
+          </a:prstGeom>
+          <a:solidFill>
+            <a:schemeClr val="bg1"/>
+          </a:solidFill>
+        </p:spPr>
+        <p:style>
+          <a:lnRef idx="2">
+            <a:schemeClr val="accent1">
+              <a:shade val="50000"/>
+            </a:schemeClr>
+          </a:lnRef>
+          <a:fillRef idx="1">
+            <a:schemeClr val="accent1"/>
+          </a:fillRef>
+          <a:effectRef idx="0">
+            <a:schemeClr val="accent1"/>
+          </a:effectRef>
+          <a:fontRef idx="minor">
+            <a:schemeClr val="lt1"/>
+          </a:fontRef>
+        </p:style>
+        <p:txBody>
+          <a:bodyPr lIns="36000" tIns="36000" rIns="36000" bIns="36000" rtlCol="0" anchor="ctr"/>
+          <a:lstStyle/>
+          <a:p>
+            <a:pPr algn="ctr"/>
+            <a:r>
+              <a:rPr lang="ko-KR" altLang="en-US" dirty="0" smtClean="0">
                 <a:solidFill>
-                  <a:schemeClr val="accent1">
-                    <a:lumMod val="75000"/>
-                  </a:schemeClr>
+                  <a:schemeClr val="tx1"/>
                 </a:solidFill>
                 <a:latin typeface="HY견고딕" panose="02030600000101010101" pitchFamily="18" charset="-127"/>
                 <a:ea typeface="HY견고딕" panose="02030600000101010101" pitchFamily="18" charset="-127"/>
               </a:rPr>
-              <a:t>, </a:t>
-            </a:r>
-            <a:r>
-              <a:rPr lang="ko-KR" altLang="en-US" dirty="0" smtClean="0">
-                <a:solidFill>
-                  <a:schemeClr val="accent1">
-                    <a:lumMod val="75000"/>
-                  </a:schemeClr>
-                </a:solidFill>
-                <a:latin typeface="HY견고딕" panose="02030600000101010101" pitchFamily="18" charset="-127"/>
-                <a:ea typeface="HY견고딕" panose="02030600000101010101" pitchFamily="18" charset="-127"/>
-              </a:rPr>
-              <a:t>도트 그리기 프로그램 </a:t>
-            </a:r>
-            <a:r>
-              <a:rPr lang="en-US" altLang="ko-KR" dirty="0" smtClean="0">
-                <a:solidFill>
-                  <a:schemeClr val="accent1">
-                    <a:lumMod val="75000"/>
-                  </a:schemeClr>
-                </a:solidFill>
-                <a:latin typeface="HY견고딕" panose="02030600000101010101" pitchFamily="18" charset="-127"/>
-                <a:ea typeface="HY견고딕" panose="02030600000101010101" pitchFamily="18" charset="-127"/>
-              </a:rPr>
-              <a:t>, </a:t>
-            </a:r>
-            <a:r>
-              <a:rPr lang="ko-KR" altLang="en-US" dirty="0" smtClean="0">
-                <a:solidFill>
-                  <a:schemeClr val="accent1">
-                    <a:lumMod val="75000"/>
-                  </a:schemeClr>
-                </a:solidFill>
-                <a:latin typeface="HY견고딕" panose="02030600000101010101" pitchFamily="18" charset="-127"/>
-                <a:ea typeface="HY견고딕" panose="02030600000101010101" pitchFamily="18" charset="-127"/>
-              </a:rPr>
-              <a:t>블록 코딩 중에 </a:t>
+              <a:t>주요기능 설명</a:t>
             </a:r>
             <a:endParaRPr lang="en-US" altLang="ko-KR" dirty="0" smtClean="0">
               <a:solidFill>
-                <a:schemeClr val="accent1">
-                  <a:lumMod val="75000"/>
-                </a:schemeClr>
+                <a:schemeClr val="tx1"/>
               </a:solidFill>
               <a:latin typeface="HY견고딕" panose="02030600000101010101" pitchFamily="18" charset="-127"/>
               <a:ea typeface="HY견고딕" panose="02030600000101010101" pitchFamily="18" charset="-127"/>
             </a:endParaRPr>
           </a:p>
-          <a:p>
-            <a:r>
-              <a:rPr lang="ko-KR" altLang="en-US" dirty="0" smtClean="0">
-                <a:solidFill>
-                  <a:schemeClr val="accent1">
-                    <a:lumMod val="75000"/>
-                  </a:schemeClr>
-                </a:solidFill>
-                <a:latin typeface="HY견고딕" panose="02030600000101010101" pitchFamily="18" charset="-127"/>
-                <a:ea typeface="HY견고딕" panose="02030600000101010101" pitchFamily="18" charset="-127"/>
-              </a:rPr>
-              <a:t>이번 팀 프로젝트와 잘 어울린다 생각하여 선정하게 되었습니다</a:t>
-            </a:r>
-            <a:endParaRPr lang="ko-KR" altLang="en-US" dirty="0">
-              <a:solidFill>
-                <a:schemeClr val="accent1">
-                  <a:lumMod val="75000"/>
-                </a:schemeClr>
-              </a:solidFill>
-              <a:latin typeface="HY견고딕" panose="02030600000101010101" pitchFamily="18" charset="-127"/>
-              <a:ea typeface="HY견고딕" panose="02030600000101010101" pitchFamily="18" charset="-127"/>
-            </a:endParaRPr>
-          </a:p>
-        </p:txBody>
-      </p:sp>
-      <p:sp>
-        <p:nvSpPr>
-          <p:cNvPr id="11" name="TextBox 10"/>
-          <p:cNvSpPr txBox="1"/>
-          <p:nvPr/>
-        </p:nvSpPr>
-        <p:spPr>
-          <a:xfrm>
-            <a:off x="1770434" y="2631446"/>
-            <a:ext cx="3589506" cy="369332"/>
-          </a:xfrm>
-          <a:prstGeom prst="rect">
-            <a:avLst/>
-          </a:prstGeom>
-          <a:noFill/>
-        </p:spPr>
-        <p:txBody>
-          <a:bodyPr wrap="square" rtlCol="0">
-            <a:spAutoFit/>
-          </a:bodyPr>
-          <a:lstStyle/>
-          <a:p>
-            <a:pPr marL="285750" indent="-285750">
-              <a:buFont typeface="Arial" panose="020B0604020202020204" pitchFamily="34" charset="0"/>
-              <a:buChar char="•"/>
-            </a:pPr>
-            <a:r>
-              <a:rPr lang="ko-KR" altLang="en-US" smtClean="0">
-                <a:solidFill>
-                  <a:schemeClr val="accent1">
-                    <a:lumMod val="50000"/>
-                  </a:schemeClr>
-                </a:solidFill>
-                <a:latin typeface="HY견고딕" panose="02030600000101010101" pitchFamily="18" charset="-127"/>
-                <a:ea typeface="HY견고딕" panose="02030600000101010101" pitchFamily="18" charset="-127"/>
-              </a:rPr>
-              <a:t>이 프로그램의 주요 기능</a:t>
-            </a:r>
-            <a:endParaRPr lang="ko-KR" altLang="en-US" dirty="0">
-              <a:solidFill>
-                <a:schemeClr val="accent1">
-                  <a:lumMod val="50000"/>
-                </a:schemeClr>
-              </a:solidFill>
-              <a:latin typeface="HY견고딕" panose="02030600000101010101" pitchFamily="18" charset="-127"/>
-              <a:ea typeface="HY견고딕" panose="02030600000101010101" pitchFamily="18" charset="-127"/>
-            </a:endParaRPr>
-          </a:p>
-        </p:txBody>
-      </p:sp>
-      <p:sp>
-        <p:nvSpPr>
-          <p:cNvPr id="12" name="TextBox 11"/>
-          <p:cNvSpPr txBox="1"/>
-          <p:nvPr/>
-        </p:nvSpPr>
-        <p:spPr>
-          <a:xfrm>
-            <a:off x="2266545" y="3000778"/>
-            <a:ext cx="6733504" cy="2308324"/>
-          </a:xfrm>
-          <a:prstGeom prst="rect">
-            <a:avLst/>
-          </a:prstGeom>
-          <a:noFill/>
-        </p:spPr>
-        <p:txBody>
-          <a:bodyPr wrap="square" rtlCol="0">
-            <a:spAutoFit/>
-          </a:bodyPr>
-          <a:lstStyle/>
-          <a:p>
-            <a:pPr lvl="0"/>
-            <a:r>
-              <a:rPr lang="en-US" altLang="ko-KR" dirty="0" smtClean="0">
-                <a:solidFill>
-                  <a:schemeClr val="accent1">
-                    <a:lumMod val="75000"/>
-                  </a:schemeClr>
-                </a:solidFill>
-                <a:latin typeface="HY견고딕" panose="02030600000101010101" pitchFamily="18" charset="-127"/>
-                <a:ea typeface="HY견고딕" panose="02030600000101010101" pitchFamily="18" charset="-127"/>
-              </a:rPr>
-              <a:t>1) </a:t>
-            </a:r>
-            <a:r>
-              <a:rPr lang="ko-KR" altLang="ko-KR" dirty="0" smtClean="0">
-                <a:solidFill>
-                  <a:schemeClr val="accent1">
-                    <a:lumMod val="75000"/>
-                  </a:schemeClr>
-                </a:solidFill>
-                <a:latin typeface="HY견고딕" panose="02030600000101010101" pitchFamily="18" charset="-127"/>
-                <a:ea typeface="HY견고딕" panose="02030600000101010101" pitchFamily="18" charset="-127"/>
-              </a:rPr>
-              <a:t>블록체인</a:t>
-            </a:r>
-            <a:endParaRPr lang="ko-KR" altLang="ko-KR" dirty="0">
-              <a:solidFill>
-                <a:schemeClr val="accent1">
-                  <a:lumMod val="75000"/>
-                </a:schemeClr>
-              </a:solidFill>
-              <a:latin typeface="HY견고딕" panose="02030600000101010101" pitchFamily="18" charset="-127"/>
-              <a:ea typeface="HY견고딕" panose="02030600000101010101" pitchFamily="18" charset="-127"/>
-            </a:endParaRPr>
-          </a:p>
-          <a:p>
-            <a:pPr lvl="0"/>
-            <a:r>
-              <a:rPr lang="en-US" altLang="ko-KR" dirty="0" smtClean="0">
-                <a:solidFill>
-                  <a:schemeClr val="accent1">
-                    <a:lumMod val="75000"/>
-                  </a:schemeClr>
-                </a:solidFill>
-                <a:latin typeface="HY견고딕" panose="02030600000101010101" pitchFamily="18" charset="-127"/>
-                <a:ea typeface="HY견고딕" panose="02030600000101010101" pitchFamily="18" charset="-127"/>
-              </a:rPr>
-              <a:t>- </a:t>
-            </a:r>
-            <a:r>
-              <a:rPr lang="ko-KR" altLang="en-US" dirty="0" smtClean="0">
-                <a:solidFill>
-                  <a:schemeClr val="accent1">
-                    <a:lumMod val="75000"/>
-                  </a:schemeClr>
-                </a:solidFill>
-                <a:latin typeface="HY견고딕" panose="02030600000101010101" pitchFamily="18" charset="-127"/>
-                <a:ea typeface="HY견고딕" panose="02030600000101010101" pitchFamily="18" charset="-127"/>
-              </a:rPr>
-              <a:t>코인의 기능을 위한 기능</a:t>
-            </a:r>
-            <a:endParaRPr lang="en-US" altLang="ko-KR" dirty="0" smtClean="0">
-              <a:solidFill>
-                <a:schemeClr val="accent1">
-                  <a:lumMod val="75000"/>
-                </a:schemeClr>
-              </a:solidFill>
-              <a:latin typeface="HY견고딕" panose="02030600000101010101" pitchFamily="18" charset="-127"/>
-              <a:ea typeface="HY견고딕" panose="02030600000101010101" pitchFamily="18" charset="-127"/>
-            </a:endParaRPr>
-          </a:p>
-          <a:p>
-            <a:pPr lvl="0"/>
-            <a:r>
-              <a:rPr lang="en-US" altLang="ko-KR" dirty="0" smtClean="0">
-                <a:solidFill>
-                  <a:schemeClr val="accent1">
-                    <a:lumMod val="75000"/>
-                  </a:schemeClr>
-                </a:solidFill>
-                <a:latin typeface="HY견고딕" panose="02030600000101010101" pitchFamily="18" charset="-127"/>
-                <a:ea typeface="HY견고딕" panose="02030600000101010101" pitchFamily="18" charset="-127"/>
-              </a:rPr>
-              <a:t>2) </a:t>
-            </a:r>
-            <a:r>
-              <a:rPr lang="ko-KR" altLang="ko-KR" dirty="0" smtClean="0">
-                <a:solidFill>
-                  <a:schemeClr val="accent1">
-                    <a:lumMod val="75000"/>
-                  </a:schemeClr>
-                </a:solidFill>
-                <a:latin typeface="HY견고딕" panose="02030600000101010101" pitchFamily="18" charset="-127"/>
-                <a:ea typeface="HY견고딕" panose="02030600000101010101" pitchFamily="18" charset="-127"/>
-              </a:rPr>
-              <a:t>거래소</a:t>
-            </a:r>
-            <a:endParaRPr lang="ko-KR" altLang="ko-KR" dirty="0">
-              <a:solidFill>
-                <a:schemeClr val="accent1">
-                  <a:lumMod val="75000"/>
-                </a:schemeClr>
-              </a:solidFill>
-              <a:latin typeface="HY견고딕" panose="02030600000101010101" pitchFamily="18" charset="-127"/>
-              <a:ea typeface="HY견고딕" panose="02030600000101010101" pitchFamily="18" charset="-127"/>
-            </a:endParaRPr>
-          </a:p>
-          <a:p>
-            <a:pPr lvl="0"/>
-            <a:r>
-              <a:rPr lang="en-US" altLang="ko-KR" dirty="0" smtClean="0">
-                <a:solidFill>
-                  <a:schemeClr val="accent1">
-                    <a:lumMod val="75000"/>
-                  </a:schemeClr>
-                </a:solidFill>
-                <a:latin typeface="HY견고딕" panose="02030600000101010101" pitchFamily="18" charset="-127"/>
-                <a:ea typeface="HY견고딕" panose="02030600000101010101" pitchFamily="18" charset="-127"/>
-              </a:rPr>
-              <a:t>- </a:t>
-            </a:r>
-            <a:r>
-              <a:rPr lang="ko-KR" altLang="en-US" dirty="0" smtClean="0">
-                <a:solidFill>
-                  <a:schemeClr val="accent1">
-                    <a:lumMod val="75000"/>
-                  </a:schemeClr>
-                </a:solidFill>
-                <a:latin typeface="HY견고딕" panose="02030600000101010101" pitchFamily="18" charset="-127"/>
-                <a:ea typeface="HY견고딕" panose="02030600000101010101" pitchFamily="18" charset="-127"/>
-              </a:rPr>
-              <a:t>코인을 사고 팔고 할 수 있는 공간</a:t>
-            </a:r>
-            <a:endParaRPr lang="en-US" altLang="ko-KR" dirty="0" smtClean="0">
-              <a:solidFill>
-                <a:schemeClr val="accent1">
-                  <a:lumMod val="75000"/>
-                </a:schemeClr>
-              </a:solidFill>
-              <a:latin typeface="HY견고딕" panose="02030600000101010101" pitchFamily="18" charset="-127"/>
-              <a:ea typeface="HY견고딕" panose="02030600000101010101" pitchFamily="18" charset="-127"/>
-            </a:endParaRPr>
-          </a:p>
-          <a:p>
-            <a:pPr lvl="0"/>
-            <a:r>
-              <a:rPr lang="en-US" altLang="ko-KR" dirty="0" smtClean="0">
-                <a:solidFill>
-                  <a:schemeClr val="accent1">
-                    <a:lumMod val="75000"/>
-                  </a:schemeClr>
-                </a:solidFill>
-                <a:latin typeface="HY견고딕" panose="02030600000101010101" pitchFamily="18" charset="-127"/>
-                <a:ea typeface="HY견고딕" panose="02030600000101010101" pitchFamily="18" charset="-127"/>
-              </a:rPr>
-              <a:t>3) </a:t>
-            </a:r>
-            <a:r>
-              <a:rPr lang="ko-KR" altLang="ko-KR" dirty="0" smtClean="0">
-                <a:solidFill>
-                  <a:schemeClr val="accent1">
-                    <a:lumMod val="75000"/>
-                  </a:schemeClr>
-                </a:solidFill>
-                <a:latin typeface="HY견고딕" panose="02030600000101010101" pitchFamily="18" charset="-127"/>
-                <a:ea typeface="HY견고딕" panose="02030600000101010101" pitchFamily="18" charset="-127"/>
-              </a:rPr>
-              <a:t>채굴</a:t>
-            </a:r>
-            <a:endParaRPr lang="ko-KR" altLang="ko-KR" dirty="0">
-              <a:solidFill>
-                <a:schemeClr val="accent1">
-                  <a:lumMod val="75000"/>
-                </a:schemeClr>
-              </a:solidFill>
-              <a:latin typeface="HY견고딕" panose="02030600000101010101" pitchFamily="18" charset="-127"/>
-              <a:ea typeface="HY견고딕" panose="02030600000101010101" pitchFamily="18" charset="-127"/>
-            </a:endParaRPr>
-          </a:p>
-          <a:p>
-            <a:pPr lvl="0"/>
-            <a:r>
-              <a:rPr lang="en-US" altLang="ko-KR" dirty="0" smtClean="0">
-                <a:solidFill>
-                  <a:schemeClr val="accent1">
-                    <a:lumMod val="75000"/>
-                  </a:schemeClr>
-                </a:solidFill>
-                <a:latin typeface="HY견고딕" panose="02030600000101010101" pitchFamily="18" charset="-127"/>
-                <a:ea typeface="HY견고딕" panose="02030600000101010101" pitchFamily="18" charset="-127"/>
-              </a:rPr>
-              <a:t>- </a:t>
-            </a:r>
-            <a:r>
-              <a:rPr lang="ko-KR" altLang="en-US" dirty="0" smtClean="0">
-                <a:solidFill>
-                  <a:schemeClr val="accent1">
-                    <a:lumMod val="75000"/>
-                  </a:schemeClr>
-                </a:solidFill>
-                <a:latin typeface="HY견고딕" panose="02030600000101010101" pitchFamily="18" charset="-127"/>
-                <a:ea typeface="HY견고딕" panose="02030600000101010101" pitchFamily="18" charset="-127"/>
-              </a:rPr>
-              <a:t>코인의 양을 올리는 기능</a:t>
-            </a:r>
-            <a:endParaRPr lang="en-US" altLang="ko-KR" dirty="0" smtClean="0">
-              <a:solidFill>
-                <a:schemeClr val="accent1">
-                  <a:lumMod val="75000"/>
-                </a:schemeClr>
-              </a:solidFill>
-              <a:latin typeface="HY견고딕" panose="02030600000101010101" pitchFamily="18" charset="-127"/>
-              <a:ea typeface="HY견고딕" panose="02030600000101010101" pitchFamily="18" charset="-127"/>
-            </a:endParaRPr>
-          </a:p>
-          <a:p>
-            <a:pPr lvl="0"/>
-            <a:r>
-              <a:rPr lang="en-US" altLang="ko-KR" dirty="0" smtClean="0">
-                <a:solidFill>
-                  <a:schemeClr val="accent1">
-                    <a:lumMod val="75000"/>
-                  </a:schemeClr>
-                </a:solidFill>
-                <a:latin typeface="HY견고딕" panose="02030600000101010101" pitchFamily="18" charset="-127"/>
-                <a:ea typeface="HY견고딕" panose="02030600000101010101" pitchFamily="18" charset="-127"/>
-              </a:rPr>
-              <a:t>4) </a:t>
-            </a:r>
-            <a:r>
-              <a:rPr lang="ko-KR" altLang="ko-KR" dirty="0" smtClean="0">
-                <a:solidFill>
-                  <a:schemeClr val="accent1">
-                    <a:lumMod val="75000"/>
-                  </a:schemeClr>
-                </a:solidFill>
-                <a:latin typeface="HY견고딕" panose="02030600000101010101" pitchFamily="18" charset="-127"/>
-                <a:ea typeface="HY견고딕" panose="02030600000101010101" pitchFamily="18" charset="-127"/>
-              </a:rPr>
-              <a:t>서버</a:t>
-            </a:r>
-            <a:endParaRPr lang="en-US" altLang="ko-KR" dirty="0" smtClean="0">
-              <a:solidFill>
-                <a:schemeClr val="accent1">
-                  <a:lumMod val="75000"/>
-                </a:schemeClr>
-              </a:solidFill>
-              <a:latin typeface="HY견고딕" panose="02030600000101010101" pitchFamily="18" charset="-127"/>
-              <a:ea typeface="HY견고딕" panose="02030600000101010101" pitchFamily="18" charset="-127"/>
-            </a:endParaRPr>
-          </a:p>
-          <a:p>
-            <a:pPr lvl="0"/>
-            <a:r>
-              <a:rPr lang="en-US" altLang="ko-KR" dirty="0" smtClean="0">
-                <a:solidFill>
-                  <a:schemeClr val="accent1">
-                    <a:lumMod val="75000"/>
-                  </a:schemeClr>
-                </a:solidFill>
-                <a:latin typeface="HY견고딕" panose="02030600000101010101" pitchFamily="18" charset="-127"/>
-                <a:ea typeface="HY견고딕" panose="02030600000101010101" pitchFamily="18" charset="-127"/>
-              </a:rPr>
-              <a:t>- </a:t>
-            </a:r>
-            <a:r>
-              <a:rPr lang="ko-KR" altLang="en-US" dirty="0" smtClean="0">
-                <a:solidFill>
-                  <a:schemeClr val="accent1">
-                    <a:lumMod val="75000"/>
-                  </a:schemeClr>
-                </a:solidFill>
-                <a:latin typeface="HY견고딕" panose="02030600000101010101" pitchFamily="18" charset="-127"/>
-                <a:ea typeface="HY견고딕" panose="02030600000101010101" pitchFamily="18" charset="-127"/>
-              </a:rPr>
-              <a:t>정보를 실시간을 제공해주는 기능</a:t>
-            </a:r>
-            <a:r>
-              <a:rPr lang="en-US" altLang="ko-KR" dirty="0" smtClean="0"/>
-              <a:t> </a:t>
-            </a:r>
-            <a:endParaRPr lang="ko-KR" altLang="en-US" dirty="0"/>
-          </a:p>
         </p:txBody>
       </p:sp>
     </p:spTree>
     <p:extLst>
       <p:ext uri="{BB962C8B-B14F-4D97-AF65-F5344CB8AC3E}">
-        <p14:creationId xmlns:p14="http://schemas.microsoft.com/office/powerpoint/2010/main" val="2523144941"/>
+        <p14:creationId xmlns:p14="http://schemas.microsoft.com/office/powerpoint/2010/main" val="1031857888"/>
       </p:ext>
     </p:extLst>
   </p:cSld>
@@ -4349,23 +4243,25 @@
       </p:grpSpPr>
       <p:sp>
         <p:nvSpPr>
-          <p:cNvPr id="5" name="직사각형 4"/>
+          <p:cNvPr id="2" name="순서도: 처리 1"/>
           <p:cNvSpPr/>
           <p:nvPr/>
         </p:nvSpPr>
         <p:spPr>
           <a:xfrm>
-            <a:off x="316392" y="764678"/>
-            <a:ext cx="11559209" cy="5816931"/>
+            <a:off x="301554" y="865761"/>
+            <a:ext cx="11517549" cy="5797685"/>
           </a:xfrm>
-          <a:prstGeom prst="rect">
+          <a:prstGeom prst="flowChartProcess">
             <a:avLst/>
           </a:prstGeom>
           <a:solidFill>
             <a:schemeClr val="bg1"/>
           </a:solidFill>
-          <a:ln>
-            <a:noFill/>
+          <a:ln w="47625">
+            <a:solidFill>
+              <a:srgbClr val="99CCFF"/>
+            </a:solidFill>
           </a:ln>
         </p:spPr>
         <p:style>
@@ -4395,14 +4291,14 @@
       </p:sp>
       <p:sp>
         <p:nvSpPr>
-          <p:cNvPr id="6" name="TextBox 5"/>
+          <p:cNvPr id="3" name="TextBox 2"/>
           <p:cNvSpPr txBox="1"/>
           <p:nvPr/>
         </p:nvSpPr>
         <p:spPr>
           <a:xfrm>
-            <a:off x="3977678" y="131770"/>
-            <a:ext cx="4431193" cy="461665"/>
+            <a:off x="4359143" y="112315"/>
+            <a:ext cx="3402373" cy="461665"/>
           </a:xfrm>
           <a:prstGeom prst="rect">
             <a:avLst/>
@@ -4415,30 +4311,7 @@
           </a:bodyPr>
           <a:lstStyle/>
           <a:p>
-            <a:r>
-              <a:rPr lang="en-US" altLang="ko-KR" sz="2400" b="1" dirty="0" smtClean="0">
-                <a:solidFill>
-                  <a:schemeClr val="accent5">
-                    <a:lumMod val="50000"/>
-                  </a:schemeClr>
-                </a:solidFill>
-                <a:latin typeface="HY견고딕" panose="02030600000101010101" pitchFamily="18" charset="-127"/>
-                <a:ea typeface="HY견고딕" panose="02030600000101010101" pitchFamily="18" charset="-127"/>
-              </a:rPr>
-              <a:t>YS Coin Market FX</a:t>
-            </a:r>
-            <a:r>
-              <a:rPr lang="ko-KR" altLang="en-US" sz="2400" b="1" dirty="0">
-                <a:solidFill>
-                  <a:schemeClr val="accent5">
-                    <a:lumMod val="50000"/>
-                  </a:schemeClr>
-                </a:solidFill>
-                <a:latin typeface="HY견고딕" panose="02030600000101010101" pitchFamily="18" charset="-127"/>
-                <a:ea typeface="HY견고딕" panose="02030600000101010101" pitchFamily="18" charset="-127"/>
-              </a:rPr>
-              <a:t> </a:t>
-            </a:r>
+            <a:pPr algn="ctr"/>
             <a:r>
               <a:rPr lang="ko-KR" altLang="en-US" sz="2400" b="1" dirty="0" smtClean="0">
                 <a:solidFill>
@@ -4449,9 +4322,9 @@
                 <a:latin typeface="HY견고딕" panose="02030600000101010101" pitchFamily="18" charset="-127"/>
                 <a:ea typeface="HY견고딕" panose="02030600000101010101" pitchFamily="18" charset="-127"/>
               </a:rPr>
-              <a:t>목록</a:t>
-            </a:r>
-            <a:endParaRPr lang="ko-KR" altLang="en-US" sz="2400" b="1" dirty="0">
+              <a:t>주요기능 설명</a:t>
+            </a:r>
+            <a:endParaRPr lang="en-US" altLang="ko-KR" sz="2400" b="1" dirty="0" smtClean="0">
               <a:solidFill>
                 <a:schemeClr val="accent5">
                   <a:lumMod val="50000"/>
@@ -4465,46 +4338,26 @@
       </p:sp>
       <p:sp>
         <p:nvSpPr>
-          <p:cNvPr id="9" name="TextBox 8"/>
-          <p:cNvSpPr txBox="1"/>
+          <p:cNvPr id="5" name="순서도: 처리 4"/>
+          <p:cNvSpPr/>
           <p:nvPr/>
         </p:nvSpPr>
         <p:spPr>
           <a:xfrm>
-            <a:off x="4167805" y="3494473"/>
-            <a:ext cx="3856382" cy="369332"/>
+            <a:off x="3723974" y="1347933"/>
+            <a:ext cx="4672707" cy="446749"/>
           </a:xfrm>
-          <a:prstGeom prst="rect">
+          <a:prstGeom prst="flowChartProcess">
             <a:avLst/>
           </a:prstGeom>
           <a:solidFill>
             <a:schemeClr val="bg1"/>
           </a:solidFill>
-        </p:spPr>
-        <p:txBody>
-          <a:bodyPr wrap="square" rtlCol="0">
-            <a:spAutoFit/>
-          </a:bodyPr>
-          <a:lstStyle/>
-          <a:p>
-            <a:endParaRPr lang="en-US" altLang="ko-KR" dirty="0" smtClean="0"/>
-          </a:p>
-        </p:txBody>
-      </p:sp>
-      <p:sp>
-        <p:nvSpPr>
-          <p:cNvPr id="12" name="순서도: 처리 11"/>
-          <p:cNvSpPr/>
-          <p:nvPr/>
-        </p:nvSpPr>
-        <p:spPr>
-          <a:xfrm>
-            <a:off x="2080401" y="2071988"/>
-            <a:ext cx="964357" cy="1080000"/>
-          </a:xfrm>
-          <a:prstGeom prst="flowChartProcess">
-            <a:avLst/>
-          </a:prstGeom>
+          <a:ln w="15875">
+            <a:solidFill>
+              <a:schemeClr val="tx1"/>
+            </a:solidFill>
+          </a:ln>
         </p:spPr>
         <p:style>
           <a:lnRef idx="2">
@@ -4523,67 +4376,10 @@
           </a:fontRef>
         </p:style>
         <p:txBody>
-          <a:bodyPr lIns="36000" tIns="36000" rIns="36000" bIns="36000" rtlCol="0" anchor="ctr"/>
+          <a:bodyPr rtlCol="0" anchor="ctr"/>
           <a:lstStyle/>
           <a:p>
             <a:pPr algn="ctr"/>
-            <a:r>
-              <a:rPr lang="en-US" altLang="ko-KR" sz="3200" dirty="0" smtClean="0"/>
-              <a:t>01</a:t>
-            </a:r>
-            <a:endParaRPr lang="ko-KR" altLang="en-US" sz="3200" dirty="0"/>
-          </a:p>
-        </p:txBody>
-      </p:sp>
-      <p:sp>
-        <p:nvSpPr>
-          <p:cNvPr id="14" name="순서도: 처리 13"/>
-          <p:cNvSpPr/>
-          <p:nvPr/>
-        </p:nvSpPr>
-        <p:spPr>
-          <a:xfrm>
-            <a:off x="3044758" y="2071988"/>
-            <a:ext cx="2635643" cy="1080000"/>
-          </a:xfrm>
-          <a:prstGeom prst="flowChartProcess">
-            <a:avLst/>
-          </a:prstGeom>
-          <a:solidFill>
-            <a:schemeClr val="bg1"/>
-          </a:solidFill>
-        </p:spPr>
-        <p:style>
-          <a:lnRef idx="2">
-            <a:schemeClr val="accent1">
-              <a:shade val="50000"/>
-            </a:schemeClr>
-          </a:lnRef>
-          <a:fillRef idx="1">
-            <a:schemeClr val="accent1"/>
-          </a:fillRef>
-          <a:effectRef idx="0">
-            <a:schemeClr val="accent1"/>
-          </a:effectRef>
-          <a:fontRef idx="minor">
-            <a:schemeClr val="lt1"/>
-          </a:fontRef>
-        </p:style>
-        <p:txBody>
-          <a:bodyPr lIns="36000" tIns="36000" rIns="36000" bIns="36000" rtlCol="0" anchor="ctr"/>
-          <a:lstStyle/>
-          <a:p>
-            <a:pPr algn="ctr"/>
-            <a:r>
-              <a:rPr lang="ko-KR" altLang="en-US" dirty="0" smtClean="0">
-                <a:solidFill>
-                  <a:schemeClr val="tx1"/>
-                </a:solidFill>
-                <a:latin typeface="HY견고딕" panose="02030600000101010101" pitchFamily="18" charset="-127"/>
-                <a:ea typeface="HY견고딕" panose="02030600000101010101" pitchFamily="18" charset="-127"/>
-              </a:rPr>
-              <a:t>회원가입</a:t>
-            </a:r>
             <a:r>
               <a:rPr lang="en-US" altLang="ko-KR" dirty="0" smtClean="0">
                 <a:solidFill>
@@ -4592,7 +4388,7 @@
                 <a:latin typeface="HY견고딕" panose="02030600000101010101" pitchFamily="18" charset="-127"/>
                 <a:ea typeface="HY견고딕" panose="02030600000101010101" pitchFamily="18" charset="-127"/>
               </a:rPr>
-              <a:t> &amp; </a:t>
+              <a:t>1. </a:t>
             </a:r>
             <a:r>
               <a:rPr lang="ko-KR" altLang="en-US" dirty="0" smtClean="0">
@@ -4604,6 +4400,36 @@
               </a:rPr>
               <a:t>로그인</a:t>
             </a:r>
+            <a:r>
+              <a:rPr lang="en-US" altLang="ko-KR" dirty="0" smtClean="0">
+                <a:solidFill>
+                  <a:schemeClr val="tx1"/>
+                </a:solidFill>
+                <a:latin typeface="HY견고딕" panose="02030600000101010101" pitchFamily="18" charset="-127"/>
+                <a:ea typeface="HY견고딕" panose="02030600000101010101" pitchFamily="18" charset="-127"/>
+              </a:rPr>
+              <a:t>/</a:t>
+            </a:r>
+            <a:r>
+              <a:rPr lang="ko-KR" altLang="en-US" dirty="0" smtClean="0">
+                <a:solidFill>
+                  <a:schemeClr val="tx1"/>
+                </a:solidFill>
+                <a:latin typeface="HY견고딕" panose="02030600000101010101" pitchFamily="18" charset="-127"/>
+                <a:ea typeface="HY견고딕" panose="02030600000101010101" pitchFamily="18" charset="-127"/>
+              </a:rPr>
+              <a:t>회원가입 기능</a:t>
+            </a:r>
+            <a:r>
+              <a:rPr lang="ko-KR" altLang="en-US" dirty="0" smtClean="0">
+                <a:solidFill>
+                  <a:schemeClr val="tx1"/>
+                </a:solidFill>
+                <a:latin typeface="HY견고딕" panose="02030600000101010101" pitchFamily="18" charset="-127"/>
+                <a:ea typeface="HY견고딕" panose="02030600000101010101" pitchFamily="18" charset="-127"/>
+              </a:rPr>
+              <a:t> </a:t>
+            </a:r>
             <a:endParaRPr lang="en-US" altLang="ko-KR" dirty="0" smtClean="0">
               <a:solidFill>
                 <a:schemeClr val="tx1"/>
@@ -4614,319 +4440,58 @@
           </a:p>
         </p:txBody>
       </p:sp>
-      <p:sp>
-        <p:nvSpPr>
-          <p:cNvPr id="16" name="순서도: 처리 15"/>
-          <p:cNvSpPr/>
+      <p:pic>
+        <p:nvPicPr>
+          <p:cNvPr id="12" name="그림 11"/>
+          <p:cNvPicPr>
+            <a:picLocks noChangeAspect="1"/>
+          </p:cNvPicPr>
           <p:nvPr/>
-        </p:nvSpPr>
+        </p:nvPicPr>
+        <p:blipFill>
+          <a:blip r:embed="rId3"/>
+          <a:stretch>
+            <a:fillRect/>
+          </a:stretch>
+        </p:blipFill>
         <p:spPr>
           <a:xfrm>
-            <a:off x="2080400" y="4109885"/>
-            <a:ext cx="964357" cy="1080000"/>
+            <a:off x="1823417" y="2086463"/>
+            <a:ext cx="3994287" cy="4089768"/>
           </a:xfrm>
-          <a:prstGeom prst="flowChartProcess">
+          <a:prstGeom prst="rect">
             <a:avLst/>
           </a:prstGeom>
         </p:spPr>
-        <p:style>
-          <a:lnRef idx="2">
-            <a:schemeClr val="accent1">
-              <a:shade val="50000"/>
-            </a:schemeClr>
-          </a:lnRef>
-          <a:fillRef idx="1">
-            <a:schemeClr val="accent1"/>
-          </a:fillRef>
-          <a:effectRef idx="0">
-            <a:schemeClr val="accent1"/>
-          </a:effectRef>
-          <a:fontRef idx="minor">
-            <a:schemeClr val="lt1"/>
-          </a:fontRef>
-        </p:style>
-        <p:txBody>
-          <a:bodyPr lIns="36000" tIns="36000" rIns="36000" bIns="36000" rtlCol="0" anchor="ctr"/>
-          <a:lstStyle/>
-          <a:p>
-            <a:pPr algn="ctr"/>
-            <a:r>
-              <a:rPr lang="en-US" altLang="ko-KR" sz="3200" dirty="0" smtClean="0"/>
-              <a:t>02</a:t>
-            </a:r>
-            <a:endParaRPr lang="ko-KR" altLang="en-US" sz="3200" dirty="0"/>
-          </a:p>
-        </p:txBody>
-      </p:sp>
-      <p:sp>
-        <p:nvSpPr>
-          <p:cNvPr id="18" name="순서도: 처리 17"/>
-          <p:cNvSpPr/>
+      </p:pic>
+      <p:pic>
+        <p:nvPicPr>
+          <p:cNvPr id="13" name="그림 12"/>
+          <p:cNvPicPr>
+            <a:picLocks noChangeAspect="1"/>
+          </p:cNvPicPr>
           <p:nvPr/>
-        </p:nvSpPr>
+        </p:nvPicPr>
+        <p:blipFill>
+          <a:blip r:embed="rId4"/>
+          <a:stretch>
+            <a:fillRect/>
+          </a:stretch>
+        </p:blipFill>
         <p:spPr>
           <a:xfrm>
-            <a:off x="3044758" y="4109885"/>
-            <a:ext cx="2635643" cy="1080000"/>
+            <a:off x="6399537" y="2086463"/>
+            <a:ext cx="3994287" cy="4089768"/>
           </a:xfrm>
-          <a:prstGeom prst="flowChartProcess">
-            <a:avLst/>
-          </a:prstGeom>
-          <a:solidFill>
-            <a:schemeClr val="bg1"/>
-          </a:solidFill>
-        </p:spPr>
-        <p:style>
-          <a:lnRef idx="2">
-            <a:schemeClr val="accent1">
-              <a:shade val="50000"/>
-            </a:schemeClr>
-          </a:lnRef>
-          <a:fillRef idx="1">
-            <a:schemeClr val="accent1"/>
-          </a:fillRef>
-          <a:effectRef idx="0">
-            <a:schemeClr val="accent1"/>
-          </a:effectRef>
-          <a:fontRef idx="minor">
-            <a:schemeClr val="lt1"/>
-          </a:fontRef>
-        </p:style>
-        <p:txBody>
-          <a:bodyPr lIns="36000" tIns="36000" rIns="36000" bIns="36000" rtlCol="0" anchor="ctr"/>
-          <a:lstStyle/>
-          <a:p>
-            <a:pPr algn="ctr"/>
-            <a:r>
-              <a:rPr lang="ko-KR" altLang="en-US" dirty="0" smtClean="0">
-                <a:solidFill>
-                  <a:schemeClr val="tx1"/>
-                </a:solidFill>
-                <a:latin typeface="HY견고딕" panose="02030600000101010101" pitchFamily="18" charset="-127"/>
-                <a:ea typeface="HY견고딕" panose="02030600000101010101" pitchFamily="18" charset="-127"/>
-              </a:rPr>
-              <a:t>메인 화면</a:t>
-            </a:r>
-            <a:endParaRPr lang="en-US" altLang="ko-KR" dirty="0" smtClean="0">
-              <a:solidFill>
-                <a:schemeClr val="tx1"/>
-              </a:solidFill>
-              <a:latin typeface="HY견고딕" panose="02030600000101010101" pitchFamily="18" charset="-127"/>
-              <a:ea typeface="HY견고딕" panose="02030600000101010101" pitchFamily="18" charset="-127"/>
-            </a:endParaRPr>
-          </a:p>
-        </p:txBody>
-      </p:sp>
-      <p:sp>
-        <p:nvSpPr>
-          <p:cNvPr id="19" name="순서도: 처리 18"/>
-          <p:cNvSpPr/>
-          <p:nvPr/>
-        </p:nvSpPr>
-        <p:spPr>
-          <a:xfrm>
-            <a:off x="6644758" y="2071988"/>
-            <a:ext cx="964357" cy="1080000"/>
-          </a:xfrm>
-          <a:prstGeom prst="flowChartProcess">
+          <a:prstGeom prst="rect">
             <a:avLst/>
           </a:prstGeom>
         </p:spPr>
-        <p:style>
-          <a:lnRef idx="2">
-            <a:schemeClr val="accent1">
-              <a:shade val="50000"/>
-            </a:schemeClr>
-          </a:lnRef>
-          <a:fillRef idx="1">
-            <a:schemeClr val="accent1"/>
-          </a:fillRef>
-          <a:effectRef idx="0">
-            <a:schemeClr val="accent1"/>
-          </a:effectRef>
-          <a:fontRef idx="minor">
-            <a:schemeClr val="lt1"/>
-          </a:fontRef>
-        </p:style>
-        <p:txBody>
-          <a:bodyPr lIns="36000" tIns="36000" rIns="36000" bIns="36000" rtlCol="0" anchor="ctr"/>
-          <a:lstStyle/>
-          <a:p>
-            <a:pPr algn="ctr"/>
-            <a:r>
-              <a:rPr lang="en-US" altLang="ko-KR" sz="3200" dirty="0" smtClean="0"/>
-              <a:t>03</a:t>
-            </a:r>
-            <a:endParaRPr lang="ko-KR" altLang="en-US" sz="3200" dirty="0"/>
-          </a:p>
-        </p:txBody>
-      </p:sp>
-      <p:sp>
-        <p:nvSpPr>
-          <p:cNvPr id="20" name="순서도: 처리 19"/>
-          <p:cNvSpPr/>
-          <p:nvPr/>
-        </p:nvSpPr>
-        <p:spPr>
-          <a:xfrm>
-            <a:off x="6644758" y="4109885"/>
-            <a:ext cx="964357" cy="1080000"/>
-          </a:xfrm>
-          <a:prstGeom prst="flowChartProcess">
-            <a:avLst/>
-          </a:prstGeom>
-        </p:spPr>
-        <p:style>
-          <a:lnRef idx="2">
-            <a:schemeClr val="accent1">
-              <a:shade val="50000"/>
-            </a:schemeClr>
-          </a:lnRef>
-          <a:fillRef idx="1">
-            <a:schemeClr val="accent1"/>
-          </a:fillRef>
-          <a:effectRef idx="0">
-            <a:schemeClr val="accent1"/>
-          </a:effectRef>
-          <a:fontRef idx="minor">
-            <a:schemeClr val="lt1"/>
-          </a:fontRef>
-        </p:style>
-        <p:txBody>
-          <a:bodyPr lIns="36000" tIns="36000" rIns="36000" bIns="36000" rtlCol="0" anchor="ctr"/>
-          <a:lstStyle/>
-          <a:p>
-            <a:pPr algn="ctr"/>
-            <a:r>
-              <a:rPr lang="en-US" altLang="ko-KR" sz="3200" dirty="0" smtClean="0"/>
-              <a:t>04</a:t>
-            </a:r>
-            <a:endParaRPr lang="ko-KR" altLang="en-US" sz="3200" dirty="0"/>
-          </a:p>
-        </p:txBody>
-      </p:sp>
-      <p:sp>
-        <p:nvSpPr>
-          <p:cNvPr id="21" name="순서도: 처리 20"/>
-          <p:cNvSpPr/>
-          <p:nvPr/>
-        </p:nvSpPr>
-        <p:spPr>
-          <a:xfrm>
-            <a:off x="7609115" y="2071988"/>
-            <a:ext cx="2635643" cy="1080000"/>
-          </a:xfrm>
-          <a:prstGeom prst="flowChartProcess">
-            <a:avLst/>
-          </a:prstGeom>
-          <a:solidFill>
-            <a:schemeClr val="bg1"/>
-          </a:solidFill>
-        </p:spPr>
-        <p:style>
-          <a:lnRef idx="2">
-            <a:schemeClr val="accent1">
-              <a:shade val="50000"/>
-            </a:schemeClr>
-          </a:lnRef>
-          <a:fillRef idx="1">
-            <a:schemeClr val="accent1"/>
-          </a:fillRef>
-          <a:effectRef idx="0">
-            <a:schemeClr val="accent1"/>
-          </a:effectRef>
-          <a:fontRef idx="minor">
-            <a:schemeClr val="lt1"/>
-          </a:fontRef>
-        </p:style>
-        <p:txBody>
-          <a:bodyPr lIns="36000" tIns="36000" rIns="36000" bIns="36000" rtlCol="0" anchor="ctr"/>
-          <a:lstStyle/>
-          <a:p>
-            <a:pPr algn="ctr"/>
-            <a:r>
-              <a:rPr lang="ko-KR" altLang="en-US" dirty="0" smtClean="0">
-                <a:solidFill>
-                  <a:schemeClr val="tx1"/>
-                </a:solidFill>
-                <a:latin typeface="HY견고딕" panose="02030600000101010101" pitchFamily="18" charset="-127"/>
-                <a:ea typeface="HY견고딕" panose="02030600000101010101" pitchFamily="18" charset="-127"/>
-              </a:rPr>
-              <a:t>거래 내역</a:t>
-            </a:r>
-            <a:endParaRPr lang="en-US" altLang="ko-KR" dirty="0" smtClean="0">
-              <a:solidFill>
-                <a:schemeClr val="tx1"/>
-              </a:solidFill>
-              <a:latin typeface="HY견고딕" panose="02030600000101010101" pitchFamily="18" charset="-127"/>
-              <a:ea typeface="HY견고딕" panose="02030600000101010101" pitchFamily="18" charset="-127"/>
-            </a:endParaRPr>
-          </a:p>
-        </p:txBody>
-      </p:sp>
-      <p:sp>
-        <p:nvSpPr>
-          <p:cNvPr id="22" name="순서도: 처리 21"/>
-          <p:cNvSpPr/>
-          <p:nvPr/>
-        </p:nvSpPr>
-        <p:spPr>
-          <a:xfrm>
-            <a:off x="7609115" y="4109885"/>
-            <a:ext cx="2635643" cy="1080000"/>
-          </a:xfrm>
-          <a:prstGeom prst="flowChartProcess">
-            <a:avLst/>
-          </a:prstGeom>
-          <a:solidFill>
-            <a:schemeClr val="bg1"/>
-          </a:solidFill>
-        </p:spPr>
-        <p:style>
-          <a:lnRef idx="2">
-            <a:schemeClr val="accent1">
-              <a:shade val="50000"/>
-            </a:schemeClr>
-          </a:lnRef>
-          <a:fillRef idx="1">
-            <a:schemeClr val="accent1"/>
-          </a:fillRef>
-          <a:effectRef idx="0">
-            <a:schemeClr val="accent1"/>
-          </a:effectRef>
-          <a:fontRef idx="minor">
-            <a:schemeClr val="lt1"/>
-          </a:fontRef>
-        </p:style>
-        <p:txBody>
-          <a:bodyPr lIns="36000" tIns="36000" rIns="36000" bIns="36000" rtlCol="0" anchor="ctr"/>
-          <a:lstStyle/>
-          <a:p>
-            <a:pPr algn="ctr"/>
-            <a:r>
-              <a:rPr lang="ko-KR" altLang="en-US" dirty="0" smtClean="0">
-                <a:solidFill>
-                  <a:schemeClr val="tx1"/>
-                </a:solidFill>
-                <a:latin typeface="HY견고딕" panose="02030600000101010101" pitchFamily="18" charset="-127"/>
-                <a:ea typeface="HY견고딕" panose="02030600000101010101" pitchFamily="18" charset="-127"/>
-              </a:rPr>
-              <a:t>채굴 기능</a:t>
-            </a:r>
-            <a:endParaRPr lang="en-US" altLang="ko-KR" dirty="0" smtClean="0">
-              <a:solidFill>
-                <a:schemeClr val="tx1"/>
-              </a:solidFill>
-              <a:latin typeface="HY견고딕" panose="02030600000101010101" pitchFamily="18" charset="-127"/>
-              <a:ea typeface="HY견고딕" panose="02030600000101010101" pitchFamily="18" charset="-127"/>
-            </a:endParaRPr>
-          </a:p>
-        </p:txBody>
-      </p:sp>
+      </p:pic>
     </p:spTree>
     <p:extLst>
       <p:ext uri="{BB962C8B-B14F-4D97-AF65-F5344CB8AC3E}">
-        <p14:creationId xmlns:p14="http://schemas.microsoft.com/office/powerpoint/2010/main" val="1031857888"/>
+        <p14:creationId xmlns:p14="http://schemas.microsoft.com/office/powerpoint/2010/main" val="139063984"/>
       </p:ext>
     </p:extLst>
   </p:cSld>
@@ -5038,18 +4603,7 @@
           </a:bodyPr>
           <a:lstStyle/>
           <a:p>
-            <a:r>
-              <a:rPr lang="en-US" altLang="ko-KR" sz="2400" b="1" dirty="0" smtClean="0">
-                <a:solidFill>
-                  <a:schemeClr val="accent5">
-                    <a:lumMod val="50000"/>
-                  </a:schemeClr>
-                </a:solidFill>
-                <a:latin typeface="HY견고딕" panose="02030600000101010101" pitchFamily="18" charset="-127"/>
-                <a:ea typeface="HY견고딕" panose="02030600000101010101" pitchFamily="18" charset="-127"/>
-              </a:rPr>
-              <a:t>1 , </a:t>
-            </a:r>
+            <a:pPr algn="ctr"/>
             <a:r>
               <a:rPr lang="ko-KR" altLang="en-US" sz="2400" b="1" dirty="0" smtClean="0">
                 <a:solidFill>
@@ -5060,31 +4614,7 @@
                 <a:latin typeface="HY견고딕" panose="02030600000101010101" pitchFamily="18" charset="-127"/>
                 <a:ea typeface="HY견고딕" panose="02030600000101010101" pitchFamily="18" charset="-127"/>
               </a:rPr>
-              <a:t>회원 가입 </a:t>
-            </a:r>
-            <a:r>
-              <a:rPr lang="en-US" altLang="ko-KR" sz="2400" b="1" dirty="0" smtClean="0">
-                <a:solidFill>
-                  <a:schemeClr val="accent5">
-                    <a:lumMod val="50000"/>
-                  </a:schemeClr>
-                </a:solidFill>
-                <a:latin typeface="HY견고딕" panose="02030600000101010101" pitchFamily="18" charset="-127"/>
-                <a:ea typeface="HY견고딕" panose="02030600000101010101" pitchFamily="18" charset="-127"/>
-              </a:rPr>
-              <a:t>&amp; </a:t>
-            </a:r>
-            <a:r>
-              <a:rPr lang="ko-KR" altLang="en-US" sz="2400" b="1" dirty="0" smtClean="0">
-                <a:solidFill>
-                  <a:schemeClr val="accent5">
-                    <a:lumMod val="50000"/>
-                  </a:schemeClr>
-                </a:solidFill>
-                <a:latin typeface="HY견고딕" panose="02030600000101010101" pitchFamily="18" charset="-127"/>
-                <a:ea typeface="HY견고딕" panose="02030600000101010101" pitchFamily="18" charset="-127"/>
-              </a:rPr>
-              <a:t>로그인</a:t>
+              <a:t>주요기능 설명</a:t>
             </a:r>
             <a:endParaRPr lang="en-US" altLang="ko-KR" sz="2400" b="1" dirty="0" smtClean="0">
               <a:solidFill>
@@ -5098,35 +4628,6 @@
           </a:p>
         </p:txBody>
       </p:sp>
-      <p:pic>
-        <p:nvPicPr>
-          <p:cNvPr id="4" name="그림 3"/>
-          <p:cNvPicPr>
-            <a:picLocks noChangeAspect="1"/>
-          </p:cNvPicPr>
-          <p:nvPr/>
-        </p:nvPicPr>
-        <p:blipFill>
-          <a:blip r:embed="rId3"/>
-          <a:stretch>
-            <a:fillRect/>
-          </a:stretch>
-        </p:blipFill>
-        <p:spPr>
-          <a:xfrm>
-            <a:off x="2124130" y="1756164"/>
-            <a:ext cx="2130178" cy="2160000"/>
-          </a:xfrm>
-          <a:prstGeom prst="rect">
-            <a:avLst/>
-          </a:prstGeom>
-          <a:ln>
-            <a:solidFill>
-              <a:schemeClr val="tx1"/>
-            </a:solidFill>
-          </a:ln>
-        </p:spPr>
-      </p:pic>
       <p:sp>
         <p:nvSpPr>
           <p:cNvPr id="5" name="순서도: 처리 4"/>
@@ -5135,8 +4636,8 @@
         </p:nvSpPr>
         <p:spPr>
           <a:xfrm>
-            <a:off x="1929219" y="1334078"/>
-            <a:ext cx="2520000" cy="446749"/>
+            <a:off x="3723974" y="1347933"/>
+            <a:ext cx="4672707" cy="446749"/>
           </a:xfrm>
           <a:prstGeom prst="flowChartProcess">
             <a:avLst/>
@@ -5179,17 +4680,7 @@
                 <a:latin typeface="HY견고딕" panose="02030600000101010101" pitchFamily="18" charset="-127"/>
                 <a:ea typeface="HY견고딕" panose="02030600000101010101" pitchFamily="18" charset="-127"/>
               </a:rPr>
-              <a:t>1 , </a:t>
-            </a:r>
-            <a:r>
-              <a:rPr lang="ko-KR" altLang="en-US" dirty="0" smtClean="0">
-                <a:solidFill>
-                  <a:schemeClr val="tx1"/>
-                </a:solidFill>
-                <a:latin typeface="HY견고딕" panose="02030600000101010101" pitchFamily="18" charset="-127"/>
-                <a:ea typeface="HY견고딕" panose="02030600000101010101" pitchFamily="18" charset="-127"/>
-              </a:rPr>
-              <a:t>로그인 화면</a:t>
+              <a:t>1. </a:t>
             </a:r>
             <a:endParaRPr lang="en-US" altLang="ko-KR" dirty="0" smtClean="0">
               <a:solidFill>
@@ -5203,7 +4694,31 @@
       </p:sp>
       <p:pic>
         <p:nvPicPr>
-          <p:cNvPr id="6" name="그림 5"/>
+          <p:cNvPr id="12" name="그림 11"/>
+          <p:cNvPicPr>
+            <a:picLocks noChangeAspect="1"/>
+          </p:cNvPicPr>
+          <p:nvPr/>
+        </p:nvPicPr>
+        <p:blipFill>
+          <a:blip r:embed="rId3"/>
+          <a:stretch>
+            <a:fillRect/>
+          </a:stretch>
+        </p:blipFill>
+        <p:spPr>
+          <a:xfrm>
+            <a:off x="1823417" y="2086463"/>
+            <a:ext cx="3994287" cy="4089768"/>
+          </a:xfrm>
+          <a:prstGeom prst="rect">
+            <a:avLst/>
+          </a:prstGeom>
+        </p:spPr>
+      </p:pic>
+      <p:pic>
+        <p:nvPicPr>
+          <p:cNvPr id="13" name="그림 12"/>
           <p:cNvPicPr>
             <a:picLocks noChangeAspect="1"/>
           </p:cNvPicPr>
@@ -5217,1712 +4732,18 @@
         </p:blipFill>
         <p:spPr>
           <a:xfrm>
-            <a:off x="7956486" y="1780826"/>
-            <a:ext cx="2130059" cy="2160000"/>
-          </a:xfrm>
-          <a:prstGeom prst="rect">
-            <a:avLst/>
-          </a:prstGeom>
-          <a:ln>
-            <a:solidFill>
-              <a:schemeClr val="tx1"/>
-            </a:solidFill>
-          </a:ln>
-        </p:spPr>
-      </p:pic>
-      <p:sp>
-        <p:nvSpPr>
-          <p:cNvPr id="8" name="순서도: 처리 7"/>
-          <p:cNvSpPr/>
-          <p:nvPr/>
-        </p:nvSpPr>
-        <p:spPr>
-          <a:xfrm>
-            <a:off x="7761516" y="1334077"/>
-            <a:ext cx="2520000" cy="446749"/>
-          </a:xfrm>
-          <a:prstGeom prst="flowChartProcess">
-            <a:avLst/>
-          </a:prstGeom>
-          <a:solidFill>
-            <a:schemeClr val="bg1"/>
-          </a:solidFill>
-          <a:ln w="15875">
-            <a:solidFill>
-              <a:schemeClr val="tx1"/>
-            </a:solidFill>
-          </a:ln>
-        </p:spPr>
-        <p:style>
-          <a:lnRef idx="2">
-            <a:schemeClr val="accent1">
-              <a:shade val="50000"/>
-            </a:schemeClr>
-          </a:lnRef>
-          <a:fillRef idx="1">
-            <a:schemeClr val="accent1"/>
-          </a:fillRef>
-          <a:effectRef idx="0">
-            <a:schemeClr val="accent1"/>
-          </a:effectRef>
-          <a:fontRef idx="minor">
-            <a:schemeClr val="lt1"/>
-          </a:fontRef>
-        </p:style>
-        <p:txBody>
-          <a:bodyPr rtlCol="0" anchor="ctr"/>
-          <a:lstStyle/>
-          <a:p>
-            <a:pPr algn="ctr"/>
-            <a:r>
-              <a:rPr lang="en-US" altLang="ko-KR" dirty="0">
-                <a:solidFill>
-                  <a:schemeClr val="tx1"/>
-                </a:solidFill>
-                <a:latin typeface="HY견고딕" panose="02030600000101010101" pitchFamily="18" charset="-127"/>
-                <a:ea typeface="HY견고딕" panose="02030600000101010101" pitchFamily="18" charset="-127"/>
-              </a:rPr>
-              <a:t>2</a:t>
-            </a:r>
-            <a:r>
-              <a:rPr lang="en-US" altLang="ko-KR" dirty="0" smtClean="0">
-                <a:solidFill>
-                  <a:schemeClr val="tx1"/>
-                </a:solidFill>
-                <a:latin typeface="HY견고딕" panose="02030600000101010101" pitchFamily="18" charset="-127"/>
-                <a:ea typeface="HY견고딕" panose="02030600000101010101" pitchFamily="18" charset="-127"/>
-              </a:rPr>
-              <a:t> , </a:t>
-            </a:r>
-            <a:r>
-              <a:rPr lang="ko-KR" altLang="en-US" dirty="0" smtClean="0">
-                <a:solidFill>
-                  <a:schemeClr val="tx1"/>
-                </a:solidFill>
-                <a:latin typeface="HY견고딕" panose="02030600000101010101" pitchFamily="18" charset="-127"/>
-                <a:ea typeface="HY견고딕" panose="02030600000101010101" pitchFamily="18" charset="-127"/>
-              </a:rPr>
-              <a:t>회원가입 화면</a:t>
-            </a:r>
-            <a:endParaRPr lang="en-US" altLang="ko-KR" dirty="0" smtClean="0">
-              <a:solidFill>
-                <a:schemeClr val="tx1"/>
-              </a:solidFill>
-              <a:latin typeface="HY견고딕" panose="02030600000101010101" pitchFamily="18" charset="-127"/>
-              <a:ea typeface="HY견고딕" panose="02030600000101010101" pitchFamily="18" charset="-127"/>
-            </a:endParaRPr>
-          </a:p>
-        </p:txBody>
-      </p:sp>
-      <p:cxnSp>
-        <p:nvCxnSpPr>
-          <p:cNvPr id="11" name="직선 연결선 10"/>
-          <p:cNvCxnSpPr>
-            <a:stCxn id="2" idx="0"/>
-            <a:endCxn id="2" idx="2"/>
-          </p:cNvCxnSpPr>
-          <p:nvPr/>
-        </p:nvCxnSpPr>
-        <p:spPr>
-          <a:xfrm>
-            <a:off x="6060329" y="865761"/>
-            <a:ext cx="0" cy="5797685"/>
-          </a:xfrm>
-          <a:prstGeom prst="line">
-            <a:avLst/>
-          </a:prstGeom>
-          <a:ln w="15875">
-            <a:solidFill>
-              <a:srgbClr val="99CCFF"/>
-            </a:solidFill>
-          </a:ln>
-        </p:spPr>
-        <p:style>
-          <a:lnRef idx="1">
-            <a:schemeClr val="accent1"/>
-          </a:lnRef>
-          <a:fillRef idx="0">
-            <a:schemeClr val="accent1"/>
-          </a:fillRef>
-          <a:effectRef idx="0">
-            <a:schemeClr val="accent1"/>
-          </a:effectRef>
-          <a:fontRef idx="minor">
-            <a:schemeClr val="tx1"/>
-          </a:fontRef>
-        </p:style>
-      </p:cxnSp>
-      <p:sp>
-        <p:nvSpPr>
-          <p:cNvPr id="9" name="TextBox 8"/>
-          <p:cNvSpPr txBox="1"/>
-          <p:nvPr/>
-        </p:nvSpPr>
-        <p:spPr>
-          <a:xfrm>
-            <a:off x="907363" y="4355613"/>
-            <a:ext cx="4347411" cy="369332"/>
-          </a:xfrm>
-          <a:prstGeom prst="rect">
-            <a:avLst/>
-          </a:prstGeom>
-          <a:noFill/>
-        </p:spPr>
-        <p:txBody>
-          <a:bodyPr wrap="square" rtlCol="0">
-            <a:spAutoFit/>
-          </a:bodyPr>
-          <a:lstStyle/>
-          <a:p>
-            <a:r>
-              <a:rPr lang="ko-KR" altLang="en-US" dirty="0" smtClean="0">
-                <a:latin typeface="HY견고딕" panose="02030600000101010101" pitchFamily="18" charset="-127"/>
-                <a:ea typeface="HY견고딕" panose="02030600000101010101" pitchFamily="18" charset="-127"/>
-              </a:rPr>
-              <a:t>한 서버 안에 회원이 중복이 될 수 없다 </a:t>
-            </a:r>
-            <a:endParaRPr lang="ko-KR" altLang="en-US" dirty="0">
-              <a:latin typeface="HY견고딕" panose="02030600000101010101" pitchFamily="18" charset="-127"/>
-              <a:ea typeface="HY견고딕" panose="02030600000101010101" pitchFamily="18" charset="-127"/>
-            </a:endParaRPr>
-          </a:p>
-        </p:txBody>
-      </p:sp>
-      <p:sp>
-        <p:nvSpPr>
-          <p:cNvPr id="10" name="TextBox 9"/>
-          <p:cNvSpPr txBox="1"/>
-          <p:nvPr/>
-        </p:nvSpPr>
-        <p:spPr>
-          <a:xfrm>
-            <a:off x="6320589" y="4355613"/>
-            <a:ext cx="5358064" cy="369332"/>
-          </a:xfrm>
-          <a:prstGeom prst="rect">
-            <a:avLst/>
-          </a:prstGeom>
-          <a:noFill/>
-        </p:spPr>
-        <p:txBody>
-          <a:bodyPr wrap="square" rtlCol="0">
-            <a:spAutoFit/>
-          </a:bodyPr>
-          <a:lstStyle/>
-          <a:p>
-            <a:r>
-              <a:rPr lang="ko-KR" altLang="en-US" dirty="0" smtClean="0">
-                <a:latin typeface="HY견고딕" panose="02030600000101010101" pitchFamily="18" charset="-127"/>
-                <a:ea typeface="HY견고딕" panose="02030600000101010101" pitchFamily="18" charset="-127"/>
-              </a:rPr>
-              <a:t>이미 회원이 이미 있을 경우 회원가입이 불가하다</a:t>
-            </a:r>
-            <a:endParaRPr lang="ko-KR" altLang="en-US" dirty="0">
-              <a:latin typeface="HY견고딕" panose="02030600000101010101" pitchFamily="18" charset="-127"/>
-              <a:ea typeface="HY견고딕" panose="02030600000101010101" pitchFamily="18" charset="-127"/>
-            </a:endParaRPr>
-          </a:p>
-        </p:txBody>
-      </p:sp>
-    </p:spTree>
-    <p:extLst>
-      <p:ext uri="{BB962C8B-B14F-4D97-AF65-F5344CB8AC3E}">
-        <p14:creationId xmlns:p14="http://schemas.microsoft.com/office/powerpoint/2010/main" val="139063984"/>
-      </p:ext>
-    </p:extLst>
-  </p:cSld>
-  <p:clrMapOvr>
-    <a:masterClrMapping/>
-  </p:clrMapOvr>
-  <p:timing>
-    <p:tnLst>
-      <p:par>
-        <p:cTn id="1" dur="indefinite" restart="never" nodeType="tmRoot"/>
-      </p:par>
-    </p:tnLst>
-  </p:timing>
-</p:sld>
-</file>
-
-<file path=ppt/slides/slide5.xml><?xml version="1.0" encoding="utf-8"?>
-<p:sld xmlns:a="http://schemas.openxmlformats.org/drawingml/2006/main" xmlns:r="http://schemas.openxmlformats.org/officeDocument/2006/relationships" xmlns:p="http://schemas.openxmlformats.org/presentationml/2006/main">
-  <p:cSld>
-    <p:bg>
-      <p:bgPr>
-        <a:solidFill>
-          <a:srgbClr val="99CCFF"/>
-        </a:solidFill>
-        <a:effectLst/>
-      </p:bgPr>
-    </p:bg>
-    <p:spTree>
-      <p:nvGrpSpPr>
-        <p:cNvPr id="1" name=""/>
-        <p:cNvGrpSpPr/>
-        <p:nvPr/>
-      </p:nvGrpSpPr>
-      <p:grpSpPr>
-        <a:xfrm>
-          <a:off x="0" y="0"/>
-          <a:ext cx="0" cy="0"/>
-          <a:chOff x="0" y="0"/>
-          <a:chExt cx="0" cy="0"/>
-        </a:xfrm>
-      </p:grpSpPr>
-      <p:sp>
-        <p:nvSpPr>
-          <p:cNvPr id="2" name="순서도: 처리 1"/>
-          <p:cNvSpPr/>
-          <p:nvPr/>
-        </p:nvSpPr>
-        <p:spPr>
-          <a:xfrm>
-            <a:off x="301554" y="865761"/>
-            <a:ext cx="11517549" cy="5797685"/>
-          </a:xfrm>
-          <a:prstGeom prst="flowChartProcess">
-            <a:avLst/>
-          </a:prstGeom>
-          <a:solidFill>
-            <a:schemeClr val="bg1"/>
-          </a:solidFill>
-          <a:ln w="47625">
-            <a:solidFill>
-              <a:srgbClr val="99CCFF"/>
-            </a:solidFill>
-          </a:ln>
-        </p:spPr>
-        <p:style>
-          <a:lnRef idx="2">
-            <a:schemeClr val="accent1">
-              <a:shade val="50000"/>
-            </a:schemeClr>
-          </a:lnRef>
-          <a:fillRef idx="1">
-            <a:schemeClr val="accent1"/>
-          </a:fillRef>
-          <a:effectRef idx="0">
-            <a:schemeClr val="accent1"/>
-          </a:effectRef>
-          <a:fontRef idx="minor">
-            <a:schemeClr val="lt1"/>
-          </a:fontRef>
-        </p:style>
-        <p:txBody>
-          <a:bodyPr rtlCol="0" anchor="ctr"/>
-          <a:lstStyle/>
-          <a:p>
-            <a:pPr algn="ctr"/>
-            <a:endParaRPr lang="ko-KR" altLang="en-US" dirty="0"/>
-          </a:p>
-        </p:txBody>
-      </p:sp>
-      <p:sp>
-        <p:nvSpPr>
-          <p:cNvPr id="3" name="TextBox 2"/>
-          <p:cNvSpPr txBox="1"/>
-          <p:nvPr/>
-        </p:nvSpPr>
-        <p:spPr>
-          <a:xfrm>
-            <a:off x="5029772" y="102587"/>
-            <a:ext cx="2061112" cy="461665"/>
-          </a:xfrm>
-          <a:prstGeom prst="rect">
-            <a:avLst/>
-          </a:prstGeom>
-          <a:noFill/>
-        </p:spPr>
-        <p:txBody>
-          <a:bodyPr wrap="square" rtlCol="0">
-            <a:spAutoFit/>
-          </a:bodyPr>
-          <a:lstStyle/>
-          <a:p>
-            <a:r>
-              <a:rPr lang="en-US" altLang="ko-KR" sz="2400" b="1" dirty="0">
-                <a:solidFill>
-                  <a:schemeClr val="accent5">
-                    <a:lumMod val="50000"/>
-                  </a:schemeClr>
-                </a:solidFill>
-                <a:latin typeface="HY견고딕" panose="02030600000101010101" pitchFamily="18" charset="-127"/>
-                <a:ea typeface="HY견고딕" panose="02030600000101010101" pitchFamily="18" charset="-127"/>
-              </a:rPr>
-              <a:t>2</a:t>
-            </a:r>
-            <a:r>
-              <a:rPr lang="en-US" altLang="ko-KR" sz="2400" b="1" dirty="0" smtClean="0">
-                <a:solidFill>
-                  <a:schemeClr val="accent5">
-                    <a:lumMod val="50000"/>
-                  </a:schemeClr>
-                </a:solidFill>
-                <a:latin typeface="HY견고딕" panose="02030600000101010101" pitchFamily="18" charset="-127"/>
-                <a:ea typeface="HY견고딕" panose="02030600000101010101" pitchFamily="18" charset="-127"/>
-              </a:rPr>
-              <a:t> , </a:t>
-            </a:r>
-            <a:r>
-              <a:rPr lang="ko-KR" altLang="en-US" sz="2400" b="1" dirty="0" smtClean="0">
-                <a:solidFill>
-                  <a:schemeClr val="accent5">
-                    <a:lumMod val="50000"/>
-                  </a:schemeClr>
-                </a:solidFill>
-                <a:latin typeface="HY견고딕" panose="02030600000101010101" pitchFamily="18" charset="-127"/>
-                <a:ea typeface="HY견고딕" panose="02030600000101010101" pitchFamily="18" charset="-127"/>
-              </a:rPr>
-              <a:t>메인 화면</a:t>
-            </a:r>
-            <a:endParaRPr lang="en-US" altLang="ko-KR" sz="2400" b="1" dirty="0" smtClean="0">
-              <a:solidFill>
-                <a:schemeClr val="accent5">
-                  <a:lumMod val="50000"/>
-                </a:schemeClr>
-              </a:solidFill>
-              <a:latin typeface="HY견고딕" panose="02030600000101010101" pitchFamily="18" charset="-127"/>
-              <a:ea typeface="HY견고딕" panose="02030600000101010101" pitchFamily="18" charset="-127"/>
-            </a:endParaRPr>
-          </a:p>
-        </p:txBody>
-      </p:sp>
-      <p:pic>
-        <p:nvPicPr>
-          <p:cNvPr id="7" name="그림 6"/>
-          <p:cNvPicPr>
-            <a:picLocks noChangeAspect="1"/>
-          </p:cNvPicPr>
-          <p:nvPr/>
-        </p:nvPicPr>
-        <p:blipFill>
-          <a:blip r:embed="rId2"/>
-          <a:stretch>
-            <a:fillRect/>
-          </a:stretch>
-        </p:blipFill>
-        <p:spPr>
-          <a:xfrm>
-            <a:off x="959216" y="1391055"/>
-            <a:ext cx="6030747" cy="4083319"/>
-          </a:xfrm>
-          <a:prstGeom prst="rect">
-            <a:avLst/>
-          </a:prstGeom>
-          <a:solidFill>
-            <a:srgbClr val="99CCFF"/>
-          </a:solidFill>
-        </p:spPr>
-      </p:pic>
-      <p:sp>
-        <p:nvSpPr>
-          <p:cNvPr id="9" name="직사각형 8"/>
-          <p:cNvSpPr/>
-          <p:nvPr/>
-        </p:nvSpPr>
-        <p:spPr>
-          <a:xfrm>
-            <a:off x="1196502" y="1040860"/>
-            <a:ext cx="3112851" cy="350195"/>
-          </a:xfrm>
-          <a:prstGeom prst="rect">
-            <a:avLst/>
-          </a:prstGeom>
-          <a:solidFill>
-            <a:schemeClr val="bg1"/>
-          </a:solidFill>
-          <a:ln>
-            <a:solidFill>
-              <a:schemeClr val="tx1"/>
-            </a:solidFill>
-          </a:ln>
-        </p:spPr>
-        <p:style>
-          <a:lnRef idx="2">
-            <a:schemeClr val="accent1">
-              <a:shade val="50000"/>
-            </a:schemeClr>
-          </a:lnRef>
-          <a:fillRef idx="1">
-            <a:schemeClr val="accent1"/>
-          </a:fillRef>
-          <a:effectRef idx="0">
-            <a:schemeClr val="accent1"/>
-          </a:effectRef>
-          <a:fontRef idx="minor">
-            <a:schemeClr val="lt1"/>
-          </a:fontRef>
-        </p:style>
-        <p:txBody>
-          <a:bodyPr rtlCol="0" anchor="ctr"/>
-          <a:lstStyle/>
-          <a:p>
-            <a:pPr algn="ctr"/>
-            <a:r>
-              <a:rPr lang="ko-KR" altLang="en-US" dirty="0" smtClean="0">
-                <a:solidFill>
-                  <a:schemeClr val="tx1"/>
-                </a:solidFill>
-                <a:latin typeface="HY견고딕" panose="02030600000101010101" pitchFamily="18" charset="-127"/>
-                <a:ea typeface="HY견고딕" panose="02030600000101010101" pitchFamily="18" charset="-127"/>
-              </a:rPr>
-              <a:t>메인 화면</a:t>
-            </a:r>
-            <a:endParaRPr lang="en-US" altLang="ko-KR" dirty="0" smtClean="0">
-              <a:solidFill>
-                <a:schemeClr val="tx1"/>
-              </a:solidFill>
-              <a:latin typeface="HY견고딕" panose="02030600000101010101" pitchFamily="18" charset="-127"/>
-              <a:ea typeface="HY견고딕" panose="02030600000101010101" pitchFamily="18" charset="-127"/>
-            </a:endParaRPr>
-          </a:p>
-        </p:txBody>
-      </p:sp>
-      <p:sp>
-        <p:nvSpPr>
-          <p:cNvPr id="10" name="직사각형 9"/>
-          <p:cNvSpPr/>
-          <p:nvPr/>
-        </p:nvSpPr>
-        <p:spPr>
-          <a:xfrm>
-            <a:off x="7694579" y="1344894"/>
-            <a:ext cx="1800000" cy="900000"/>
-          </a:xfrm>
-          <a:prstGeom prst="rect">
-            <a:avLst/>
-          </a:prstGeom>
-        </p:spPr>
-        <p:style>
-          <a:lnRef idx="2">
-            <a:schemeClr val="accent1">
-              <a:shade val="50000"/>
-            </a:schemeClr>
-          </a:lnRef>
-          <a:fillRef idx="1">
-            <a:schemeClr val="accent1"/>
-          </a:fillRef>
-          <a:effectRef idx="0">
-            <a:schemeClr val="accent1"/>
-          </a:effectRef>
-          <a:fontRef idx="minor">
-            <a:schemeClr val="lt1"/>
-          </a:fontRef>
-        </p:style>
-        <p:txBody>
-          <a:bodyPr rtlCol="0" anchor="ctr"/>
-          <a:lstStyle/>
-          <a:p>
-            <a:pPr algn="ctr"/>
-            <a:r>
-              <a:rPr lang="en-US" altLang="ko-KR" dirty="0" smtClean="0">
-                <a:latin typeface="HY견고딕" panose="02030600000101010101" pitchFamily="18" charset="-127"/>
-                <a:ea typeface="HY견고딕" panose="02030600000101010101" pitchFamily="18" charset="-127"/>
-              </a:rPr>
-              <a:t>1 , </a:t>
-            </a:r>
-            <a:r>
-              <a:rPr lang="ko-KR" altLang="en-US" dirty="0" err="1" smtClean="0">
-                <a:latin typeface="HY견고딕" panose="02030600000101010101" pitchFamily="18" charset="-127"/>
-                <a:ea typeface="HY견고딕" panose="02030600000101010101" pitchFamily="18" charset="-127"/>
-              </a:rPr>
-              <a:t>호가창</a:t>
-            </a:r>
-            <a:endParaRPr lang="ko-KR" altLang="en-US" dirty="0">
-              <a:latin typeface="HY견고딕" panose="02030600000101010101" pitchFamily="18" charset="-127"/>
-              <a:ea typeface="HY견고딕" panose="02030600000101010101" pitchFamily="18" charset="-127"/>
-            </a:endParaRPr>
-          </a:p>
-        </p:txBody>
-      </p:sp>
-      <p:sp>
-        <p:nvSpPr>
-          <p:cNvPr id="12" name="직사각형 11"/>
-          <p:cNvSpPr/>
-          <p:nvPr/>
-        </p:nvSpPr>
-        <p:spPr>
-          <a:xfrm>
-            <a:off x="7694579" y="3060729"/>
-            <a:ext cx="1800000" cy="900000"/>
-          </a:xfrm>
-          <a:prstGeom prst="rect">
-            <a:avLst/>
-          </a:prstGeom>
-        </p:spPr>
-        <p:style>
-          <a:lnRef idx="2">
-            <a:schemeClr val="accent1">
-              <a:shade val="50000"/>
-            </a:schemeClr>
-          </a:lnRef>
-          <a:fillRef idx="1">
-            <a:schemeClr val="accent1"/>
-          </a:fillRef>
-          <a:effectRef idx="0">
-            <a:schemeClr val="accent1"/>
-          </a:effectRef>
-          <a:fontRef idx="minor">
-            <a:schemeClr val="lt1"/>
-          </a:fontRef>
-        </p:style>
-        <p:txBody>
-          <a:bodyPr rtlCol="0" anchor="ctr"/>
-          <a:lstStyle/>
-          <a:p>
-            <a:pPr algn="ctr"/>
-            <a:r>
-              <a:rPr lang="en-US" altLang="ko-KR" dirty="0" smtClean="0">
-                <a:latin typeface="HY견고딕" panose="02030600000101010101" pitchFamily="18" charset="-127"/>
-                <a:ea typeface="HY견고딕" panose="02030600000101010101" pitchFamily="18" charset="-127"/>
-              </a:rPr>
-              <a:t>2 , </a:t>
-            </a:r>
-            <a:r>
-              <a:rPr lang="ko-KR" altLang="en-US" dirty="0" smtClean="0">
-                <a:latin typeface="HY견고딕" panose="02030600000101010101" pitchFamily="18" charset="-127"/>
-                <a:ea typeface="HY견고딕" panose="02030600000101010101" pitchFamily="18" charset="-127"/>
-              </a:rPr>
-              <a:t>그래프</a:t>
-            </a:r>
-            <a:endParaRPr lang="ko-KR" altLang="en-US" dirty="0">
-              <a:latin typeface="HY견고딕" panose="02030600000101010101" pitchFamily="18" charset="-127"/>
-              <a:ea typeface="HY견고딕" panose="02030600000101010101" pitchFamily="18" charset="-127"/>
-            </a:endParaRPr>
-          </a:p>
-        </p:txBody>
-      </p:sp>
-      <p:sp>
-        <p:nvSpPr>
-          <p:cNvPr id="13" name="직사각형 12"/>
-          <p:cNvSpPr/>
-          <p:nvPr/>
-        </p:nvSpPr>
-        <p:spPr>
-          <a:xfrm>
-            <a:off x="7694579" y="4776565"/>
-            <a:ext cx="1800000" cy="900000"/>
-          </a:xfrm>
-          <a:prstGeom prst="rect">
-            <a:avLst/>
-          </a:prstGeom>
-        </p:spPr>
-        <p:style>
-          <a:lnRef idx="2">
-            <a:schemeClr val="accent1">
-              <a:shade val="50000"/>
-            </a:schemeClr>
-          </a:lnRef>
-          <a:fillRef idx="1">
-            <a:schemeClr val="accent1"/>
-          </a:fillRef>
-          <a:effectRef idx="0">
-            <a:schemeClr val="accent1"/>
-          </a:effectRef>
-          <a:fontRef idx="minor">
-            <a:schemeClr val="lt1"/>
-          </a:fontRef>
-        </p:style>
-        <p:txBody>
-          <a:bodyPr rtlCol="0" anchor="ctr"/>
-          <a:lstStyle/>
-          <a:p>
-            <a:pPr algn="ctr"/>
-            <a:r>
-              <a:rPr lang="en-US" altLang="ko-KR" dirty="0" smtClean="0">
-                <a:latin typeface="HY견고딕" panose="02030600000101010101" pitchFamily="18" charset="-127"/>
-                <a:ea typeface="HY견고딕" panose="02030600000101010101" pitchFamily="18" charset="-127"/>
-              </a:rPr>
-              <a:t>3 , </a:t>
-            </a:r>
-            <a:r>
-              <a:rPr lang="ko-KR" altLang="en-US" dirty="0" smtClean="0">
-                <a:latin typeface="HY견고딕" panose="02030600000101010101" pitchFamily="18" charset="-127"/>
-                <a:ea typeface="HY견고딕" panose="02030600000101010101" pitchFamily="18" charset="-127"/>
-              </a:rPr>
-              <a:t>거래</a:t>
-            </a:r>
-            <a:endParaRPr lang="ko-KR" altLang="en-US" dirty="0">
-              <a:latin typeface="HY견고딕" panose="02030600000101010101" pitchFamily="18" charset="-127"/>
-              <a:ea typeface="HY견고딕" panose="02030600000101010101" pitchFamily="18" charset="-127"/>
-            </a:endParaRPr>
-          </a:p>
-        </p:txBody>
-      </p:sp>
-      <p:sp>
-        <p:nvSpPr>
-          <p:cNvPr id="14" name="직사각형 13"/>
-          <p:cNvSpPr/>
-          <p:nvPr/>
-        </p:nvSpPr>
-        <p:spPr>
-          <a:xfrm>
-            <a:off x="9640751" y="3060729"/>
-            <a:ext cx="1800000" cy="900000"/>
-          </a:xfrm>
-          <a:prstGeom prst="rect">
-            <a:avLst/>
-          </a:prstGeom>
-        </p:spPr>
-        <p:style>
-          <a:lnRef idx="2">
-            <a:schemeClr val="accent1">
-              <a:shade val="50000"/>
-            </a:schemeClr>
-          </a:lnRef>
-          <a:fillRef idx="1">
-            <a:schemeClr val="accent1"/>
-          </a:fillRef>
-          <a:effectRef idx="0">
-            <a:schemeClr val="accent1"/>
-          </a:effectRef>
-          <a:fontRef idx="minor">
-            <a:schemeClr val="lt1"/>
-          </a:fontRef>
-        </p:style>
-        <p:txBody>
-          <a:bodyPr rtlCol="0" anchor="ctr"/>
-          <a:lstStyle/>
-          <a:p>
-            <a:pPr algn="ctr"/>
-            <a:r>
-              <a:rPr lang="en-US" altLang="ko-KR" dirty="0" smtClean="0">
-                <a:latin typeface="HY견고딕" panose="02030600000101010101" pitchFamily="18" charset="-127"/>
-                <a:ea typeface="HY견고딕" panose="02030600000101010101" pitchFamily="18" charset="-127"/>
-              </a:rPr>
-              <a:t>5 , </a:t>
-            </a:r>
-            <a:r>
-              <a:rPr lang="ko-KR" altLang="en-US" dirty="0" smtClean="0">
-                <a:latin typeface="HY견고딕" panose="02030600000101010101" pitchFamily="18" charset="-127"/>
-                <a:ea typeface="HY견고딕" panose="02030600000101010101" pitchFamily="18" charset="-127"/>
-              </a:rPr>
-              <a:t>종목 리스트</a:t>
-            </a:r>
-            <a:endParaRPr lang="ko-KR" altLang="en-US" dirty="0">
-              <a:latin typeface="HY견고딕" panose="02030600000101010101" pitchFamily="18" charset="-127"/>
-              <a:ea typeface="HY견고딕" panose="02030600000101010101" pitchFamily="18" charset="-127"/>
-            </a:endParaRPr>
-          </a:p>
-        </p:txBody>
-      </p:sp>
-      <p:sp>
-        <p:nvSpPr>
-          <p:cNvPr id="15" name="직사각형 14"/>
-          <p:cNvSpPr/>
-          <p:nvPr/>
-        </p:nvSpPr>
-        <p:spPr>
-          <a:xfrm>
-            <a:off x="9640751" y="1344894"/>
-            <a:ext cx="1800000" cy="900000"/>
-          </a:xfrm>
-          <a:prstGeom prst="rect">
-            <a:avLst/>
-          </a:prstGeom>
-        </p:spPr>
-        <p:style>
-          <a:lnRef idx="2">
-            <a:schemeClr val="accent1">
-              <a:shade val="50000"/>
-            </a:schemeClr>
-          </a:lnRef>
-          <a:fillRef idx="1">
-            <a:schemeClr val="accent1"/>
-          </a:fillRef>
-          <a:effectRef idx="0">
-            <a:schemeClr val="accent1"/>
-          </a:effectRef>
-          <a:fontRef idx="minor">
-            <a:schemeClr val="lt1"/>
-          </a:fontRef>
-        </p:style>
-        <p:txBody>
-          <a:bodyPr rtlCol="0" anchor="ctr"/>
-          <a:lstStyle/>
-          <a:p>
-            <a:pPr algn="ctr"/>
-            <a:r>
-              <a:rPr lang="en-US" altLang="ko-KR" dirty="0" smtClean="0">
-                <a:latin typeface="HY견고딕" panose="02030600000101010101" pitchFamily="18" charset="-127"/>
-                <a:ea typeface="HY견고딕" panose="02030600000101010101" pitchFamily="18" charset="-127"/>
-              </a:rPr>
-              <a:t>4 , </a:t>
-            </a:r>
-            <a:r>
-              <a:rPr lang="ko-KR" altLang="en-US" dirty="0" smtClean="0">
-                <a:latin typeface="HY견고딕" panose="02030600000101010101" pitchFamily="18" charset="-127"/>
-                <a:ea typeface="HY견고딕" panose="02030600000101010101" pitchFamily="18" charset="-127"/>
-              </a:rPr>
-              <a:t>채굴</a:t>
-            </a:r>
-            <a:endParaRPr lang="ko-KR" altLang="en-US" dirty="0">
-              <a:latin typeface="HY견고딕" panose="02030600000101010101" pitchFamily="18" charset="-127"/>
-              <a:ea typeface="HY견고딕" panose="02030600000101010101" pitchFamily="18" charset="-127"/>
-            </a:endParaRPr>
-          </a:p>
-        </p:txBody>
-      </p:sp>
-      <p:sp>
-        <p:nvSpPr>
-          <p:cNvPr id="16" name="직사각형 15"/>
-          <p:cNvSpPr/>
-          <p:nvPr/>
-        </p:nvSpPr>
-        <p:spPr>
-          <a:xfrm>
-            <a:off x="9640751" y="4776565"/>
-            <a:ext cx="1800000" cy="900000"/>
-          </a:xfrm>
-          <a:prstGeom prst="rect">
-            <a:avLst/>
-          </a:prstGeom>
-        </p:spPr>
-        <p:style>
-          <a:lnRef idx="2">
-            <a:schemeClr val="accent1">
-              <a:shade val="50000"/>
-            </a:schemeClr>
-          </a:lnRef>
-          <a:fillRef idx="1">
-            <a:schemeClr val="accent1"/>
-          </a:fillRef>
-          <a:effectRef idx="0">
-            <a:schemeClr val="accent1"/>
-          </a:effectRef>
-          <a:fontRef idx="minor">
-            <a:schemeClr val="lt1"/>
-          </a:fontRef>
-        </p:style>
-        <p:txBody>
-          <a:bodyPr rtlCol="0" anchor="ctr"/>
-          <a:lstStyle/>
-          <a:p>
-            <a:pPr algn="ctr"/>
-            <a:r>
-              <a:rPr lang="en-US" altLang="ko-KR" dirty="0" smtClean="0">
-                <a:latin typeface="HY견고딕" panose="02030600000101010101" pitchFamily="18" charset="-127"/>
-                <a:ea typeface="HY견고딕" panose="02030600000101010101" pitchFamily="18" charset="-127"/>
-              </a:rPr>
-              <a:t>6 , </a:t>
-            </a:r>
-            <a:r>
-              <a:rPr lang="ko-KR" altLang="en-US" dirty="0" smtClean="0">
-                <a:latin typeface="HY견고딕" panose="02030600000101010101" pitchFamily="18" charset="-127"/>
-                <a:ea typeface="HY견고딕" panose="02030600000101010101" pitchFamily="18" charset="-127"/>
-              </a:rPr>
-              <a:t>거래 내역</a:t>
-            </a:r>
-            <a:endParaRPr lang="ko-KR" altLang="en-US" dirty="0">
-              <a:latin typeface="HY견고딕" panose="02030600000101010101" pitchFamily="18" charset="-127"/>
-              <a:ea typeface="HY견고딕" panose="02030600000101010101" pitchFamily="18" charset="-127"/>
-            </a:endParaRPr>
-          </a:p>
-        </p:txBody>
-      </p:sp>
-    </p:spTree>
-    <p:extLst>
-      <p:ext uri="{BB962C8B-B14F-4D97-AF65-F5344CB8AC3E}">
-        <p14:creationId xmlns:p14="http://schemas.microsoft.com/office/powerpoint/2010/main" val="1469844272"/>
-      </p:ext>
-    </p:extLst>
-  </p:cSld>
-  <p:clrMapOvr>
-    <a:masterClrMapping/>
-  </p:clrMapOvr>
-  <p:timing>
-    <p:tnLst>
-      <p:par>
-        <p:cTn id="1" dur="indefinite" restart="never" nodeType="tmRoot"/>
-      </p:par>
-    </p:tnLst>
-  </p:timing>
-</p:sld>
-</file>
-
-<file path=ppt/slides/slide6.xml><?xml version="1.0" encoding="utf-8"?>
-<p:sld xmlns:a="http://schemas.openxmlformats.org/drawingml/2006/main" xmlns:r="http://schemas.openxmlformats.org/officeDocument/2006/relationships" xmlns:p="http://schemas.openxmlformats.org/presentationml/2006/main">
-  <p:cSld>
-    <p:bg>
-      <p:bgPr>
-        <a:solidFill>
-          <a:srgbClr val="99CCFF"/>
-        </a:solidFill>
-        <a:effectLst/>
-      </p:bgPr>
-    </p:bg>
-    <p:spTree>
-      <p:nvGrpSpPr>
-        <p:cNvPr id="1" name=""/>
-        <p:cNvGrpSpPr/>
-        <p:nvPr/>
-      </p:nvGrpSpPr>
-      <p:grpSpPr>
-        <a:xfrm>
-          <a:off x="0" y="0"/>
-          <a:ext cx="0" cy="0"/>
-          <a:chOff x="0" y="0"/>
-          <a:chExt cx="0" cy="0"/>
-        </a:xfrm>
-      </p:grpSpPr>
-      <p:sp>
-        <p:nvSpPr>
-          <p:cNvPr id="2" name="순서도: 처리 1"/>
-          <p:cNvSpPr/>
-          <p:nvPr/>
-        </p:nvSpPr>
-        <p:spPr>
-          <a:xfrm>
-            <a:off x="301554" y="729574"/>
-            <a:ext cx="11517549" cy="5797685"/>
-          </a:xfrm>
-          <a:prstGeom prst="flowChartProcess">
-            <a:avLst/>
-          </a:prstGeom>
-          <a:solidFill>
-            <a:schemeClr val="bg1"/>
-          </a:solidFill>
-          <a:ln w="47625">
-            <a:solidFill>
-              <a:srgbClr val="99CCFF"/>
-            </a:solidFill>
-          </a:ln>
-        </p:spPr>
-        <p:style>
-          <a:lnRef idx="2">
-            <a:schemeClr val="accent1">
-              <a:shade val="50000"/>
-            </a:schemeClr>
-          </a:lnRef>
-          <a:fillRef idx="1">
-            <a:schemeClr val="accent1"/>
-          </a:fillRef>
-          <a:effectRef idx="0">
-            <a:schemeClr val="accent1"/>
-          </a:effectRef>
-          <a:fontRef idx="minor">
-            <a:schemeClr val="lt1"/>
-          </a:fontRef>
-        </p:style>
-        <p:txBody>
-          <a:bodyPr rtlCol="0" anchor="ctr"/>
-          <a:lstStyle/>
-          <a:p>
-            <a:pPr algn="ctr"/>
-            <a:endParaRPr lang="ko-KR" altLang="en-US" dirty="0"/>
-          </a:p>
-        </p:txBody>
-      </p:sp>
-      <p:sp>
-        <p:nvSpPr>
-          <p:cNvPr id="3" name="순서도: 처리 2"/>
-          <p:cNvSpPr/>
-          <p:nvPr/>
-        </p:nvSpPr>
-        <p:spPr>
-          <a:xfrm>
-            <a:off x="5009745" y="321013"/>
-            <a:ext cx="2149812" cy="408561"/>
-          </a:xfrm>
-          <a:prstGeom prst="flowChartProcess">
-            <a:avLst/>
-          </a:prstGeom>
-          <a:noFill/>
-          <a:ln>
-            <a:noFill/>
-          </a:ln>
-        </p:spPr>
-        <p:style>
-          <a:lnRef idx="2">
-            <a:schemeClr val="accent1">
-              <a:shade val="50000"/>
-            </a:schemeClr>
-          </a:lnRef>
-          <a:fillRef idx="1">
-            <a:schemeClr val="accent1"/>
-          </a:fillRef>
-          <a:effectRef idx="0">
-            <a:schemeClr val="accent1"/>
-          </a:effectRef>
-          <a:fontRef idx="minor">
-            <a:schemeClr val="lt1"/>
-          </a:fontRef>
-        </p:style>
-        <p:txBody>
-          <a:bodyPr rtlCol="0" anchor="ctr"/>
-          <a:lstStyle/>
-          <a:p>
-            <a:pPr algn="ctr"/>
-            <a:endParaRPr lang="ko-KR" altLang="en-US" dirty="0"/>
-          </a:p>
-        </p:txBody>
-      </p:sp>
-      <p:sp>
-        <p:nvSpPr>
-          <p:cNvPr id="6" name="직사각형 5"/>
-          <p:cNvSpPr/>
-          <p:nvPr/>
-        </p:nvSpPr>
-        <p:spPr>
-          <a:xfrm>
-            <a:off x="5044665" y="184826"/>
-            <a:ext cx="2031325" cy="461665"/>
-          </a:xfrm>
-          <a:prstGeom prst="rect">
-            <a:avLst/>
-          </a:prstGeom>
-        </p:spPr>
-        <p:txBody>
-          <a:bodyPr wrap="none">
-            <a:spAutoFit/>
-          </a:bodyPr>
-          <a:lstStyle/>
-          <a:p>
-            <a:r>
-              <a:rPr lang="en-US" altLang="ko-KR" sz="2400" b="1" dirty="0">
-                <a:solidFill>
-                  <a:schemeClr val="accent5">
-                    <a:lumMod val="50000"/>
-                  </a:schemeClr>
-                </a:solidFill>
-                <a:latin typeface="HY견고딕" panose="02030600000101010101" pitchFamily="18" charset="-127"/>
-                <a:ea typeface="HY견고딕" panose="02030600000101010101" pitchFamily="18" charset="-127"/>
-              </a:rPr>
-              <a:t>3</a:t>
-            </a:r>
-            <a:r>
-              <a:rPr lang="en-US" altLang="ko-KR" sz="2400" b="1" dirty="0" smtClean="0">
-                <a:solidFill>
-                  <a:schemeClr val="accent5">
-                    <a:lumMod val="50000"/>
-                  </a:schemeClr>
-                </a:solidFill>
-                <a:latin typeface="HY견고딕" panose="02030600000101010101" pitchFamily="18" charset="-127"/>
-                <a:ea typeface="HY견고딕" panose="02030600000101010101" pitchFamily="18" charset="-127"/>
-              </a:rPr>
-              <a:t> , </a:t>
-            </a:r>
-            <a:r>
-              <a:rPr lang="ko-KR" altLang="en-US" sz="2400" b="1" dirty="0" smtClean="0">
-                <a:solidFill>
-                  <a:schemeClr val="accent5">
-                    <a:lumMod val="50000"/>
-                  </a:schemeClr>
-                </a:solidFill>
-                <a:latin typeface="HY견고딕" panose="02030600000101010101" pitchFamily="18" charset="-127"/>
-                <a:ea typeface="HY견고딕" panose="02030600000101010101" pitchFamily="18" charset="-127"/>
-              </a:rPr>
-              <a:t>거래 내역</a:t>
-            </a:r>
-            <a:endParaRPr lang="en-US" altLang="ko-KR" sz="2400" b="1" dirty="0" smtClean="0">
-              <a:solidFill>
-                <a:schemeClr val="accent5">
-                  <a:lumMod val="50000"/>
-                </a:schemeClr>
-              </a:solidFill>
-              <a:latin typeface="HY견고딕" panose="02030600000101010101" pitchFamily="18" charset="-127"/>
-              <a:ea typeface="HY견고딕" panose="02030600000101010101" pitchFamily="18" charset="-127"/>
-            </a:endParaRPr>
-          </a:p>
-        </p:txBody>
-      </p:sp>
-      <p:pic>
-        <p:nvPicPr>
-          <p:cNvPr id="9" name="그림 8"/>
-          <p:cNvPicPr>
-            <a:picLocks noChangeAspect="1"/>
-          </p:cNvPicPr>
-          <p:nvPr/>
-        </p:nvPicPr>
-        <p:blipFill>
-          <a:blip r:embed="rId2"/>
-          <a:stretch>
-            <a:fillRect/>
-          </a:stretch>
-        </p:blipFill>
-        <p:spPr>
-          <a:xfrm>
-            <a:off x="666750" y="1493862"/>
-            <a:ext cx="6804093" cy="4627305"/>
+            <a:off x="6399537" y="2086463"/>
+            <a:ext cx="3994287" cy="4089768"/>
           </a:xfrm>
           <a:prstGeom prst="rect">
             <a:avLst/>
           </a:prstGeom>
         </p:spPr>
       </p:pic>
-      <p:sp>
-        <p:nvSpPr>
-          <p:cNvPr id="10" name="직사각형 9"/>
-          <p:cNvSpPr/>
-          <p:nvPr/>
-        </p:nvSpPr>
-        <p:spPr>
-          <a:xfrm>
-            <a:off x="972766" y="1143667"/>
-            <a:ext cx="1938440" cy="350195"/>
-          </a:xfrm>
-          <a:prstGeom prst="rect">
-            <a:avLst/>
-          </a:prstGeom>
-          <a:solidFill>
-            <a:schemeClr val="bg1"/>
-          </a:solidFill>
-          <a:ln>
-            <a:solidFill>
-              <a:schemeClr val="tx1"/>
-            </a:solidFill>
-          </a:ln>
-        </p:spPr>
-        <p:style>
-          <a:lnRef idx="2">
-            <a:schemeClr val="accent1">
-              <a:shade val="50000"/>
-            </a:schemeClr>
-          </a:lnRef>
-          <a:fillRef idx="1">
-            <a:schemeClr val="accent1"/>
-          </a:fillRef>
-          <a:effectRef idx="0">
-            <a:schemeClr val="accent1"/>
-          </a:effectRef>
-          <a:fontRef idx="minor">
-            <a:schemeClr val="lt1"/>
-          </a:fontRef>
-        </p:style>
-        <p:txBody>
-          <a:bodyPr rtlCol="0" anchor="ctr"/>
-          <a:lstStyle/>
-          <a:p>
-            <a:pPr algn="ctr"/>
-            <a:r>
-              <a:rPr lang="ko-KR" altLang="en-US" dirty="0" smtClean="0">
-                <a:solidFill>
-                  <a:schemeClr val="tx1"/>
-                </a:solidFill>
-                <a:latin typeface="HY견고딕" panose="02030600000101010101" pitchFamily="18" charset="-127"/>
-                <a:ea typeface="HY견고딕" panose="02030600000101010101" pitchFamily="18" charset="-127"/>
-              </a:rPr>
-              <a:t>거래 내역</a:t>
-            </a:r>
-            <a:endParaRPr lang="en-US" altLang="ko-KR" dirty="0" smtClean="0">
-              <a:solidFill>
-                <a:schemeClr val="tx1"/>
-              </a:solidFill>
-              <a:latin typeface="HY견고딕" panose="02030600000101010101" pitchFamily="18" charset="-127"/>
-              <a:ea typeface="HY견고딕" panose="02030600000101010101" pitchFamily="18" charset="-127"/>
-            </a:endParaRPr>
-          </a:p>
-        </p:txBody>
-      </p:sp>
-      <p:sp>
-        <p:nvSpPr>
-          <p:cNvPr id="4" name="TextBox 3"/>
-          <p:cNvSpPr txBox="1"/>
-          <p:nvPr/>
-        </p:nvSpPr>
-        <p:spPr>
-          <a:xfrm>
-            <a:off x="7470843" y="1991168"/>
-            <a:ext cx="4405947" cy="584775"/>
-          </a:xfrm>
-          <a:prstGeom prst="rect">
-            <a:avLst/>
-          </a:prstGeom>
-          <a:noFill/>
-        </p:spPr>
-        <p:txBody>
-          <a:bodyPr wrap="square" rtlCol="0">
-            <a:spAutoFit/>
-          </a:bodyPr>
-          <a:lstStyle/>
-          <a:p>
-            <a:r>
-              <a:rPr lang="ko-KR" altLang="en-US" sz="1600" dirty="0" smtClean="0">
-                <a:latin typeface="HY견고딕" panose="02030600000101010101" pitchFamily="18" charset="-127"/>
-                <a:ea typeface="HY견고딕" panose="02030600000101010101" pitchFamily="18" charset="-127"/>
-              </a:rPr>
-              <a:t>자신이 매도 혹은 매수를 하였을 때에</a:t>
-            </a:r>
-            <a:endParaRPr lang="en-US" altLang="ko-KR" sz="1600" dirty="0">
-              <a:latin typeface="HY견고딕" panose="02030600000101010101" pitchFamily="18" charset="-127"/>
-              <a:ea typeface="HY견고딕" panose="02030600000101010101" pitchFamily="18" charset="-127"/>
-            </a:endParaRPr>
-          </a:p>
-          <a:p>
-            <a:r>
-              <a:rPr lang="ko-KR" altLang="en-US" sz="1600" dirty="0" smtClean="0">
-                <a:latin typeface="HY견고딕" panose="02030600000101010101" pitchFamily="18" charset="-127"/>
-                <a:ea typeface="HY견고딕" panose="02030600000101010101" pitchFamily="18" charset="-127"/>
-              </a:rPr>
-              <a:t>주문 </a:t>
-            </a:r>
-            <a:r>
-              <a:rPr lang="en-US" altLang="ko-KR" sz="1600" dirty="0" smtClean="0">
-                <a:latin typeface="HY견고딕" panose="02030600000101010101" pitchFamily="18" charset="-127"/>
-                <a:ea typeface="HY견고딕" panose="02030600000101010101" pitchFamily="18" charset="-127"/>
-              </a:rPr>
-              <a:t>, </a:t>
-            </a:r>
-            <a:r>
-              <a:rPr lang="ko-KR" altLang="en-US" sz="1600" dirty="0" err="1" smtClean="0">
-                <a:latin typeface="HY견고딕" panose="02030600000101010101" pitchFamily="18" charset="-127"/>
-                <a:ea typeface="HY견고딕" panose="02030600000101010101" pitchFamily="18" charset="-127"/>
-              </a:rPr>
-              <a:t>채결량</a:t>
-            </a:r>
-            <a:r>
-              <a:rPr lang="ko-KR" altLang="en-US" sz="1600" dirty="0" smtClean="0">
-                <a:latin typeface="HY견고딕" panose="02030600000101010101" pitchFamily="18" charset="-127"/>
-                <a:ea typeface="HY견고딕" panose="02030600000101010101" pitchFamily="18" charset="-127"/>
-              </a:rPr>
-              <a:t> </a:t>
-            </a:r>
-            <a:r>
-              <a:rPr lang="en-US" altLang="ko-KR" sz="1600" dirty="0" smtClean="0">
-                <a:latin typeface="HY견고딕" panose="02030600000101010101" pitchFamily="18" charset="-127"/>
-                <a:ea typeface="HY견고딕" panose="02030600000101010101" pitchFamily="18" charset="-127"/>
-              </a:rPr>
-              <a:t>, </a:t>
-            </a:r>
-            <a:r>
-              <a:rPr lang="ko-KR" altLang="en-US" sz="1600" dirty="0" smtClean="0">
-                <a:latin typeface="HY견고딕" panose="02030600000101010101" pitchFamily="18" charset="-127"/>
-                <a:ea typeface="HY견고딕" panose="02030600000101010101" pitchFamily="18" charset="-127"/>
-              </a:rPr>
-              <a:t>가격 </a:t>
-            </a:r>
-            <a:r>
-              <a:rPr lang="en-US" altLang="ko-KR" sz="1600" dirty="0" smtClean="0">
-                <a:latin typeface="HY견고딕" panose="02030600000101010101" pitchFamily="18" charset="-127"/>
-                <a:ea typeface="HY견고딕" panose="02030600000101010101" pitchFamily="18" charset="-127"/>
-              </a:rPr>
-              <a:t>, </a:t>
-            </a:r>
-            <a:r>
-              <a:rPr lang="ko-KR" altLang="en-US" sz="1600" dirty="0" smtClean="0">
-                <a:latin typeface="HY견고딕" panose="02030600000101010101" pitchFamily="18" charset="-127"/>
-                <a:ea typeface="HY견고딕" panose="02030600000101010101" pitchFamily="18" charset="-127"/>
-              </a:rPr>
-              <a:t>시간을 볼 수 있다 </a:t>
-            </a:r>
-            <a:endParaRPr lang="ko-KR" altLang="en-US" sz="1600" dirty="0">
-              <a:latin typeface="HY견고딕" panose="02030600000101010101" pitchFamily="18" charset="-127"/>
-              <a:ea typeface="HY견고딕" panose="02030600000101010101" pitchFamily="18" charset="-127"/>
-            </a:endParaRPr>
-          </a:p>
-        </p:txBody>
-      </p:sp>
     </p:spTree>
     <p:extLst>
       <p:ext uri="{BB962C8B-B14F-4D97-AF65-F5344CB8AC3E}">
-        <p14:creationId xmlns:p14="http://schemas.microsoft.com/office/powerpoint/2010/main" val="1561466310"/>
-      </p:ext>
-    </p:extLst>
-  </p:cSld>
-  <p:clrMapOvr>
-    <a:masterClrMapping/>
-  </p:clrMapOvr>
-  <p:timing>
-    <p:tnLst>
-      <p:par>
-        <p:cTn id="1" dur="indefinite" restart="never" nodeType="tmRoot"/>
-      </p:par>
-    </p:tnLst>
-  </p:timing>
-</p:sld>
-</file>
-
-<file path=ppt/slides/slide7.xml><?xml version="1.0" encoding="utf-8"?>
-<p:sld xmlns:a="http://schemas.openxmlformats.org/drawingml/2006/main" xmlns:r="http://schemas.openxmlformats.org/officeDocument/2006/relationships" xmlns:p="http://schemas.openxmlformats.org/presentationml/2006/main">
-  <p:cSld>
-    <p:bg>
-      <p:bgPr>
-        <a:solidFill>
-          <a:srgbClr val="99CCFF"/>
-        </a:solidFill>
-        <a:effectLst/>
-      </p:bgPr>
-    </p:bg>
-    <p:spTree>
-      <p:nvGrpSpPr>
-        <p:cNvPr id="1" name=""/>
-        <p:cNvGrpSpPr/>
-        <p:nvPr/>
-      </p:nvGrpSpPr>
-      <p:grpSpPr>
-        <a:xfrm>
-          <a:off x="0" y="0"/>
-          <a:ext cx="0" cy="0"/>
-          <a:chOff x="0" y="0"/>
-          <a:chExt cx="0" cy="0"/>
-        </a:xfrm>
-      </p:grpSpPr>
-      <p:sp>
-        <p:nvSpPr>
-          <p:cNvPr id="2" name="순서도: 처리 1"/>
-          <p:cNvSpPr/>
-          <p:nvPr/>
-        </p:nvSpPr>
-        <p:spPr>
-          <a:xfrm>
-            <a:off x="325876" y="865761"/>
-            <a:ext cx="11517549" cy="5797685"/>
-          </a:xfrm>
-          <a:prstGeom prst="flowChartProcess">
-            <a:avLst/>
-          </a:prstGeom>
-          <a:solidFill>
-            <a:schemeClr val="bg1"/>
-          </a:solidFill>
-          <a:ln w="47625">
-            <a:solidFill>
-              <a:srgbClr val="99CCFF"/>
-            </a:solidFill>
-          </a:ln>
-        </p:spPr>
-        <p:style>
-          <a:lnRef idx="2">
-            <a:schemeClr val="accent1">
-              <a:shade val="50000"/>
-            </a:schemeClr>
-          </a:lnRef>
-          <a:fillRef idx="1">
-            <a:schemeClr val="accent1"/>
-          </a:fillRef>
-          <a:effectRef idx="0">
-            <a:schemeClr val="accent1"/>
-          </a:effectRef>
-          <a:fontRef idx="minor">
-            <a:schemeClr val="lt1"/>
-          </a:fontRef>
-        </p:style>
-        <p:txBody>
-          <a:bodyPr rtlCol="0" anchor="ctr"/>
-          <a:lstStyle/>
-          <a:p>
-            <a:pPr algn="ctr"/>
-            <a:endParaRPr lang="ko-KR" altLang="en-US" dirty="0"/>
-          </a:p>
-        </p:txBody>
-      </p:sp>
-      <p:sp>
-        <p:nvSpPr>
-          <p:cNvPr id="3" name="순서도: 처리 2"/>
-          <p:cNvSpPr/>
-          <p:nvPr/>
-        </p:nvSpPr>
-        <p:spPr>
-          <a:xfrm>
-            <a:off x="5009745" y="321013"/>
-            <a:ext cx="2149812" cy="408561"/>
-          </a:xfrm>
-          <a:prstGeom prst="flowChartProcess">
-            <a:avLst/>
-          </a:prstGeom>
-          <a:noFill/>
-          <a:ln>
-            <a:noFill/>
-          </a:ln>
-        </p:spPr>
-        <p:style>
-          <a:lnRef idx="2">
-            <a:schemeClr val="accent1">
-              <a:shade val="50000"/>
-            </a:schemeClr>
-          </a:lnRef>
-          <a:fillRef idx="1">
-            <a:schemeClr val="accent1"/>
-          </a:fillRef>
-          <a:effectRef idx="0">
-            <a:schemeClr val="accent1"/>
-          </a:effectRef>
-          <a:fontRef idx="minor">
-            <a:schemeClr val="lt1"/>
-          </a:fontRef>
-        </p:style>
-        <p:txBody>
-          <a:bodyPr rtlCol="0" anchor="ctr"/>
-          <a:lstStyle/>
-          <a:p>
-            <a:pPr algn="ctr"/>
-            <a:endParaRPr lang="ko-KR" altLang="en-US" dirty="0"/>
-          </a:p>
-        </p:txBody>
-      </p:sp>
-      <p:sp>
-        <p:nvSpPr>
-          <p:cNvPr id="6" name="직사각형 5"/>
-          <p:cNvSpPr/>
-          <p:nvPr/>
-        </p:nvSpPr>
-        <p:spPr>
-          <a:xfrm>
-            <a:off x="5044665" y="184826"/>
-            <a:ext cx="2031325" cy="461665"/>
-          </a:xfrm>
-          <a:prstGeom prst="rect">
-            <a:avLst/>
-          </a:prstGeom>
-        </p:spPr>
-        <p:txBody>
-          <a:bodyPr wrap="none">
-            <a:spAutoFit/>
-          </a:bodyPr>
-          <a:lstStyle/>
-          <a:p>
-            <a:r>
-              <a:rPr lang="en-US" altLang="ko-KR" sz="2400" dirty="0" smtClean="0">
-                <a:solidFill>
-                  <a:schemeClr val="accent5">
-                    <a:lumMod val="50000"/>
-                  </a:schemeClr>
-                </a:solidFill>
-                <a:latin typeface="HY견고딕" panose="02030600000101010101" pitchFamily="18" charset="-127"/>
-                <a:ea typeface="HY견고딕" panose="02030600000101010101" pitchFamily="18" charset="-127"/>
-              </a:rPr>
-              <a:t>4 , </a:t>
-            </a:r>
-            <a:r>
-              <a:rPr lang="ko-KR" altLang="en-US" sz="2400" dirty="0" smtClean="0">
-                <a:solidFill>
-                  <a:schemeClr val="accent5">
-                    <a:lumMod val="50000"/>
-                  </a:schemeClr>
-                </a:solidFill>
-                <a:latin typeface="HY견고딕" panose="02030600000101010101" pitchFamily="18" charset="-127"/>
-                <a:ea typeface="HY견고딕" panose="02030600000101010101" pitchFamily="18" charset="-127"/>
-              </a:rPr>
-              <a:t>채굴 기능</a:t>
-            </a:r>
-            <a:endParaRPr lang="en-US" altLang="ko-KR" sz="2400" dirty="0" smtClean="0">
-              <a:solidFill>
-                <a:schemeClr val="accent5">
-                  <a:lumMod val="50000"/>
-                </a:schemeClr>
-              </a:solidFill>
-              <a:latin typeface="HY견고딕" panose="02030600000101010101" pitchFamily="18" charset="-127"/>
-              <a:ea typeface="HY견고딕" panose="02030600000101010101" pitchFamily="18" charset="-127"/>
-            </a:endParaRPr>
-          </a:p>
-        </p:txBody>
-      </p:sp>
-      <p:sp>
-        <p:nvSpPr>
-          <p:cNvPr id="5" name="직사각형 4"/>
-          <p:cNvSpPr/>
-          <p:nvPr/>
-        </p:nvSpPr>
-        <p:spPr>
-          <a:xfrm>
-            <a:off x="972766" y="1143667"/>
-            <a:ext cx="1938440" cy="350195"/>
-          </a:xfrm>
-          <a:prstGeom prst="rect">
-            <a:avLst/>
-          </a:prstGeom>
-          <a:solidFill>
-            <a:schemeClr val="bg1"/>
-          </a:solidFill>
-          <a:ln>
-            <a:solidFill>
-              <a:schemeClr val="tx1"/>
-            </a:solidFill>
-          </a:ln>
-        </p:spPr>
-        <p:style>
-          <a:lnRef idx="2">
-            <a:schemeClr val="accent1">
-              <a:shade val="50000"/>
-            </a:schemeClr>
-          </a:lnRef>
-          <a:fillRef idx="1">
-            <a:schemeClr val="accent1"/>
-          </a:fillRef>
-          <a:effectRef idx="0">
-            <a:schemeClr val="accent1"/>
-          </a:effectRef>
-          <a:fontRef idx="minor">
-            <a:schemeClr val="lt1"/>
-          </a:fontRef>
-        </p:style>
-        <p:txBody>
-          <a:bodyPr rtlCol="0" anchor="ctr"/>
-          <a:lstStyle/>
-          <a:p>
-            <a:pPr algn="ctr"/>
-            <a:r>
-              <a:rPr lang="ko-KR" altLang="en-US" dirty="0" smtClean="0">
-                <a:solidFill>
-                  <a:schemeClr val="tx1"/>
-                </a:solidFill>
-                <a:latin typeface="HY견고딕" panose="02030600000101010101" pitchFamily="18" charset="-127"/>
-                <a:ea typeface="HY견고딕" panose="02030600000101010101" pitchFamily="18" charset="-127"/>
-              </a:rPr>
-              <a:t>채굴 기능</a:t>
-            </a:r>
-            <a:endParaRPr lang="en-US" altLang="ko-KR" dirty="0" smtClean="0">
-              <a:solidFill>
-                <a:schemeClr val="tx1"/>
-              </a:solidFill>
-              <a:latin typeface="HY견고딕" panose="02030600000101010101" pitchFamily="18" charset="-127"/>
-              <a:ea typeface="HY견고딕" panose="02030600000101010101" pitchFamily="18" charset="-127"/>
-            </a:endParaRPr>
-          </a:p>
-        </p:txBody>
-      </p:sp>
-      <p:pic>
-        <p:nvPicPr>
-          <p:cNvPr id="4" name="그림 3"/>
-          <p:cNvPicPr>
-            <a:picLocks noChangeAspect="1"/>
-          </p:cNvPicPr>
-          <p:nvPr/>
-        </p:nvPicPr>
-        <p:blipFill>
-          <a:blip r:embed="rId2"/>
-          <a:stretch>
-            <a:fillRect/>
-          </a:stretch>
-        </p:blipFill>
-        <p:spPr>
-          <a:xfrm>
-            <a:off x="547163" y="1493862"/>
-            <a:ext cx="5745860" cy="2340201"/>
-          </a:xfrm>
-          <a:prstGeom prst="rect">
-            <a:avLst/>
-          </a:prstGeom>
-        </p:spPr>
-      </p:pic>
-      <p:sp>
-        <p:nvSpPr>
-          <p:cNvPr id="9" name="TextBox 8"/>
-          <p:cNvSpPr txBox="1"/>
-          <p:nvPr/>
-        </p:nvSpPr>
-        <p:spPr>
-          <a:xfrm>
-            <a:off x="6939913" y="1493862"/>
-            <a:ext cx="4179201" cy="646331"/>
-          </a:xfrm>
-          <a:prstGeom prst="rect">
-            <a:avLst/>
-          </a:prstGeom>
-          <a:noFill/>
-        </p:spPr>
-        <p:txBody>
-          <a:bodyPr wrap="square" rtlCol="0">
-            <a:spAutoFit/>
-          </a:bodyPr>
-          <a:lstStyle/>
-          <a:p>
-            <a:r>
-              <a:rPr lang="ko-KR" altLang="en-US" dirty="0" smtClean="0">
-                <a:latin typeface="HY견고딕" panose="02030600000101010101" pitchFamily="18" charset="-127"/>
-                <a:ea typeface="HY견고딕" panose="02030600000101010101" pitchFamily="18" charset="-127"/>
-              </a:rPr>
-              <a:t>메인 화면에 채굴 버튼을 누를 시 </a:t>
-            </a:r>
-            <a:endParaRPr lang="en-US" altLang="ko-KR" dirty="0" smtClean="0">
-              <a:latin typeface="HY견고딕" panose="02030600000101010101" pitchFamily="18" charset="-127"/>
-              <a:ea typeface="HY견고딕" panose="02030600000101010101" pitchFamily="18" charset="-127"/>
-            </a:endParaRPr>
-          </a:p>
-          <a:p>
-            <a:r>
-              <a:rPr lang="ko-KR" altLang="en-US" dirty="0" smtClean="0">
-                <a:latin typeface="HY견고딕" panose="02030600000101010101" pitchFamily="18" charset="-127"/>
-                <a:ea typeface="HY견고딕" panose="02030600000101010101" pitchFamily="18" charset="-127"/>
-              </a:rPr>
-              <a:t>이 창이 뜨면서 채굴이 할 수 있다</a:t>
-            </a:r>
-            <a:endParaRPr lang="ko-KR" altLang="en-US" dirty="0">
-              <a:latin typeface="HY견고딕" panose="02030600000101010101" pitchFamily="18" charset="-127"/>
-              <a:ea typeface="HY견고딕" panose="02030600000101010101" pitchFamily="18" charset="-127"/>
-            </a:endParaRPr>
-          </a:p>
-        </p:txBody>
-      </p:sp>
-    </p:spTree>
-    <p:extLst>
-      <p:ext uri="{BB962C8B-B14F-4D97-AF65-F5344CB8AC3E}">
-        <p14:creationId xmlns:p14="http://schemas.microsoft.com/office/powerpoint/2010/main" val="3726328201"/>
-      </p:ext>
-    </p:extLst>
-  </p:cSld>
-  <p:clrMapOvr>
-    <a:masterClrMapping/>
-  </p:clrMapOvr>
-  <p:timing>
-    <p:tnLst>
-      <p:par>
-        <p:cTn id="1" dur="indefinite" restart="never" nodeType="tmRoot"/>
-      </p:par>
-    </p:tnLst>
-  </p:timing>
-</p:sld>
-</file>
-
-<file path=ppt/slides/slide8.xml><?xml version="1.0" encoding="utf-8"?>
-<p:sld xmlns:a="http://schemas.openxmlformats.org/drawingml/2006/main" xmlns:r="http://schemas.openxmlformats.org/officeDocument/2006/relationships" xmlns:p="http://schemas.openxmlformats.org/presentationml/2006/main">
-  <p:cSld>
-    <p:bg>
-      <p:bgPr>
-        <a:solidFill>
-          <a:srgbClr val="99CCFF"/>
-        </a:solidFill>
-        <a:effectLst/>
-      </p:bgPr>
-    </p:bg>
-    <p:spTree>
-      <p:nvGrpSpPr>
-        <p:cNvPr id="1" name=""/>
-        <p:cNvGrpSpPr/>
-        <p:nvPr/>
-      </p:nvGrpSpPr>
-      <p:grpSpPr>
-        <a:xfrm>
-          <a:off x="0" y="0"/>
-          <a:ext cx="0" cy="0"/>
-          <a:chOff x="0" y="0"/>
-          <a:chExt cx="0" cy="0"/>
-        </a:xfrm>
-      </p:grpSpPr>
-      <p:sp>
-        <p:nvSpPr>
-          <p:cNvPr id="3" name="순서도: 처리 2"/>
-          <p:cNvSpPr/>
-          <p:nvPr/>
-        </p:nvSpPr>
-        <p:spPr>
-          <a:xfrm>
-            <a:off x="5009745" y="321013"/>
-            <a:ext cx="2149812" cy="408561"/>
-          </a:xfrm>
-          <a:prstGeom prst="flowChartProcess">
-            <a:avLst/>
-          </a:prstGeom>
-          <a:noFill/>
-          <a:ln>
-            <a:noFill/>
-          </a:ln>
-        </p:spPr>
-        <p:style>
-          <a:lnRef idx="2">
-            <a:schemeClr val="accent1">
-              <a:shade val="50000"/>
-            </a:schemeClr>
-          </a:lnRef>
-          <a:fillRef idx="1">
-            <a:schemeClr val="accent1"/>
-          </a:fillRef>
-          <a:effectRef idx="0">
-            <a:schemeClr val="accent1"/>
-          </a:effectRef>
-          <a:fontRef idx="minor">
-            <a:schemeClr val="lt1"/>
-          </a:fontRef>
-        </p:style>
-        <p:txBody>
-          <a:bodyPr rtlCol="0" anchor="ctr"/>
-          <a:lstStyle/>
-          <a:p>
-            <a:pPr algn="ctr"/>
-            <a:endParaRPr lang="ko-KR" altLang="en-US" dirty="0"/>
-          </a:p>
-        </p:txBody>
-      </p:sp>
-      <p:sp>
-        <p:nvSpPr>
-          <p:cNvPr id="7" name="모서리가 둥근 직사각형 6"/>
-          <p:cNvSpPr/>
-          <p:nvPr/>
-        </p:nvSpPr>
-        <p:spPr>
-          <a:xfrm>
-            <a:off x="4048006" y="2570208"/>
-            <a:ext cx="4073290" cy="1080000"/>
-          </a:xfrm>
-          <a:prstGeom prst="roundRect">
-            <a:avLst>
-              <a:gd name="adj" fmla="val 50000"/>
-            </a:avLst>
-          </a:prstGeom>
-          <a:solidFill>
-            <a:schemeClr val="bg1"/>
-          </a:solidFill>
-          <a:ln>
-            <a:noFill/>
-          </a:ln>
-        </p:spPr>
-        <p:style>
-          <a:lnRef idx="2">
-            <a:schemeClr val="accent1">
-              <a:shade val="50000"/>
-            </a:schemeClr>
-          </a:lnRef>
-          <a:fillRef idx="1">
-            <a:schemeClr val="accent1"/>
-          </a:fillRef>
-          <a:effectRef idx="0">
-            <a:schemeClr val="accent1"/>
-          </a:effectRef>
-          <a:fontRef idx="minor">
-            <a:schemeClr val="lt1"/>
-          </a:fontRef>
-        </p:style>
-        <p:txBody>
-          <a:bodyPr rtlCol="0" anchor="ctr"/>
-          <a:lstStyle/>
-          <a:p>
-            <a:r>
-              <a:rPr lang="en-US" altLang="ko-KR" smtClean="0"/>
-              <a:t>THANK YOU</a:t>
-            </a:r>
-            <a:endParaRPr lang="ko-KR" altLang="en-US" dirty="0"/>
-          </a:p>
-        </p:txBody>
-      </p:sp>
-      <p:sp>
-        <p:nvSpPr>
-          <p:cNvPr id="9" name="TextBox 8"/>
-          <p:cNvSpPr txBox="1"/>
-          <p:nvPr/>
-        </p:nvSpPr>
-        <p:spPr>
-          <a:xfrm>
-            <a:off x="4270184" y="2756265"/>
-            <a:ext cx="3628933" cy="707886"/>
-          </a:xfrm>
-          <a:prstGeom prst="rect">
-            <a:avLst/>
-          </a:prstGeom>
-          <a:noFill/>
-        </p:spPr>
-        <p:txBody>
-          <a:bodyPr wrap="square" rtlCol="0">
-            <a:spAutoFit/>
-          </a:bodyPr>
-          <a:lstStyle/>
-          <a:p>
-            <a:r>
-              <a:rPr lang="en-US" altLang="ko-KR" sz="4000" b="1" dirty="0" smtClean="0">
-                <a:latin typeface="HY견고딕" panose="02030600000101010101" pitchFamily="18" charset="-127"/>
-                <a:ea typeface="HY견고딕" panose="02030600000101010101" pitchFamily="18" charset="-127"/>
-              </a:rPr>
-              <a:t>THANK YOU</a:t>
-            </a:r>
-            <a:endParaRPr lang="ko-KR" altLang="en-US" sz="4000" b="1" dirty="0" smtClean="0">
-              <a:latin typeface="HY견고딕" panose="02030600000101010101" pitchFamily="18" charset="-127"/>
-              <a:ea typeface="HY견고딕" panose="02030600000101010101" pitchFamily="18" charset="-127"/>
-            </a:endParaRPr>
-          </a:p>
-        </p:txBody>
-      </p:sp>
-    </p:spTree>
-    <p:extLst>
-      <p:ext uri="{BB962C8B-B14F-4D97-AF65-F5344CB8AC3E}">
-        <p14:creationId xmlns:p14="http://schemas.microsoft.com/office/powerpoint/2010/main" val="752262706"/>
+        <p14:creationId xmlns:p14="http://schemas.microsoft.com/office/powerpoint/2010/main" val="3909672408"/>
       </p:ext>
     </p:extLst>
   </p:cSld>

--- a/템플릿PPT/YSCOIN_TYPE2.pptx
+++ b/템플릿PPT/YSCOIN_TYPE2.pptx
@@ -5,13 +5,18 @@
     <p:sldMasterId id="2147483648" r:id="rId1"/>
   </p:sldMasterIdLst>
   <p:notesMasterIdLst>
-    <p:notesMasterId r:id="rId6"/>
+    <p:notesMasterId r:id="rId11"/>
   </p:notesMasterIdLst>
   <p:sldIdLst>
     <p:sldId id="257" r:id="rId2"/>
     <p:sldId id="258" r:id="rId3"/>
     <p:sldId id="259" r:id="rId4"/>
     <p:sldId id="261" r:id="rId5"/>
+    <p:sldId id="262" r:id="rId6"/>
+    <p:sldId id="263" r:id="rId7"/>
+    <p:sldId id="264" r:id="rId8"/>
+    <p:sldId id="265" r:id="rId9"/>
+    <p:sldId id="266" r:id="rId10"/>
   </p:sldIdLst>
   <p:sldSz cx="12192000" cy="6858000"/>
   <p:notesSz cx="6858000" cy="9144000"/>
@@ -627,6 +632,426 @@
     <p:extLst>
       <p:ext uri="{BB962C8B-B14F-4D97-AF65-F5344CB8AC3E}">
         <p14:creationId xmlns:p14="http://schemas.microsoft.com/office/powerpoint/2010/main" val="4170061547"/>
+      </p:ext>
+    </p:extLst>
+  </p:cSld>
+  <p:clrMapOvr>
+    <a:masterClrMapping/>
+  </p:clrMapOvr>
+</p:notes>
+</file>
+
+<file path=ppt/notesSlides/notesSlide3.xml><?xml version="1.0" encoding="utf-8"?>
+<p:notes xmlns:a="http://schemas.openxmlformats.org/drawingml/2006/main" xmlns:r="http://schemas.openxmlformats.org/officeDocument/2006/relationships" xmlns:p="http://schemas.openxmlformats.org/presentationml/2006/main">
+  <p:cSld>
+    <p:spTree>
+      <p:nvGrpSpPr>
+        <p:cNvPr id="1" name=""/>
+        <p:cNvGrpSpPr/>
+        <p:nvPr/>
+      </p:nvGrpSpPr>
+      <p:grpSpPr>
+        <a:xfrm>
+          <a:off x="0" y="0"/>
+          <a:ext cx="0" cy="0"/>
+          <a:chOff x="0" y="0"/>
+          <a:chExt cx="0" cy="0"/>
+        </a:xfrm>
+      </p:grpSpPr>
+      <p:sp>
+        <p:nvSpPr>
+          <p:cNvPr id="2" name="슬라이드 이미지 개체 틀 1"/>
+          <p:cNvSpPr>
+            <a:spLocks noGrp="1" noRot="1" noChangeAspect="1"/>
+          </p:cNvSpPr>
+          <p:nvPr>
+            <p:ph type="sldImg"/>
+          </p:nvPr>
+        </p:nvSpPr>
+        <p:spPr/>
+      </p:sp>
+      <p:sp>
+        <p:nvSpPr>
+          <p:cNvPr id="3" name="슬라이드 노트 개체 틀 2"/>
+          <p:cNvSpPr>
+            <a:spLocks noGrp="1"/>
+          </p:cNvSpPr>
+          <p:nvPr>
+            <p:ph type="body" idx="1"/>
+          </p:nvPr>
+        </p:nvSpPr>
+        <p:spPr/>
+        <p:txBody>
+          <a:bodyPr/>
+          <a:lstStyle/>
+          <a:p>
+            <a:endParaRPr lang="ko-KR" altLang="en-US"/>
+          </a:p>
+        </p:txBody>
+      </p:sp>
+      <p:sp>
+        <p:nvSpPr>
+          <p:cNvPr id="4" name="슬라이드 번호 개체 틀 3"/>
+          <p:cNvSpPr>
+            <a:spLocks noGrp="1"/>
+          </p:cNvSpPr>
+          <p:nvPr>
+            <p:ph type="sldNum" sz="quarter" idx="10"/>
+          </p:nvPr>
+        </p:nvSpPr>
+        <p:spPr/>
+        <p:txBody>
+          <a:bodyPr/>
+          <a:lstStyle/>
+          <a:p>
+            <a:fld id="{EE8CD062-59B9-4B86-8618-879470A7C0F2}" type="slidenum">
+              <a:rPr lang="ko-KR" altLang="en-US" smtClean="0"/>
+              <a:t>5</a:t>
+            </a:fld>
+            <a:endParaRPr lang="ko-KR" altLang="en-US"/>
+          </a:p>
+        </p:txBody>
+      </p:sp>
+    </p:spTree>
+    <p:extLst>
+      <p:ext uri="{BB962C8B-B14F-4D97-AF65-F5344CB8AC3E}">
+        <p14:creationId xmlns:p14="http://schemas.microsoft.com/office/powerpoint/2010/main" val="1276138532"/>
+      </p:ext>
+    </p:extLst>
+  </p:cSld>
+  <p:clrMapOvr>
+    <a:masterClrMapping/>
+  </p:clrMapOvr>
+</p:notes>
+</file>
+
+<file path=ppt/notesSlides/notesSlide4.xml><?xml version="1.0" encoding="utf-8"?>
+<p:notes xmlns:a="http://schemas.openxmlformats.org/drawingml/2006/main" xmlns:r="http://schemas.openxmlformats.org/officeDocument/2006/relationships" xmlns:p="http://schemas.openxmlformats.org/presentationml/2006/main">
+  <p:cSld>
+    <p:spTree>
+      <p:nvGrpSpPr>
+        <p:cNvPr id="1" name=""/>
+        <p:cNvGrpSpPr/>
+        <p:nvPr/>
+      </p:nvGrpSpPr>
+      <p:grpSpPr>
+        <a:xfrm>
+          <a:off x="0" y="0"/>
+          <a:ext cx="0" cy="0"/>
+          <a:chOff x="0" y="0"/>
+          <a:chExt cx="0" cy="0"/>
+        </a:xfrm>
+      </p:grpSpPr>
+      <p:sp>
+        <p:nvSpPr>
+          <p:cNvPr id="2" name="슬라이드 이미지 개체 틀 1"/>
+          <p:cNvSpPr>
+            <a:spLocks noGrp="1" noRot="1" noChangeAspect="1"/>
+          </p:cNvSpPr>
+          <p:nvPr>
+            <p:ph type="sldImg"/>
+          </p:nvPr>
+        </p:nvSpPr>
+        <p:spPr/>
+      </p:sp>
+      <p:sp>
+        <p:nvSpPr>
+          <p:cNvPr id="3" name="슬라이드 노트 개체 틀 2"/>
+          <p:cNvSpPr>
+            <a:spLocks noGrp="1"/>
+          </p:cNvSpPr>
+          <p:nvPr>
+            <p:ph type="body" idx="1"/>
+          </p:nvPr>
+        </p:nvSpPr>
+        <p:spPr/>
+        <p:txBody>
+          <a:bodyPr/>
+          <a:lstStyle/>
+          <a:p>
+            <a:endParaRPr lang="ko-KR" altLang="en-US"/>
+          </a:p>
+        </p:txBody>
+      </p:sp>
+      <p:sp>
+        <p:nvSpPr>
+          <p:cNvPr id="4" name="슬라이드 번호 개체 틀 3"/>
+          <p:cNvSpPr>
+            <a:spLocks noGrp="1"/>
+          </p:cNvSpPr>
+          <p:nvPr>
+            <p:ph type="sldNum" sz="quarter" idx="10"/>
+          </p:nvPr>
+        </p:nvSpPr>
+        <p:spPr/>
+        <p:txBody>
+          <a:bodyPr/>
+          <a:lstStyle/>
+          <a:p>
+            <a:fld id="{EE8CD062-59B9-4B86-8618-879470A7C0F2}" type="slidenum">
+              <a:rPr lang="ko-KR" altLang="en-US" smtClean="0"/>
+              <a:t>6</a:t>
+            </a:fld>
+            <a:endParaRPr lang="ko-KR" altLang="en-US"/>
+          </a:p>
+        </p:txBody>
+      </p:sp>
+    </p:spTree>
+    <p:extLst>
+      <p:ext uri="{BB962C8B-B14F-4D97-AF65-F5344CB8AC3E}">
+        <p14:creationId xmlns:p14="http://schemas.microsoft.com/office/powerpoint/2010/main" val="1216191949"/>
+      </p:ext>
+    </p:extLst>
+  </p:cSld>
+  <p:clrMapOvr>
+    <a:masterClrMapping/>
+  </p:clrMapOvr>
+</p:notes>
+</file>
+
+<file path=ppt/notesSlides/notesSlide5.xml><?xml version="1.0" encoding="utf-8"?>
+<p:notes xmlns:a="http://schemas.openxmlformats.org/drawingml/2006/main" xmlns:r="http://schemas.openxmlformats.org/officeDocument/2006/relationships" xmlns:p="http://schemas.openxmlformats.org/presentationml/2006/main">
+  <p:cSld>
+    <p:spTree>
+      <p:nvGrpSpPr>
+        <p:cNvPr id="1" name=""/>
+        <p:cNvGrpSpPr/>
+        <p:nvPr/>
+      </p:nvGrpSpPr>
+      <p:grpSpPr>
+        <a:xfrm>
+          <a:off x="0" y="0"/>
+          <a:ext cx="0" cy="0"/>
+          <a:chOff x="0" y="0"/>
+          <a:chExt cx="0" cy="0"/>
+        </a:xfrm>
+      </p:grpSpPr>
+      <p:sp>
+        <p:nvSpPr>
+          <p:cNvPr id="2" name="슬라이드 이미지 개체 틀 1"/>
+          <p:cNvSpPr>
+            <a:spLocks noGrp="1" noRot="1" noChangeAspect="1"/>
+          </p:cNvSpPr>
+          <p:nvPr>
+            <p:ph type="sldImg"/>
+          </p:nvPr>
+        </p:nvSpPr>
+        <p:spPr/>
+      </p:sp>
+      <p:sp>
+        <p:nvSpPr>
+          <p:cNvPr id="3" name="슬라이드 노트 개체 틀 2"/>
+          <p:cNvSpPr>
+            <a:spLocks noGrp="1"/>
+          </p:cNvSpPr>
+          <p:nvPr>
+            <p:ph type="body" idx="1"/>
+          </p:nvPr>
+        </p:nvSpPr>
+        <p:spPr/>
+        <p:txBody>
+          <a:bodyPr/>
+          <a:lstStyle/>
+          <a:p>
+            <a:endParaRPr lang="ko-KR" altLang="en-US"/>
+          </a:p>
+        </p:txBody>
+      </p:sp>
+      <p:sp>
+        <p:nvSpPr>
+          <p:cNvPr id="4" name="슬라이드 번호 개체 틀 3"/>
+          <p:cNvSpPr>
+            <a:spLocks noGrp="1"/>
+          </p:cNvSpPr>
+          <p:nvPr>
+            <p:ph type="sldNum" sz="quarter" idx="10"/>
+          </p:nvPr>
+        </p:nvSpPr>
+        <p:spPr/>
+        <p:txBody>
+          <a:bodyPr/>
+          <a:lstStyle/>
+          <a:p>
+            <a:fld id="{EE8CD062-59B9-4B86-8618-879470A7C0F2}" type="slidenum">
+              <a:rPr lang="ko-KR" altLang="en-US" smtClean="0"/>
+              <a:t>7</a:t>
+            </a:fld>
+            <a:endParaRPr lang="ko-KR" altLang="en-US"/>
+          </a:p>
+        </p:txBody>
+      </p:sp>
+    </p:spTree>
+    <p:extLst>
+      <p:ext uri="{BB962C8B-B14F-4D97-AF65-F5344CB8AC3E}">
+        <p14:creationId xmlns:p14="http://schemas.microsoft.com/office/powerpoint/2010/main" val="3014107869"/>
+      </p:ext>
+    </p:extLst>
+  </p:cSld>
+  <p:clrMapOvr>
+    <a:masterClrMapping/>
+  </p:clrMapOvr>
+</p:notes>
+</file>
+
+<file path=ppt/notesSlides/notesSlide6.xml><?xml version="1.0" encoding="utf-8"?>
+<p:notes xmlns:a="http://schemas.openxmlformats.org/drawingml/2006/main" xmlns:r="http://schemas.openxmlformats.org/officeDocument/2006/relationships" xmlns:p="http://schemas.openxmlformats.org/presentationml/2006/main">
+  <p:cSld>
+    <p:spTree>
+      <p:nvGrpSpPr>
+        <p:cNvPr id="1" name=""/>
+        <p:cNvGrpSpPr/>
+        <p:nvPr/>
+      </p:nvGrpSpPr>
+      <p:grpSpPr>
+        <a:xfrm>
+          <a:off x="0" y="0"/>
+          <a:ext cx="0" cy="0"/>
+          <a:chOff x="0" y="0"/>
+          <a:chExt cx="0" cy="0"/>
+        </a:xfrm>
+      </p:grpSpPr>
+      <p:sp>
+        <p:nvSpPr>
+          <p:cNvPr id="2" name="슬라이드 이미지 개체 틀 1"/>
+          <p:cNvSpPr>
+            <a:spLocks noGrp="1" noRot="1" noChangeAspect="1"/>
+          </p:cNvSpPr>
+          <p:nvPr>
+            <p:ph type="sldImg"/>
+          </p:nvPr>
+        </p:nvSpPr>
+        <p:spPr/>
+      </p:sp>
+      <p:sp>
+        <p:nvSpPr>
+          <p:cNvPr id="3" name="슬라이드 노트 개체 틀 2"/>
+          <p:cNvSpPr>
+            <a:spLocks noGrp="1"/>
+          </p:cNvSpPr>
+          <p:nvPr>
+            <p:ph type="body" idx="1"/>
+          </p:nvPr>
+        </p:nvSpPr>
+        <p:spPr/>
+        <p:txBody>
+          <a:bodyPr/>
+          <a:lstStyle/>
+          <a:p>
+            <a:endParaRPr lang="ko-KR" altLang="en-US"/>
+          </a:p>
+        </p:txBody>
+      </p:sp>
+      <p:sp>
+        <p:nvSpPr>
+          <p:cNvPr id="4" name="슬라이드 번호 개체 틀 3"/>
+          <p:cNvSpPr>
+            <a:spLocks noGrp="1"/>
+          </p:cNvSpPr>
+          <p:nvPr>
+            <p:ph type="sldNum" sz="quarter" idx="10"/>
+          </p:nvPr>
+        </p:nvSpPr>
+        <p:spPr/>
+        <p:txBody>
+          <a:bodyPr/>
+          <a:lstStyle/>
+          <a:p>
+            <a:fld id="{EE8CD062-59B9-4B86-8618-879470A7C0F2}" type="slidenum">
+              <a:rPr lang="ko-KR" altLang="en-US" smtClean="0"/>
+              <a:t>8</a:t>
+            </a:fld>
+            <a:endParaRPr lang="ko-KR" altLang="en-US"/>
+          </a:p>
+        </p:txBody>
+      </p:sp>
+    </p:spTree>
+    <p:extLst>
+      <p:ext uri="{BB962C8B-B14F-4D97-AF65-F5344CB8AC3E}">
+        <p14:creationId xmlns:p14="http://schemas.microsoft.com/office/powerpoint/2010/main" val="2040917476"/>
+      </p:ext>
+    </p:extLst>
+  </p:cSld>
+  <p:clrMapOvr>
+    <a:masterClrMapping/>
+  </p:clrMapOvr>
+</p:notes>
+</file>
+
+<file path=ppt/notesSlides/notesSlide7.xml><?xml version="1.0" encoding="utf-8"?>
+<p:notes xmlns:a="http://schemas.openxmlformats.org/drawingml/2006/main" xmlns:r="http://schemas.openxmlformats.org/officeDocument/2006/relationships" xmlns:p="http://schemas.openxmlformats.org/presentationml/2006/main">
+  <p:cSld>
+    <p:spTree>
+      <p:nvGrpSpPr>
+        <p:cNvPr id="1" name=""/>
+        <p:cNvGrpSpPr/>
+        <p:nvPr/>
+      </p:nvGrpSpPr>
+      <p:grpSpPr>
+        <a:xfrm>
+          <a:off x="0" y="0"/>
+          <a:ext cx="0" cy="0"/>
+          <a:chOff x="0" y="0"/>
+          <a:chExt cx="0" cy="0"/>
+        </a:xfrm>
+      </p:grpSpPr>
+      <p:sp>
+        <p:nvSpPr>
+          <p:cNvPr id="2" name="슬라이드 이미지 개체 틀 1"/>
+          <p:cNvSpPr>
+            <a:spLocks noGrp="1" noRot="1" noChangeAspect="1"/>
+          </p:cNvSpPr>
+          <p:nvPr>
+            <p:ph type="sldImg"/>
+          </p:nvPr>
+        </p:nvSpPr>
+        <p:spPr/>
+      </p:sp>
+      <p:sp>
+        <p:nvSpPr>
+          <p:cNvPr id="3" name="슬라이드 노트 개체 틀 2"/>
+          <p:cNvSpPr>
+            <a:spLocks noGrp="1"/>
+          </p:cNvSpPr>
+          <p:nvPr>
+            <p:ph type="body" idx="1"/>
+          </p:nvPr>
+        </p:nvSpPr>
+        <p:spPr/>
+        <p:txBody>
+          <a:bodyPr/>
+          <a:lstStyle/>
+          <a:p>
+            <a:endParaRPr lang="ko-KR" altLang="en-US"/>
+          </a:p>
+        </p:txBody>
+      </p:sp>
+      <p:sp>
+        <p:nvSpPr>
+          <p:cNvPr id="4" name="슬라이드 번호 개체 틀 3"/>
+          <p:cNvSpPr>
+            <a:spLocks noGrp="1"/>
+          </p:cNvSpPr>
+          <p:nvPr>
+            <p:ph type="sldNum" sz="quarter" idx="10"/>
+          </p:nvPr>
+        </p:nvSpPr>
+        <p:spPr/>
+        <p:txBody>
+          <a:bodyPr/>
+          <a:lstStyle/>
+          <a:p>
+            <a:fld id="{EE8CD062-59B9-4B86-8618-879470A7C0F2}" type="slidenum">
+              <a:rPr lang="ko-KR" altLang="en-US" smtClean="0"/>
+              <a:t>9</a:t>
+            </a:fld>
+            <a:endParaRPr lang="ko-KR" altLang="en-US"/>
+          </a:p>
+        </p:txBody>
+      </p:sp>
+    </p:spTree>
+    <p:extLst>
+      <p:ext uri="{BB962C8B-B14F-4D97-AF65-F5344CB8AC3E}">
+        <p14:creationId xmlns:p14="http://schemas.microsoft.com/office/powerpoint/2010/main" val="3632582228"/>
       </p:ext>
     </p:extLst>
   </p:cSld>
@@ -4418,17 +4843,7 @@
                 <a:latin typeface="HY견고딕" panose="02030600000101010101" pitchFamily="18" charset="-127"/>
                 <a:ea typeface="HY견고딕" panose="02030600000101010101" pitchFamily="18" charset="-127"/>
               </a:rPr>
-              <a:t>회원가입 기능</a:t>
-            </a:r>
-            <a:r>
-              <a:rPr lang="ko-KR" altLang="en-US" dirty="0" smtClean="0">
-                <a:solidFill>
-                  <a:schemeClr val="tx1"/>
-                </a:solidFill>
-                <a:latin typeface="HY견고딕" panose="02030600000101010101" pitchFamily="18" charset="-127"/>
-                <a:ea typeface="HY견고딕" panose="02030600000101010101" pitchFamily="18" charset="-127"/>
-              </a:rPr>
-              <a:t> </a:t>
+              <a:t>회원가입 기능 </a:t>
             </a:r>
             <a:endParaRPr lang="en-US" altLang="ko-KR" dirty="0" smtClean="0">
               <a:solidFill>
@@ -4673,6 +5088,16 @@
           <a:p>
             <a:pPr algn="ctr"/>
             <a:r>
+              <a:rPr lang="en-US" altLang="ko-KR" dirty="0">
+                <a:solidFill>
+                  <a:schemeClr val="tx1"/>
+                </a:solidFill>
+                <a:latin typeface="HY견고딕" panose="02030600000101010101" pitchFamily="18" charset="-127"/>
+                <a:ea typeface="HY견고딕" panose="02030600000101010101" pitchFamily="18" charset="-127"/>
+              </a:rPr>
+              <a:t>2</a:t>
+            </a:r>
+            <a:r>
               <a:rPr lang="en-US" altLang="ko-KR" dirty="0" smtClean="0">
                 <a:solidFill>
                   <a:schemeClr val="tx1"/>
@@ -4680,7 +5105,27 @@
                 <a:latin typeface="HY견고딕" panose="02030600000101010101" pitchFamily="18" charset="-127"/>
                 <a:ea typeface="HY견고딕" panose="02030600000101010101" pitchFamily="18" charset="-127"/>
               </a:rPr>
-              <a:t>1. </a:t>
+              <a:t>. </a:t>
+            </a:r>
+            <a:r>
+              <a:rPr lang="ko-KR" altLang="en-US" dirty="0" err="1" smtClean="0">
+                <a:solidFill>
+                  <a:schemeClr val="tx1"/>
+                </a:solidFill>
+                <a:latin typeface="HY견고딕" panose="02030600000101010101" pitchFamily="18" charset="-127"/>
+                <a:ea typeface="HY견고딕" panose="02030600000101010101" pitchFamily="18" charset="-127"/>
+              </a:rPr>
+              <a:t>메인화면</a:t>
+            </a:r>
+            <a:r>
+              <a:rPr lang="en-US" altLang="ko-KR" dirty="0" smtClean="0">
+                <a:solidFill>
+                  <a:schemeClr val="tx1"/>
+                </a:solidFill>
+                <a:latin typeface="HY견고딕" panose="02030600000101010101" pitchFamily="18" charset="-127"/>
+                <a:ea typeface="HY견고딕" panose="02030600000101010101" pitchFamily="18" charset="-127"/>
+              </a:rPr>
+              <a:t> </a:t>
             </a:r>
             <a:endParaRPr lang="en-US" altLang="ko-KR" dirty="0" smtClean="0">
               <a:solidFill>
@@ -4694,7 +5139,7 @@
       </p:sp>
       <p:pic>
         <p:nvPicPr>
-          <p:cNvPr id="12" name="그림 11"/>
+          <p:cNvPr id="6" name="그림 5"/>
           <p:cNvPicPr>
             <a:picLocks noChangeAspect="1"/>
           </p:cNvPicPr>
@@ -4708,32 +5153,292 @@
         </p:blipFill>
         <p:spPr>
           <a:xfrm>
-            <a:off x="1823417" y="2086463"/>
-            <a:ext cx="3994287" cy="4089768"/>
+            <a:off x="2872535" y="2086463"/>
+            <a:ext cx="6375584" cy="4384741"/>
           </a:xfrm>
           <a:prstGeom prst="rect">
             <a:avLst/>
           </a:prstGeom>
         </p:spPr>
       </p:pic>
+    </p:spTree>
+    <p:extLst>
+      <p:ext uri="{BB962C8B-B14F-4D97-AF65-F5344CB8AC3E}">
+        <p14:creationId xmlns:p14="http://schemas.microsoft.com/office/powerpoint/2010/main" val="3909672408"/>
+      </p:ext>
+    </p:extLst>
+  </p:cSld>
+  <p:clrMapOvr>
+    <a:masterClrMapping/>
+  </p:clrMapOvr>
+  <p:timing>
+    <p:tnLst>
+      <p:par>
+        <p:cTn id="1" dur="indefinite" restart="never" nodeType="tmRoot"/>
+      </p:par>
+    </p:tnLst>
+  </p:timing>
+</p:sld>
+</file>
+
+<file path=ppt/slides/slide5.xml><?xml version="1.0" encoding="utf-8"?>
+<p:sld xmlns:a="http://schemas.openxmlformats.org/drawingml/2006/main" xmlns:r="http://schemas.openxmlformats.org/officeDocument/2006/relationships" xmlns:p="http://schemas.openxmlformats.org/presentationml/2006/main">
+  <p:cSld>
+    <p:bg>
+      <p:bgPr>
+        <a:solidFill>
+          <a:srgbClr val="99CCFF"/>
+        </a:solidFill>
+        <a:effectLst/>
+      </p:bgPr>
+    </p:bg>
+    <p:spTree>
+      <p:nvGrpSpPr>
+        <p:cNvPr id="1" name=""/>
+        <p:cNvGrpSpPr/>
+        <p:nvPr/>
+      </p:nvGrpSpPr>
+      <p:grpSpPr>
+        <a:xfrm>
+          <a:off x="0" y="0"/>
+          <a:ext cx="0" cy="0"/>
+          <a:chOff x="0" y="0"/>
+          <a:chExt cx="0" cy="0"/>
+        </a:xfrm>
+      </p:grpSpPr>
+      <p:sp>
+        <p:nvSpPr>
+          <p:cNvPr id="2" name="순서도: 처리 1"/>
+          <p:cNvSpPr/>
+          <p:nvPr/>
+        </p:nvSpPr>
+        <p:spPr>
+          <a:xfrm>
+            <a:off x="301554" y="865761"/>
+            <a:ext cx="11517549" cy="5797685"/>
+          </a:xfrm>
+          <a:prstGeom prst="flowChartProcess">
+            <a:avLst/>
+          </a:prstGeom>
+          <a:solidFill>
+            <a:schemeClr val="bg1"/>
+          </a:solidFill>
+          <a:ln w="47625">
+            <a:solidFill>
+              <a:srgbClr val="99CCFF"/>
+            </a:solidFill>
+          </a:ln>
+        </p:spPr>
+        <p:style>
+          <a:lnRef idx="2">
+            <a:schemeClr val="accent1">
+              <a:shade val="50000"/>
+            </a:schemeClr>
+          </a:lnRef>
+          <a:fillRef idx="1">
+            <a:schemeClr val="accent1"/>
+          </a:fillRef>
+          <a:effectRef idx="0">
+            <a:schemeClr val="accent1"/>
+          </a:effectRef>
+          <a:fontRef idx="minor">
+            <a:schemeClr val="lt1"/>
+          </a:fontRef>
+        </p:style>
+        <p:txBody>
+          <a:bodyPr rtlCol="0" anchor="ctr"/>
+          <a:lstStyle/>
+          <a:p>
+            <a:pPr algn="ctr"/>
+            <a:endParaRPr lang="ko-KR" altLang="en-US" dirty="0"/>
+          </a:p>
+        </p:txBody>
+      </p:sp>
+      <p:sp>
+        <p:nvSpPr>
+          <p:cNvPr id="3" name="TextBox 2"/>
+          <p:cNvSpPr txBox="1"/>
+          <p:nvPr/>
+        </p:nvSpPr>
+        <p:spPr>
+          <a:xfrm>
+            <a:off x="4359143" y="112315"/>
+            <a:ext cx="3402373" cy="461665"/>
+          </a:xfrm>
+          <a:prstGeom prst="rect">
+            <a:avLst/>
+          </a:prstGeom>
+          <a:noFill/>
+        </p:spPr>
+        <p:txBody>
+          <a:bodyPr wrap="square" rtlCol="0">
+            <a:spAutoFit/>
+          </a:bodyPr>
+          <a:lstStyle/>
+          <a:p>
+            <a:pPr algn="ctr"/>
+            <a:r>
+              <a:rPr lang="ko-KR" altLang="en-US" sz="2400" b="1" dirty="0" smtClean="0">
+                <a:solidFill>
+                  <a:schemeClr val="accent5">
+                    <a:lumMod val="50000"/>
+                  </a:schemeClr>
+                </a:solidFill>
+                <a:latin typeface="HY견고딕" panose="02030600000101010101" pitchFamily="18" charset="-127"/>
+                <a:ea typeface="HY견고딕" panose="02030600000101010101" pitchFamily="18" charset="-127"/>
+              </a:rPr>
+              <a:t>주요기능 설명</a:t>
+            </a:r>
+            <a:endParaRPr lang="en-US" altLang="ko-KR" sz="2400" b="1" dirty="0" smtClean="0">
+              <a:solidFill>
+                <a:schemeClr val="accent5">
+                  <a:lumMod val="50000"/>
+                </a:schemeClr>
+              </a:solidFill>
+              <a:latin typeface="HY견고딕" panose="02030600000101010101" pitchFamily="18" charset="-127"/>
+              <a:ea typeface="HY견고딕" panose="02030600000101010101" pitchFamily="18" charset="-127"/>
+            </a:endParaRPr>
+          </a:p>
+        </p:txBody>
+      </p:sp>
+      <p:sp>
+        <p:nvSpPr>
+          <p:cNvPr id="5" name="순서도: 처리 4"/>
+          <p:cNvSpPr/>
+          <p:nvPr/>
+        </p:nvSpPr>
+        <p:spPr>
+          <a:xfrm>
+            <a:off x="3723974" y="1347933"/>
+            <a:ext cx="4672707" cy="446749"/>
+          </a:xfrm>
+          <a:prstGeom prst="flowChartProcess">
+            <a:avLst/>
+          </a:prstGeom>
+          <a:solidFill>
+            <a:schemeClr val="bg1"/>
+          </a:solidFill>
+          <a:ln w="15875">
+            <a:solidFill>
+              <a:schemeClr val="tx1"/>
+            </a:solidFill>
+          </a:ln>
+        </p:spPr>
+        <p:style>
+          <a:lnRef idx="2">
+            <a:schemeClr val="accent1">
+              <a:shade val="50000"/>
+            </a:schemeClr>
+          </a:lnRef>
+          <a:fillRef idx="1">
+            <a:schemeClr val="accent1"/>
+          </a:fillRef>
+          <a:effectRef idx="0">
+            <a:schemeClr val="accent1"/>
+          </a:effectRef>
+          <a:fontRef idx="minor">
+            <a:schemeClr val="lt1"/>
+          </a:fontRef>
+        </p:style>
+        <p:txBody>
+          <a:bodyPr rtlCol="0" anchor="ctr"/>
+          <a:lstStyle/>
+          <a:p>
+            <a:pPr algn="ctr"/>
+            <a:r>
+              <a:rPr lang="en-US" altLang="ko-KR" dirty="0" smtClean="0">
+                <a:solidFill>
+                  <a:schemeClr val="tx1"/>
+                </a:solidFill>
+                <a:latin typeface="HY견고딕" panose="02030600000101010101" pitchFamily="18" charset="-127"/>
+                <a:ea typeface="HY견고딕" panose="02030600000101010101" pitchFamily="18" charset="-127"/>
+              </a:rPr>
+              <a:t>2.1</a:t>
+            </a:r>
+            <a:r>
+              <a:rPr lang="en-US" altLang="ko-KR" dirty="0" smtClean="0">
+                <a:solidFill>
+                  <a:schemeClr val="tx1"/>
+                </a:solidFill>
+                <a:latin typeface="HY견고딕" panose="02030600000101010101" pitchFamily="18" charset="-127"/>
+                <a:ea typeface="HY견고딕" panose="02030600000101010101" pitchFamily="18" charset="-127"/>
+              </a:rPr>
+              <a:t> </a:t>
+            </a:r>
+            <a:r>
+              <a:rPr lang="ko-KR" altLang="en-US" dirty="0" smtClean="0">
+                <a:solidFill>
+                  <a:schemeClr val="tx1"/>
+                </a:solidFill>
+                <a:latin typeface="HY견고딕" panose="02030600000101010101" pitchFamily="18" charset="-127"/>
+                <a:ea typeface="HY견고딕" panose="02030600000101010101" pitchFamily="18" charset="-127"/>
+              </a:rPr>
+              <a:t>그래프</a:t>
+            </a:r>
+            <a:endParaRPr lang="en-US" altLang="ko-KR" dirty="0" smtClean="0">
+              <a:solidFill>
+                <a:schemeClr val="tx1"/>
+              </a:solidFill>
+              <a:latin typeface="HY견고딕" panose="02030600000101010101" pitchFamily="18" charset="-127"/>
+              <a:ea typeface="HY견고딕" panose="02030600000101010101" pitchFamily="18" charset="-127"/>
+            </a:endParaRPr>
+          </a:p>
+        </p:txBody>
+      </p:sp>
       <p:pic>
         <p:nvPicPr>
-          <p:cNvPr id="13" name="그림 12"/>
+          <p:cNvPr id="7" name="그림 6"/>
           <p:cNvPicPr>
             <a:picLocks noChangeAspect="1"/>
           </p:cNvPicPr>
           <p:nvPr/>
         </p:nvPicPr>
         <p:blipFill>
-          <a:blip r:embed="rId4"/>
+          <a:blip r:embed="rId3">
+            <a:extLst>
+              <a:ext uri="{28A0092B-C50C-407E-A947-70E740481C1C}">
+                <a14:useLocalDpi xmlns:a14="http://schemas.microsoft.com/office/drawing/2010/main" val="0"/>
+              </a:ext>
+            </a:extLst>
+          </a:blip>
           <a:stretch>
             <a:fillRect/>
           </a:stretch>
         </p:blipFill>
         <p:spPr>
           <a:xfrm>
-            <a:off x="6399537" y="2086463"/>
-            <a:ext cx="3994287" cy="4089768"/>
+            <a:off x="412002" y="2605050"/>
+            <a:ext cx="5648325" cy="3857625"/>
+          </a:xfrm>
+          <a:prstGeom prst="rect">
+            <a:avLst/>
+          </a:prstGeom>
+        </p:spPr>
+      </p:pic>
+      <p:pic>
+        <p:nvPicPr>
+          <p:cNvPr id="8" name="그림 7"/>
+          <p:cNvPicPr>
+            <a:picLocks noChangeAspect="1"/>
+          </p:cNvPicPr>
+          <p:nvPr/>
+        </p:nvPicPr>
+        <p:blipFill>
+          <a:blip r:embed="rId4">
+            <a:extLst>
+              <a:ext uri="{28A0092B-C50C-407E-A947-70E740481C1C}">
+                <a14:useLocalDpi xmlns:a14="http://schemas.microsoft.com/office/drawing/2010/main" val="0"/>
+              </a:ext>
+            </a:extLst>
+          </a:blip>
+          <a:stretch>
+            <a:fillRect/>
+          </a:stretch>
+        </p:blipFill>
+        <p:spPr>
+          <a:xfrm>
+            <a:off x="6060327" y="2605050"/>
+            <a:ext cx="5648325" cy="3857625"/>
           </a:xfrm>
           <a:prstGeom prst="rect">
             <a:avLst/>
@@ -4743,7 +5448,955 @@
     </p:spTree>
     <p:extLst>
       <p:ext uri="{BB962C8B-B14F-4D97-AF65-F5344CB8AC3E}">
-        <p14:creationId xmlns:p14="http://schemas.microsoft.com/office/powerpoint/2010/main" val="3909672408"/>
+        <p14:creationId xmlns:p14="http://schemas.microsoft.com/office/powerpoint/2010/main" val="3900026308"/>
+      </p:ext>
+    </p:extLst>
+  </p:cSld>
+  <p:clrMapOvr>
+    <a:masterClrMapping/>
+  </p:clrMapOvr>
+  <p:timing>
+    <p:tnLst>
+      <p:par>
+        <p:cTn id="1" dur="indefinite" restart="never" nodeType="tmRoot"/>
+      </p:par>
+    </p:tnLst>
+  </p:timing>
+</p:sld>
+</file>
+
+<file path=ppt/slides/slide6.xml><?xml version="1.0" encoding="utf-8"?>
+<p:sld xmlns:a="http://schemas.openxmlformats.org/drawingml/2006/main" xmlns:r="http://schemas.openxmlformats.org/officeDocument/2006/relationships" xmlns:p="http://schemas.openxmlformats.org/presentationml/2006/main">
+  <p:cSld>
+    <p:bg>
+      <p:bgPr>
+        <a:solidFill>
+          <a:srgbClr val="99CCFF"/>
+        </a:solidFill>
+        <a:effectLst/>
+      </p:bgPr>
+    </p:bg>
+    <p:spTree>
+      <p:nvGrpSpPr>
+        <p:cNvPr id="1" name=""/>
+        <p:cNvGrpSpPr/>
+        <p:nvPr/>
+      </p:nvGrpSpPr>
+      <p:grpSpPr>
+        <a:xfrm>
+          <a:off x="0" y="0"/>
+          <a:ext cx="0" cy="0"/>
+          <a:chOff x="0" y="0"/>
+          <a:chExt cx="0" cy="0"/>
+        </a:xfrm>
+      </p:grpSpPr>
+      <p:sp>
+        <p:nvSpPr>
+          <p:cNvPr id="2" name="순서도: 처리 1"/>
+          <p:cNvSpPr/>
+          <p:nvPr/>
+        </p:nvSpPr>
+        <p:spPr>
+          <a:xfrm>
+            <a:off x="301554" y="865761"/>
+            <a:ext cx="11517549" cy="5797685"/>
+          </a:xfrm>
+          <a:prstGeom prst="flowChartProcess">
+            <a:avLst/>
+          </a:prstGeom>
+          <a:solidFill>
+            <a:schemeClr val="bg1"/>
+          </a:solidFill>
+          <a:ln w="47625">
+            <a:solidFill>
+              <a:srgbClr val="99CCFF"/>
+            </a:solidFill>
+          </a:ln>
+        </p:spPr>
+        <p:style>
+          <a:lnRef idx="2">
+            <a:schemeClr val="accent1">
+              <a:shade val="50000"/>
+            </a:schemeClr>
+          </a:lnRef>
+          <a:fillRef idx="1">
+            <a:schemeClr val="accent1"/>
+          </a:fillRef>
+          <a:effectRef idx="0">
+            <a:schemeClr val="accent1"/>
+          </a:effectRef>
+          <a:fontRef idx="minor">
+            <a:schemeClr val="lt1"/>
+          </a:fontRef>
+        </p:style>
+        <p:txBody>
+          <a:bodyPr rtlCol="0" anchor="ctr"/>
+          <a:lstStyle/>
+          <a:p>
+            <a:pPr algn="ctr"/>
+            <a:endParaRPr lang="ko-KR" altLang="en-US" dirty="0"/>
+          </a:p>
+        </p:txBody>
+      </p:sp>
+      <p:sp>
+        <p:nvSpPr>
+          <p:cNvPr id="3" name="TextBox 2"/>
+          <p:cNvSpPr txBox="1"/>
+          <p:nvPr/>
+        </p:nvSpPr>
+        <p:spPr>
+          <a:xfrm>
+            <a:off x="4359143" y="112315"/>
+            <a:ext cx="3402373" cy="461665"/>
+          </a:xfrm>
+          <a:prstGeom prst="rect">
+            <a:avLst/>
+          </a:prstGeom>
+          <a:noFill/>
+        </p:spPr>
+        <p:txBody>
+          <a:bodyPr wrap="square" rtlCol="0">
+            <a:spAutoFit/>
+          </a:bodyPr>
+          <a:lstStyle/>
+          <a:p>
+            <a:pPr algn="ctr"/>
+            <a:r>
+              <a:rPr lang="ko-KR" altLang="en-US" sz="2400" b="1" dirty="0" smtClean="0">
+                <a:solidFill>
+                  <a:schemeClr val="accent5">
+                    <a:lumMod val="50000"/>
+                  </a:schemeClr>
+                </a:solidFill>
+                <a:latin typeface="HY견고딕" panose="02030600000101010101" pitchFamily="18" charset="-127"/>
+                <a:ea typeface="HY견고딕" panose="02030600000101010101" pitchFamily="18" charset="-127"/>
+              </a:rPr>
+              <a:t>주요기능 설명</a:t>
+            </a:r>
+            <a:endParaRPr lang="en-US" altLang="ko-KR" sz="2400" b="1" dirty="0" smtClean="0">
+              <a:solidFill>
+                <a:schemeClr val="accent5">
+                  <a:lumMod val="50000"/>
+                </a:schemeClr>
+              </a:solidFill>
+              <a:latin typeface="HY견고딕" panose="02030600000101010101" pitchFamily="18" charset="-127"/>
+              <a:ea typeface="HY견고딕" panose="02030600000101010101" pitchFamily="18" charset="-127"/>
+            </a:endParaRPr>
+          </a:p>
+        </p:txBody>
+      </p:sp>
+      <p:sp>
+        <p:nvSpPr>
+          <p:cNvPr id="5" name="순서도: 처리 4"/>
+          <p:cNvSpPr/>
+          <p:nvPr/>
+        </p:nvSpPr>
+        <p:spPr>
+          <a:xfrm>
+            <a:off x="3723974" y="1347933"/>
+            <a:ext cx="4672707" cy="446749"/>
+          </a:xfrm>
+          <a:prstGeom prst="flowChartProcess">
+            <a:avLst/>
+          </a:prstGeom>
+          <a:solidFill>
+            <a:schemeClr val="bg1"/>
+          </a:solidFill>
+          <a:ln w="15875">
+            <a:solidFill>
+              <a:schemeClr val="tx1"/>
+            </a:solidFill>
+          </a:ln>
+        </p:spPr>
+        <p:style>
+          <a:lnRef idx="2">
+            <a:schemeClr val="accent1">
+              <a:shade val="50000"/>
+            </a:schemeClr>
+          </a:lnRef>
+          <a:fillRef idx="1">
+            <a:schemeClr val="accent1"/>
+          </a:fillRef>
+          <a:effectRef idx="0">
+            <a:schemeClr val="accent1"/>
+          </a:effectRef>
+          <a:fontRef idx="minor">
+            <a:schemeClr val="lt1"/>
+          </a:fontRef>
+        </p:style>
+        <p:txBody>
+          <a:bodyPr rtlCol="0" anchor="ctr"/>
+          <a:lstStyle/>
+          <a:p>
+            <a:pPr algn="ctr"/>
+            <a:r>
+              <a:rPr lang="en-US" altLang="ko-KR" dirty="0" smtClean="0">
+                <a:solidFill>
+                  <a:schemeClr val="tx1"/>
+                </a:solidFill>
+                <a:latin typeface="HY견고딕" panose="02030600000101010101" pitchFamily="18" charset="-127"/>
+                <a:ea typeface="HY견고딕" panose="02030600000101010101" pitchFamily="18" charset="-127"/>
+              </a:rPr>
+              <a:t>2.2 </a:t>
+            </a:r>
+            <a:r>
+              <a:rPr lang="ko-KR" altLang="en-US" dirty="0" smtClean="0">
+                <a:solidFill>
+                  <a:schemeClr val="tx1"/>
+                </a:solidFill>
+                <a:latin typeface="HY견고딕" panose="02030600000101010101" pitchFamily="18" charset="-127"/>
+                <a:ea typeface="HY견고딕" panose="02030600000101010101" pitchFamily="18" charset="-127"/>
+              </a:rPr>
+              <a:t>주문 버튼</a:t>
+            </a:r>
+            <a:r>
+              <a:rPr lang="en-US" altLang="ko-KR" dirty="0" smtClean="0">
+                <a:solidFill>
+                  <a:schemeClr val="tx1"/>
+                </a:solidFill>
+                <a:latin typeface="HY견고딕" panose="02030600000101010101" pitchFamily="18" charset="-127"/>
+                <a:ea typeface="HY견고딕" panose="02030600000101010101" pitchFamily="18" charset="-127"/>
+              </a:rPr>
+              <a:t>/</a:t>
+            </a:r>
+            <a:r>
+              <a:rPr lang="ko-KR" altLang="en-US" dirty="0" smtClean="0">
+                <a:solidFill>
+                  <a:schemeClr val="tx1"/>
+                </a:solidFill>
+                <a:latin typeface="HY견고딕" panose="02030600000101010101" pitchFamily="18" charset="-127"/>
+                <a:ea typeface="HY견고딕" panose="02030600000101010101" pitchFamily="18" charset="-127"/>
+              </a:rPr>
+              <a:t>텍스트 필드</a:t>
+            </a:r>
+            <a:endParaRPr lang="en-US" altLang="ko-KR" dirty="0" smtClean="0">
+              <a:solidFill>
+                <a:schemeClr val="tx1"/>
+              </a:solidFill>
+              <a:latin typeface="HY견고딕" panose="02030600000101010101" pitchFamily="18" charset="-127"/>
+              <a:ea typeface="HY견고딕" panose="02030600000101010101" pitchFamily="18" charset="-127"/>
+            </a:endParaRPr>
+          </a:p>
+        </p:txBody>
+      </p:sp>
+      <p:pic>
+        <p:nvPicPr>
+          <p:cNvPr id="4" name="그림 3"/>
+          <p:cNvPicPr>
+            <a:picLocks noChangeAspect="1"/>
+          </p:cNvPicPr>
+          <p:nvPr/>
+        </p:nvPicPr>
+        <p:blipFill>
+          <a:blip r:embed="rId3"/>
+          <a:stretch>
+            <a:fillRect/>
+          </a:stretch>
+        </p:blipFill>
+        <p:spPr>
+          <a:xfrm>
+            <a:off x="2483929" y="2375971"/>
+            <a:ext cx="7152795" cy="3706186"/>
+          </a:xfrm>
+          <a:prstGeom prst="rect">
+            <a:avLst/>
+          </a:prstGeom>
+        </p:spPr>
+      </p:pic>
+    </p:spTree>
+    <p:extLst>
+      <p:ext uri="{BB962C8B-B14F-4D97-AF65-F5344CB8AC3E}">
+        <p14:creationId xmlns:p14="http://schemas.microsoft.com/office/powerpoint/2010/main" val="4246846876"/>
+      </p:ext>
+    </p:extLst>
+  </p:cSld>
+  <p:clrMapOvr>
+    <a:masterClrMapping/>
+  </p:clrMapOvr>
+  <p:timing>
+    <p:tnLst>
+      <p:par>
+        <p:cTn id="1" dur="indefinite" restart="never" nodeType="tmRoot"/>
+      </p:par>
+    </p:tnLst>
+  </p:timing>
+</p:sld>
+</file>
+
+<file path=ppt/slides/slide7.xml><?xml version="1.0" encoding="utf-8"?>
+<p:sld xmlns:a="http://schemas.openxmlformats.org/drawingml/2006/main" xmlns:r="http://schemas.openxmlformats.org/officeDocument/2006/relationships" xmlns:p="http://schemas.openxmlformats.org/presentationml/2006/main">
+  <p:cSld>
+    <p:bg>
+      <p:bgPr>
+        <a:solidFill>
+          <a:srgbClr val="99CCFF"/>
+        </a:solidFill>
+        <a:effectLst/>
+      </p:bgPr>
+    </p:bg>
+    <p:spTree>
+      <p:nvGrpSpPr>
+        <p:cNvPr id="1" name=""/>
+        <p:cNvGrpSpPr/>
+        <p:nvPr/>
+      </p:nvGrpSpPr>
+      <p:grpSpPr>
+        <a:xfrm>
+          <a:off x="0" y="0"/>
+          <a:ext cx="0" cy="0"/>
+          <a:chOff x="0" y="0"/>
+          <a:chExt cx="0" cy="0"/>
+        </a:xfrm>
+      </p:grpSpPr>
+      <p:sp>
+        <p:nvSpPr>
+          <p:cNvPr id="2" name="순서도: 처리 1"/>
+          <p:cNvSpPr/>
+          <p:nvPr/>
+        </p:nvSpPr>
+        <p:spPr>
+          <a:xfrm>
+            <a:off x="301554" y="865761"/>
+            <a:ext cx="11517549" cy="5797685"/>
+          </a:xfrm>
+          <a:prstGeom prst="flowChartProcess">
+            <a:avLst/>
+          </a:prstGeom>
+          <a:solidFill>
+            <a:schemeClr val="bg1"/>
+          </a:solidFill>
+          <a:ln w="47625">
+            <a:solidFill>
+              <a:srgbClr val="99CCFF"/>
+            </a:solidFill>
+          </a:ln>
+        </p:spPr>
+        <p:style>
+          <a:lnRef idx="2">
+            <a:schemeClr val="accent1">
+              <a:shade val="50000"/>
+            </a:schemeClr>
+          </a:lnRef>
+          <a:fillRef idx="1">
+            <a:schemeClr val="accent1"/>
+          </a:fillRef>
+          <a:effectRef idx="0">
+            <a:schemeClr val="accent1"/>
+          </a:effectRef>
+          <a:fontRef idx="minor">
+            <a:schemeClr val="lt1"/>
+          </a:fontRef>
+        </p:style>
+        <p:txBody>
+          <a:bodyPr rtlCol="0" anchor="ctr"/>
+          <a:lstStyle/>
+          <a:p>
+            <a:pPr algn="ctr"/>
+            <a:endParaRPr lang="ko-KR" altLang="en-US" dirty="0"/>
+          </a:p>
+        </p:txBody>
+      </p:sp>
+      <p:sp>
+        <p:nvSpPr>
+          <p:cNvPr id="3" name="TextBox 2"/>
+          <p:cNvSpPr txBox="1"/>
+          <p:nvPr/>
+        </p:nvSpPr>
+        <p:spPr>
+          <a:xfrm>
+            <a:off x="4359143" y="112315"/>
+            <a:ext cx="3402373" cy="461665"/>
+          </a:xfrm>
+          <a:prstGeom prst="rect">
+            <a:avLst/>
+          </a:prstGeom>
+          <a:noFill/>
+        </p:spPr>
+        <p:txBody>
+          <a:bodyPr wrap="square" rtlCol="0">
+            <a:spAutoFit/>
+          </a:bodyPr>
+          <a:lstStyle/>
+          <a:p>
+            <a:pPr algn="ctr"/>
+            <a:r>
+              <a:rPr lang="ko-KR" altLang="en-US" sz="2400" b="1" dirty="0" smtClean="0">
+                <a:solidFill>
+                  <a:schemeClr val="accent5">
+                    <a:lumMod val="50000"/>
+                  </a:schemeClr>
+                </a:solidFill>
+                <a:latin typeface="HY견고딕" panose="02030600000101010101" pitchFamily="18" charset="-127"/>
+                <a:ea typeface="HY견고딕" panose="02030600000101010101" pitchFamily="18" charset="-127"/>
+              </a:rPr>
+              <a:t>주요기능 설명</a:t>
+            </a:r>
+            <a:endParaRPr lang="en-US" altLang="ko-KR" sz="2400" b="1" dirty="0" smtClean="0">
+              <a:solidFill>
+                <a:schemeClr val="accent5">
+                  <a:lumMod val="50000"/>
+                </a:schemeClr>
+              </a:solidFill>
+              <a:latin typeface="HY견고딕" panose="02030600000101010101" pitchFamily="18" charset="-127"/>
+              <a:ea typeface="HY견고딕" panose="02030600000101010101" pitchFamily="18" charset="-127"/>
+            </a:endParaRPr>
+          </a:p>
+        </p:txBody>
+      </p:sp>
+      <p:sp>
+        <p:nvSpPr>
+          <p:cNvPr id="5" name="순서도: 처리 4"/>
+          <p:cNvSpPr/>
+          <p:nvPr/>
+        </p:nvSpPr>
+        <p:spPr>
+          <a:xfrm>
+            <a:off x="3723974" y="1347933"/>
+            <a:ext cx="4672707" cy="446749"/>
+          </a:xfrm>
+          <a:prstGeom prst="flowChartProcess">
+            <a:avLst/>
+          </a:prstGeom>
+          <a:solidFill>
+            <a:schemeClr val="bg1"/>
+          </a:solidFill>
+          <a:ln w="15875">
+            <a:solidFill>
+              <a:schemeClr val="tx1"/>
+            </a:solidFill>
+          </a:ln>
+        </p:spPr>
+        <p:style>
+          <a:lnRef idx="2">
+            <a:schemeClr val="accent1">
+              <a:shade val="50000"/>
+            </a:schemeClr>
+          </a:lnRef>
+          <a:fillRef idx="1">
+            <a:schemeClr val="accent1"/>
+          </a:fillRef>
+          <a:effectRef idx="0">
+            <a:schemeClr val="accent1"/>
+          </a:effectRef>
+          <a:fontRef idx="minor">
+            <a:schemeClr val="lt1"/>
+          </a:fontRef>
+        </p:style>
+        <p:txBody>
+          <a:bodyPr rtlCol="0" anchor="ctr"/>
+          <a:lstStyle/>
+          <a:p>
+            <a:pPr algn="ctr"/>
+            <a:r>
+              <a:rPr lang="en-US" altLang="ko-KR" dirty="0" smtClean="0">
+                <a:solidFill>
+                  <a:schemeClr val="tx1"/>
+                </a:solidFill>
+                <a:latin typeface="HY견고딕" panose="02030600000101010101" pitchFamily="18" charset="-127"/>
+                <a:ea typeface="HY견고딕" panose="02030600000101010101" pitchFamily="18" charset="-127"/>
+              </a:rPr>
+              <a:t>2.3 </a:t>
+            </a:r>
+            <a:r>
+              <a:rPr lang="ko-KR" altLang="en-US" dirty="0" err="1" smtClean="0">
+                <a:solidFill>
+                  <a:schemeClr val="tx1"/>
+                </a:solidFill>
+                <a:latin typeface="HY견고딕" panose="02030600000101010101" pitchFamily="18" charset="-127"/>
+                <a:ea typeface="HY견고딕" panose="02030600000101010101" pitchFamily="18" charset="-127"/>
+              </a:rPr>
+              <a:t>종목표</a:t>
+            </a:r>
+            <a:endParaRPr lang="en-US" altLang="ko-KR" dirty="0" smtClean="0">
+              <a:solidFill>
+                <a:schemeClr val="tx1"/>
+              </a:solidFill>
+              <a:latin typeface="HY견고딕" panose="02030600000101010101" pitchFamily="18" charset="-127"/>
+              <a:ea typeface="HY견고딕" panose="02030600000101010101" pitchFamily="18" charset="-127"/>
+            </a:endParaRPr>
+          </a:p>
+        </p:txBody>
+      </p:sp>
+      <p:pic>
+        <p:nvPicPr>
+          <p:cNvPr id="6" name="그림 5"/>
+          <p:cNvPicPr>
+            <a:picLocks noChangeAspect="1"/>
+          </p:cNvPicPr>
+          <p:nvPr/>
+        </p:nvPicPr>
+        <p:blipFill>
+          <a:blip r:embed="rId3"/>
+          <a:stretch>
+            <a:fillRect/>
+          </a:stretch>
+        </p:blipFill>
+        <p:spPr>
+          <a:xfrm>
+            <a:off x="4165322" y="2381434"/>
+            <a:ext cx="3790009" cy="3695259"/>
+          </a:xfrm>
+          <a:prstGeom prst="rect">
+            <a:avLst/>
+          </a:prstGeom>
+        </p:spPr>
+      </p:pic>
+    </p:spTree>
+    <p:extLst>
+      <p:ext uri="{BB962C8B-B14F-4D97-AF65-F5344CB8AC3E}">
+        <p14:creationId xmlns:p14="http://schemas.microsoft.com/office/powerpoint/2010/main" val="3103737647"/>
+      </p:ext>
+    </p:extLst>
+  </p:cSld>
+  <p:clrMapOvr>
+    <a:masterClrMapping/>
+  </p:clrMapOvr>
+  <p:timing>
+    <p:tnLst>
+      <p:par>
+        <p:cTn id="1" dur="indefinite" restart="never" nodeType="tmRoot"/>
+      </p:par>
+    </p:tnLst>
+  </p:timing>
+</p:sld>
+</file>
+
+<file path=ppt/slides/slide8.xml><?xml version="1.0" encoding="utf-8"?>
+<p:sld xmlns:a="http://schemas.openxmlformats.org/drawingml/2006/main" xmlns:r="http://schemas.openxmlformats.org/officeDocument/2006/relationships" xmlns:p="http://schemas.openxmlformats.org/presentationml/2006/main">
+  <p:cSld>
+    <p:bg>
+      <p:bgPr>
+        <a:solidFill>
+          <a:srgbClr val="99CCFF"/>
+        </a:solidFill>
+        <a:effectLst/>
+      </p:bgPr>
+    </p:bg>
+    <p:spTree>
+      <p:nvGrpSpPr>
+        <p:cNvPr id="1" name=""/>
+        <p:cNvGrpSpPr/>
+        <p:nvPr/>
+      </p:nvGrpSpPr>
+      <p:grpSpPr>
+        <a:xfrm>
+          <a:off x="0" y="0"/>
+          <a:ext cx="0" cy="0"/>
+          <a:chOff x="0" y="0"/>
+          <a:chExt cx="0" cy="0"/>
+        </a:xfrm>
+      </p:grpSpPr>
+      <p:sp>
+        <p:nvSpPr>
+          <p:cNvPr id="2" name="순서도: 처리 1"/>
+          <p:cNvSpPr/>
+          <p:nvPr/>
+        </p:nvSpPr>
+        <p:spPr>
+          <a:xfrm>
+            <a:off x="301554" y="865761"/>
+            <a:ext cx="11517549" cy="5797685"/>
+          </a:xfrm>
+          <a:prstGeom prst="flowChartProcess">
+            <a:avLst/>
+          </a:prstGeom>
+          <a:solidFill>
+            <a:schemeClr val="bg1"/>
+          </a:solidFill>
+          <a:ln w="47625">
+            <a:solidFill>
+              <a:srgbClr val="99CCFF"/>
+            </a:solidFill>
+          </a:ln>
+        </p:spPr>
+        <p:style>
+          <a:lnRef idx="2">
+            <a:schemeClr val="accent1">
+              <a:shade val="50000"/>
+            </a:schemeClr>
+          </a:lnRef>
+          <a:fillRef idx="1">
+            <a:schemeClr val="accent1"/>
+          </a:fillRef>
+          <a:effectRef idx="0">
+            <a:schemeClr val="accent1"/>
+          </a:effectRef>
+          <a:fontRef idx="minor">
+            <a:schemeClr val="lt1"/>
+          </a:fontRef>
+        </p:style>
+        <p:txBody>
+          <a:bodyPr rtlCol="0" anchor="ctr"/>
+          <a:lstStyle/>
+          <a:p>
+            <a:pPr algn="ctr"/>
+            <a:endParaRPr lang="ko-KR" altLang="en-US" dirty="0"/>
+          </a:p>
+        </p:txBody>
+      </p:sp>
+      <p:sp>
+        <p:nvSpPr>
+          <p:cNvPr id="3" name="TextBox 2"/>
+          <p:cNvSpPr txBox="1"/>
+          <p:nvPr/>
+        </p:nvSpPr>
+        <p:spPr>
+          <a:xfrm>
+            <a:off x="4359143" y="112315"/>
+            <a:ext cx="3402373" cy="461665"/>
+          </a:xfrm>
+          <a:prstGeom prst="rect">
+            <a:avLst/>
+          </a:prstGeom>
+          <a:noFill/>
+        </p:spPr>
+        <p:txBody>
+          <a:bodyPr wrap="square" rtlCol="0">
+            <a:spAutoFit/>
+          </a:bodyPr>
+          <a:lstStyle/>
+          <a:p>
+            <a:pPr algn="ctr"/>
+            <a:r>
+              <a:rPr lang="ko-KR" altLang="en-US" sz="2400" b="1" dirty="0" smtClean="0">
+                <a:solidFill>
+                  <a:schemeClr val="accent5">
+                    <a:lumMod val="50000"/>
+                  </a:schemeClr>
+                </a:solidFill>
+                <a:latin typeface="HY견고딕" panose="02030600000101010101" pitchFamily="18" charset="-127"/>
+                <a:ea typeface="HY견고딕" panose="02030600000101010101" pitchFamily="18" charset="-127"/>
+              </a:rPr>
+              <a:t>주요기능 설명</a:t>
+            </a:r>
+            <a:endParaRPr lang="en-US" altLang="ko-KR" sz="2400" b="1" dirty="0" smtClean="0">
+              <a:solidFill>
+                <a:schemeClr val="accent5">
+                  <a:lumMod val="50000"/>
+                </a:schemeClr>
+              </a:solidFill>
+              <a:latin typeface="HY견고딕" panose="02030600000101010101" pitchFamily="18" charset="-127"/>
+              <a:ea typeface="HY견고딕" panose="02030600000101010101" pitchFamily="18" charset="-127"/>
+            </a:endParaRPr>
+          </a:p>
+        </p:txBody>
+      </p:sp>
+      <p:sp>
+        <p:nvSpPr>
+          <p:cNvPr id="5" name="순서도: 처리 4"/>
+          <p:cNvSpPr/>
+          <p:nvPr/>
+        </p:nvSpPr>
+        <p:spPr>
+          <a:xfrm>
+            <a:off x="3723974" y="1347933"/>
+            <a:ext cx="4672707" cy="446749"/>
+          </a:xfrm>
+          <a:prstGeom prst="flowChartProcess">
+            <a:avLst/>
+          </a:prstGeom>
+          <a:solidFill>
+            <a:schemeClr val="bg1"/>
+          </a:solidFill>
+          <a:ln w="15875">
+            <a:solidFill>
+              <a:schemeClr val="tx1"/>
+            </a:solidFill>
+          </a:ln>
+        </p:spPr>
+        <p:style>
+          <a:lnRef idx="2">
+            <a:schemeClr val="accent1">
+              <a:shade val="50000"/>
+            </a:schemeClr>
+          </a:lnRef>
+          <a:fillRef idx="1">
+            <a:schemeClr val="accent1"/>
+          </a:fillRef>
+          <a:effectRef idx="0">
+            <a:schemeClr val="accent1"/>
+          </a:effectRef>
+          <a:fontRef idx="minor">
+            <a:schemeClr val="lt1"/>
+          </a:fontRef>
+        </p:style>
+        <p:txBody>
+          <a:bodyPr rtlCol="0" anchor="ctr"/>
+          <a:lstStyle/>
+          <a:p>
+            <a:pPr algn="ctr"/>
+            <a:r>
+              <a:rPr lang="en-US" altLang="ko-KR" dirty="0" smtClean="0">
+                <a:solidFill>
+                  <a:schemeClr val="tx1"/>
+                </a:solidFill>
+                <a:latin typeface="HY견고딕" panose="02030600000101010101" pitchFamily="18" charset="-127"/>
+                <a:ea typeface="HY견고딕" panose="02030600000101010101" pitchFamily="18" charset="-127"/>
+              </a:rPr>
+              <a:t>2.4 </a:t>
+            </a:r>
+            <a:r>
+              <a:rPr lang="ko-KR" altLang="en-US" dirty="0" err="1" smtClean="0">
+                <a:solidFill>
+                  <a:schemeClr val="tx1"/>
+                </a:solidFill>
+                <a:latin typeface="HY견고딕" panose="02030600000101010101" pitchFamily="18" charset="-127"/>
+                <a:ea typeface="HY견고딕" panose="02030600000101010101" pitchFamily="18" charset="-127"/>
+              </a:rPr>
+              <a:t>호가창</a:t>
+            </a:r>
+            <a:endParaRPr lang="en-US" altLang="ko-KR" dirty="0" smtClean="0">
+              <a:solidFill>
+                <a:schemeClr val="tx1"/>
+              </a:solidFill>
+              <a:latin typeface="HY견고딕" panose="02030600000101010101" pitchFamily="18" charset="-127"/>
+              <a:ea typeface="HY견고딕" panose="02030600000101010101" pitchFamily="18" charset="-127"/>
+            </a:endParaRPr>
+          </a:p>
+        </p:txBody>
+      </p:sp>
+      <p:pic>
+        <p:nvPicPr>
+          <p:cNvPr id="4" name="그림 3"/>
+          <p:cNvPicPr>
+            <a:picLocks noChangeAspect="1"/>
+          </p:cNvPicPr>
+          <p:nvPr/>
+        </p:nvPicPr>
+        <p:blipFill>
+          <a:blip r:embed="rId3"/>
+          <a:stretch>
+            <a:fillRect/>
+          </a:stretch>
+        </p:blipFill>
+        <p:spPr>
+          <a:xfrm>
+            <a:off x="4584686" y="2086463"/>
+            <a:ext cx="2951281" cy="4230591"/>
+          </a:xfrm>
+          <a:prstGeom prst="rect">
+            <a:avLst/>
+          </a:prstGeom>
+        </p:spPr>
+      </p:pic>
+    </p:spTree>
+    <p:extLst>
+      <p:ext uri="{BB962C8B-B14F-4D97-AF65-F5344CB8AC3E}">
+        <p14:creationId xmlns:p14="http://schemas.microsoft.com/office/powerpoint/2010/main" val="2622281192"/>
+      </p:ext>
+    </p:extLst>
+  </p:cSld>
+  <p:clrMapOvr>
+    <a:masterClrMapping/>
+  </p:clrMapOvr>
+  <p:timing>
+    <p:tnLst>
+      <p:par>
+        <p:cTn id="1" dur="indefinite" restart="never" nodeType="tmRoot"/>
+      </p:par>
+    </p:tnLst>
+  </p:timing>
+</p:sld>
+</file>
+
+<file path=ppt/slides/slide9.xml><?xml version="1.0" encoding="utf-8"?>
+<p:sld xmlns:a="http://schemas.openxmlformats.org/drawingml/2006/main" xmlns:r="http://schemas.openxmlformats.org/officeDocument/2006/relationships" xmlns:p="http://schemas.openxmlformats.org/presentationml/2006/main">
+  <p:cSld>
+    <p:bg>
+      <p:bgPr>
+        <a:solidFill>
+          <a:srgbClr val="99CCFF"/>
+        </a:solidFill>
+        <a:effectLst/>
+      </p:bgPr>
+    </p:bg>
+    <p:spTree>
+      <p:nvGrpSpPr>
+        <p:cNvPr id="1" name=""/>
+        <p:cNvGrpSpPr/>
+        <p:nvPr/>
+      </p:nvGrpSpPr>
+      <p:grpSpPr>
+        <a:xfrm>
+          <a:off x="0" y="0"/>
+          <a:ext cx="0" cy="0"/>
+          <a:chOff x="0" y="0"/>
+          <a:chExt cx="0" cy="0"/>
+        </a:xfrm>
+      </p:grpSpPr>
+      <p:sp>
+        <p:nvSpPr>
+          <p:cNvPr id="2" name="순서도: 처리 1"/>
+          <p:cNvSpPr/>
+          <p:nvPr/>
+        </p:nvSpPr>
+        <p:spPr>
+          <a:xfrm>
+            <a:off x="301554" y="865761"/>
+            <a:ext cx="11517549" cy="5797685"/>
+          </a:xfrm>
+          <a:prstGeom prst="flowChartProcess">
+            <a:avLst/>
+          </a:prstGeom>
+          <a:solidFill>
+            <a:schemeClr val="bg1"/>
+          </a:solidFill>
+          <a:ln w="47625">
+            <a:solidFill>
+              <a:srgbClr val="99CCFF"/>
+            </a:solidFill>
+          </a:ln>
+        </p:spPr>
+        <p:style>
+          <a:lnRef idx="2">
+            <a:schemeClr val="accent1">
+              <a:shade val="50000"/>
+            </a:schemeClr>
+          </a:lnRef>
+          <a:fillRef idx="1">
+            <a:schemeClr val="accent1"/>
+          </a:fillRef>
+          <a:effectRef idx="0">
+            <a:schemeClr val="accent1"/>
+          </a:effectRef>
+          <a:fontRef idx="minor">
+            <a:schemeClr val="lt1"/>
+          </a:fontRef>
+        </p:style>
+        <p:txBody>
+          <a:bodyPr rtlCol="0" anchor="ctr"/>
+          <a:lstStyle/>
+          <a:p>
+            <a:pPr algn="ctr"/>
+            <a:endParaRPr lang="ko-KR" altLang="en-US" dirty="0"/>
+          </a:p>
+        </p:txBody>
+      </p:sp>
+      <p:sp>
+        <p:nvSpPr>
+          <p:cNvPr id="3" name="TextBox 2"/>
+          <p:cNvSpPr txBox="1"/>
+          <p:nvPr/>
+        </p:nvSpPr>
+        <p:spPr>
+          <a:xfrm>
+            <a:off x="4359143" y="112315"/>
+            <a:ext cx="3402373" cy="461665"/>
+          </a:xfrm>
+          <a:prstGeom prst="rect">
+            <a:avLst/>
+          </a:prstGeom>
+          <a:noFill/>
+        </p:spPr>
+        <p:txBody>
+          <a:bodyPr wrap="square" rtlCol="0">
+            <a:spAutoFit/>
+          </a:bodyPr>
+          <a:lstStyle/>
+          <a:p>
+            <a:pPr algn="ctr"/>
+            <a:r>
+              <a:rPr lang="ko-KR" altLang="en-US" sz="2400" b="1" dirty="0" smtClean="0">
+                <a:solidFill>
+                  <a:schemeClr val="accent5">
+                    <a:lumMod val="50000"/>
+                  </a:schemeClr>
+                </a:solidFill>
+                <a:latin typeface="HY견고딕" panose="02030600000101010101" pitchFamily="18" charset="-127"/>
+                <a:ea typeface="HY견고딕" panose="02030600000101010101" pitchFamily="18" charset="-127"/>
+              </a:rPr>
+              <a:t>주요기능 설명</a:t>
+            </a:r>
+            <a:endParaRPr lang="en-US" altLang="ko-KR" sz="2400" b="1" dirty="0" smtClean="0">
+              <a:solidFill>
+                <a:schemeClr val="accent5">
+                  <a:lumMod val="50000"/>
+                </a:schemeClr>
+              </a:solidFill>
+              <a:latin typeface="HY견고딕" panose="02030600000101010101" pitchFamily="18" charset="-127"/>
+              <a:ea typeface="HY견고딕" panose="02030600000101010101" pitchFamily="18" charset="-127"/>
+            </a:endParaRPr>
+          </a:p>
+        </p:txBody>
+      </p:sp>
+      <p:sp>
+        <p:nvSpPr>
+          <p:cNvPr id="5" name="순서도: 처리 4"/>
+          <p:cNvSpPr/>
+          <p:nvPr/>
+        </p:nvSpPr>
+        <p:spPr>
+          <a:xfrm>
+            <a:off x="3723974" y="1347933"/>
+            <a:ext cx="4672707" cy="446749"/>
+          </a:xfrm>
+          <a:prstGeom prst="flowChartProcess">
+            <a:avLst/>
+          </a:prstGeom>
+          <a:solidFill>
+            <a:schemeClr val="bg1"/>
+          </a:solidFill>
+          <a:ln w="15875">
+            <a:solidFill>
+              <a:schemeClr val="tx1"/>
+            </a:solidFill>
+          </a:ln>
+        </p:spPr>
+        <p:style>
+          <a:lnRef idx="2">
+            <a:schemeClr val="accent1">
+              <a:shade val="50000"/>
+            </a:schemeClr>
+          </a:lnRef>
+          <a:fillRef idx="1">
+            <a:schemeClr val="accent1"/>
+          </a:fillRef>
+          <a:effectRef idx="0">
+            <a:schemeClr val="accent1"/>
+          </a:effectRef>
+          <a:fontRef idx="minor">
+            <a:schemeClr val="lt1"/>
+          </a:fontRef>
+        </p:style>
+        <p:txBody>
+          <a:bodyPr rtlCol="0" anchor="ctr"/>
+          <a:lstStyle/>
+          <a:p>
+            <a:pPr algn="ctr"/>
+            <a:r>
+              <a:rPr lang="en-US" altLang="ko-KR" dirty="0" smtClean="0">
+                <a:solidFill>
+                  <a:schemeClr val="tx1"/>
+                </a:solidFill>
+                <a:latin typeface="HY견고딕" panose="02030600000101010101" pitchFamily="18" charset="-127"/>
+                <a:ea typeface="HY견고딕" panose="02030600000101010101" pitchFamily="18" charset="-127"/>
+              </a:rPr>
+              <a:t>3. </a:t>
+            </a:r>
+            <a:r>
+              <a:rPr lang="ko-KR" altLang="en-US" dirty="0" smtClean="0">
+                <a:solidFill>
+                  <a:schemeClr val="tx1"/>
+                </a:solidFill>
+                <a:latin typeface="HY견고딕" panose="02030600000101010101" pitchFamily="18" charset="-127"/>
+                <a:ea typeface="HY견고딕" panose="02030600000101010101" pitchFamily="18" charset="-127"/>
+              </a:rPr>
+              <a:t>거래내역조회</a:t>
+            </a:r>
+            <a:endParaRPr lang="en-US" altLang="ko-KR" dirty="0" smtClean="0">
+              <a:solidFill>
+                <a:schemeClr val="tx1"/>
+              </a:solidFill>
+              <a:latin typeface="HY견고딕" panose="02030600000101010101" pitchFamily="18" charset="-127"/>
+              <a:ea typeface="HY견고딕" panose="02030600000101010101" pitchFamily="18" charset="-127"/>
+            </a:endParaRPr>
+          </a:p>
+        </p:txBody>
+      </p:sp>
+    </p:spTree>
+    <p:extLst>
+      <p:ext uri="{BB962C8B-B14F-4D97-AF65-F5344CB8AC3E}">
+        <p14:creationId xmlns:p14="http://schemas.microsoft.com/office/powerpoint/2010/main" val="3812166133"/>
       </p:ext>
     </p:extLst>
   </p:cSld>

--- a/템플릿PPT/YSCOIN_TYPE2.pptx
+++ b/템플릿PPT/YSCOIN_TYPE2.pptx
@@ -5,7 +5,7 @@
     <p:sldMasterId id="2147483648" r:id="rId1"/>
   </p:sldMasterIdLst>
   <p:notesMasterIdLst>
-    <p:notesMasterId r:id="rId11"/>
+    <p:notesMasterId r:id="rId15"/>
   </p:notesMasterIdLst>
   <p:sldIdLst>
     <p:sldId id="257" r:id="rId2"/>
@@ -17,6 +17,10 @@
     <p:sldId id="264" r:id="rId8"/>
     <p:sldId id="265" r:id="rId9"/>
     <p:sldId id="266" r:id="rId10"/>
+    <p:sldId id="267" r:id="rId11"/>
+    <p:sldId id="268" r:id="rId12"/>
+    <p:sldId id="269" r:id="rId13"/>
+    <p:sldId id="270" r:id="rId14"/>
   </p:sldIdLst>
   <p:sldSz cx="12192000" cy="6858000"/>
   <p:notesSz cx="6858000" cy="9144000"/>
@@ -557,6 +561,174 @@
 </p:notes>
 </file>
 
+<file path=ppt/notesSlides/notesSlide10.xml><?xml version="1.0" encoding="utf-8"?>
+<p:notes xmlns:a="http://schemas.openxmlformats.org/drawingml/2006/main" xmlns:r="http://schemas.openxmlformats.org/officeDocument/2006/relationships" xmlns:p="http://schemas.openxmlformats.org/presentationml/2006/main">
+  <p:cSld>
+    <p:spTree>
+      <p:nvGrpSpPr>
+        <p:cNvPr id="1" name=""/>
+        <p:cNvGrpSpPr/>
+        <p:nvPr/>
+      </p:nvGrpSpPr>
+      <p:grpSpPr>
+        <a:xfrm>
+          <a:off x="0" y="0"/>
+          <a:ext cx="0" cy="0"/>
+          <a:chOff x="0" y="0"/>
+          <a:chExt cx="0" cy="0"/>
+        </a:xfrm>
+      </p:grpSpPr>
+      <p:sp>
+        <p:nvSpPr>
+          <p:cNvPr id="2" name="슬라이드 이미지 개체 틀 1"/>
+          <p:cNvSpPr>
+            <a:spLocks noGrp="1" noRot="1" noChangeAspect="1"/>
+          </p:cNvSpPr>
+          <p:nvPr>
+            <p:ph type="sldImg"/>
+          </p:nvPr>
+        </p:nvSpPr>
+        <p:spPr/>
+      </p:sp>
+      <p:sp>
+        <p:nvSpPr>
+          <p:cNvPr id="3" name="슬라이드 노트 개체 틀 2"/>
+          <p:cNvSpPr>
+            <a:spLocks noGrp="1"/>
+          </p:cNvSpPr>
+          <p:nvPr>
+            <p:ph type="body" idx="1"/>
+          </p:nvPr>
+        </p:nvSpPr>
+        <p:spPr/>
+        <p:txBody>
+          <a:bodyPr/>
+          <a:lstStyle/>
+          <a:p>
+            <a:endParaRPr lang="ko-KR" altLang="en-US"/>
+          </a:p>
+        </p:txBody>
+      </p:sp>
+      <p:sp>
+        <p:nvSpPr>
+          <p:cNvPr id="4" name="슬라이드 번호 개체 틀 3"/>
+          <p:cNvSpPr>
+            <a:spLocks noGrp="1"/>
+          </p:cNvSpPr>
+          <p:nvPr>
+            <p:ph type="sldNum" sz="quarter" idx="10"/>
+          </p:nvPr>
+        </p:nvSpPr>
+        <p:spPr/>
+        <p:txBody>
+          <a:bodyPr/>
+          <a:lstStyle/>
+          <a:p>
+            <a:fld id="{EE8CD062-59B9-4B86-8618-879470A7C0F2}" type="slidenum">
+              <a:rPr lang="ko-KR" altLang="en-US" smtClean="0"/>
+              <a:t>12</a:t>
+            </a:fld>
+            <a:endParaRPr lang="ko-KR" altLang="en-US"/>
+          </a:p>
+        </p:txBody>
+      </p:sp>
+    </p:spTree>
+    <p:extLst>
+      <p:ext uri="{BB962C8B-B14F-4D97-AF65-F5344CB8AC3E}">
+        <p14:creationId xmlns:p14="http://schemas.microsoft.com/office/powerpoint/2010/main" val="996139093"/>
+      </p:ext>
+    </p:extLst>
+  </p:cSld>
+  <p:clrMapOvr>
+    <a:masterClrMapping/>
+  </p:clrMapOvr>
+</p:notes>
+</file>
+
+<file path=ppt/notesSlides/notesSlide11.xml><?xml version="1.0" encoding="utf-8"?>
+<p:notes xmlns:a="http://schemas.openxmlformats.org/drawingml/2006/main" xmlns:r="http://schemas.openxmlformats.org/officeDocument/2006/relationships" xmlns:p="http://schemas.openxmlformats.org/presentationml/2006/main">
+  <p:cSld>
+    <p:spTree>
+      <p:nvGrpSpPr>
+        <p:cNvPr id="1" name=""/>
+        <p:cNvGrpSpPr/>
+        <p:nvPr/>
+      </p:nvGrpSpPr>
+      <p:grpSpPr>
+        <a:xfrm>
+          <a:off x="0" y="0"/>
+          <a:ext cx="0" cy="0"/>
+          <a:chOff x="0" y="0"/>
+          <a:chExt cx="0" cy="0"/>
+        </a:xfrm>
+      </p:grpSpPr>
+      <p:sp>
+        <p:nvSpPr>
+          <p:cNvPr id="2" name="슬라이드 이미지 개체 틀 1"/>
+          <p:cNvSpPr>
+            <a:spLocks noGrp="1" noRot="1" noChangeAspect="1"/>
+          </p:cNvSpPr>
+          <p:nvPr>
+            <p:ph type="sldImg"/>
+          </p:nvPr>
+        </p:nvSpPr>
+        <p:spPr/>
+      </p:sp>
+      <p:sp>
+        <p:nvSpPr>
+          <p:cNvPr id="3" name="슬라이드 노트 개체 틀 2"/>
+          <p:cNvSpPr>
+            <a:spLocks noGrp="1"/>
+          </p:cNvSpPr>
+          <p:nvPr>
+            <p:ph type="body" idx="1"/>
+          </p:nvPr>
+        </p:nvSpPr>
+        <p:spPr/>
+        <p:txBody>
+          <a:bodyPr/>
+          <a:lstStyle/>
+          <a:p>
+            <a:endParaRPr lang="ko-KR" altLang="en-US"/>
+          </a:p>
+        </p:txBody>
+      </p:sp>
+      <p:sp>
+        <p:nvSpPr>
+          <p:cNvPr id="4" name="슬라이드 번호 개체 틀 3"/>
+          <p:cNvSpPr>
+            <a:spLocks noGrp="1"/>
+          </p:cNvSpPr>
+          <p:nvPr>
+            <p:ph type="sldNum" sz="quarter" idx="10"/>
+          </p:nvPr>
+        </p:nvSpPr>
+        <p:spPr/>
+        <p:txBody>
+          <a:bodyPr/>
+          <a:lstStyle/>
+          <a:p>
+            <a:fld id="{EE8CD062-59B9-4B86-8618-879470A7C0F2}" type="slidenum">
+              <a:rPr lang="ko-KR" altLang="en-US" smtClean="0"/>
+              <a:t>13</a:t>
+            </a:fld>
+            <a:endParaRPr lang="ko-KR" altLang="en-US"/>
+          </a:p>
+        </p:txBody>
+      </p:sp>
+    </p:spTree>
+    <p:extLst>
+      <p:ext uri="{BB962C8B-B14F-4D97-AF65-F5344CB8AC3E}">
+        <p14:creationId xmlns:p14="http://schemas.microsoft.com/office/powerpoint/2010/main" val="403243580"/>
+      </p:ext>
+    </p:extLst>
+  </p:cSld>
+  <p:clrMapOvr>
+    <a:masterClrMapping/>
+  </p:clrMapOvr>
+</p:notes>
+</file>
+
 <file path=ppt/notesSlides/notesSlide2.xml><?xml version="1.0" encoding="utf-8"?>
 <p:notes xmlns:a="http://schemas.openxmlformats.org/drawingml/2006/main" xmlns:r="http://schemas.openxmlformats.org/officeDocument/2006/relationships" xmlns:p="http://schemas.openxmlformats.org/presentationml/2006/main">
   <p:cSld>
@@ -1052,6 +1224,174 @@
     <p:extLst>
       <p:ext uri="{BB962C8B-B14F-4D97-AF65-F5344CB8AC3E}">
         <p14:creationId xmlns:p14="http://schemas.microsoft.com/office/powerpoint/2010/main" val="3632582228"/>
+      </p:ext>
+    </p:extLst>
+  </p:cSld>
+  <p:clrMapOvr>
+    <a:masterClrMapping/>
+  </p:clrMapOvr>
+</p:notes>
+</file>
+
+<file path=ppt/notesSlides/notesSlide8.xml><?xml version="1.0" encoding="utf-8"?>
+<p:notes xmlns:a="http://schemas.openxmlformats.org/drawingml/2006/main" xmlns:r="http://schemas.openxmlformats.org/officeDocument/2006/relationships" xmlns:p="http://schemas.openxmlformats.org/presentationml/2006/main">
+  <p:cSld>
+    <p:spTree>
+      <p:nvGrpSpPr>
+        <p:cNvPr id="1" name=""/>
+        <p:cNvGrpSpPr/>
+        <p:nvPr/>
+      </p:nvGrpSpPr>
+      <p:grpSpPr>
+        <a:xfrm>
+          <a:off x="0" y="0"/>
+          <a:ext cx="0" cy="0"/>
+          <a:chOff x="0" y="0"/>
+          <a:chExt cx="0" cy="0"/>
+        </a:xfrm>
+      </p:grpSpPr>
+      <p:sp>
+        <p:nvSpPr>
+          <p:cNvPr id="2" name="슬라이드 이미지 개체 틀 1"/>
+          <p:cNvSpPr>
+            <a:spLocks noGrp="1" noRot="1" noChangeAspect="1"/>
+          </p:cNvSpPr>
+          <p:nvPr>
+            <p:ph type="sldImg"/>
+          </p:nvPr>
+        </p:nvSpPr>
+        <p:spPr/>
+      </p:sp>
+      <p:sp>
+        <p:nvSpPr>
+          <p:cNvPr id="3" name="슬라이드 노트 개체 틀 2"/>
+          <p:cNvSpPr>
+            <a:spLocks noGrp="1"/>
+          </p:cNvSpPr>
+          <p:nvPr>
+            <p:ph type="body" idx="1"/>
+          </p:nvPr>
+        </p:nvSpPr>
+        <p:spPr/>
+        <p:txBody>
+          <a:bodyPr/>
+          <a:lstStyle/>
+          <a:p>
+            <a:endParaRPr lang="ko-KR" altLang="en-US"/>
+          </a:p>
+        </p:txBody>
+      </p:sp>
+      <p:sp>
+        <p:nvSpPr>
+          <p:cNvPr id="4" name="슬라이드 번호 개체 틀 3"/>
+          <p:cNvSpPr>
+            <a:spLocks noGrp="1"/>
+          </p:cNvSpPr>
+          <p:nvPr>
+            <p:ph type="sldNum" sz="quarter" idx="10"/>
+          </p:nvPr>
+        </p:nvSpPr>
+        <p:spPr/>
+        <p:txBody>
+          <a:bodyPr/>
+          <a:lstStyle/>
+          <a:p>
+            <a:fld id="{EE8CD062-59B9-4B86-8618-879470A7C0F2}" type="slidenum">
+              <a:rPr lang="ko-KR" altLang="en-US" smtClean="0"/>
+              <a:t>10</a:t>
+            </a:fld>
+            <a:endParaRPr lang="ko-KR" altLang="en-US"/>
+          </a:p>
+        </p:txBody>
+      </p:sp>
+    </p:spTree>
+    <p:extLst>
+      <p:ext uri="{BB962C8B-B14F-4D97-AF65-F5344CB8AC3E}">
+        <p14:creationId xmlns:p14="http://schemas.microsoft.com/office/powerpoint/2010/main" val="3484102018"/>
+      </p:ext>
+    </p:extLst>
+  </p:cSld>
+  <p:clrMapOvr>
+    <a:masterClrMapping/>
+  </p:clrMapOvr>
+</p:notes>
+</file>
+
+<file path=ppt/notesSlides/notesSlide9.xml><?xml version="1.0" encoding="utf-8"?>
+<p:notes xmlns:a="http://schemas.openxmlformats.org/drawingml/2006/main" xmlns:r="http://schemas.openxmlformats.org/officeDocument/2006/relationships" xmlns:p="http://schemas.openxmlformats.org/presentationml/2006/main">
+  <p:cSld>
+    <p:spTree>
+      <p:nvGrpSpPr>
+        <p:cNvPr id="1" name=""/>
+        <p:cNvGrpSpPr/>
+        <p:nvPr/>
+      </p:nvGrpSpPr>
+      <p:grpSpPr>
+        <a:xfrm>
+          <a:off x="0" y="0"/>
+          <a:ext cx="0" cy="0"/>
+          <a:chOff x="0" y="0"/>
+          <a:chExt cx="0" cy="0"/>
+        </a:xfrm>
+      </p:grpSpPr>
+      <p:sp>
+        <p:nvSpPr>
+          <p:cNvPr id="2" name="슬라이드 이미지 개체 틀 1"/>
+          <p:cNvSpPr>
+            <a:spLocks noGrp="1" noRot="1" noChangeAspect="1"/>
+          </p:cNvSpPr>
+          <p:nvPr>
+            <p:ph type="sldImg"/>
+          </p:nvPr>
+        </p:nvSpPr>
+        <p:spPr/>
+      </p:sp>
+      <p:sp>
+        <p:nvSpPr>
+          <p:cNvPr id="3" name="슬라이드 노트 개체 틀 2"/>
+          <p:cNvSpPr>
+            <a:spLocks noGrp="1"/>
+          </p:cNvSpPr>
+          <p:nvPr>
+            <p:ph type="body" idx="1"/>
+          </p:nvPr>
+        </p:nvSpPr>
+        <p:spPr/>
+        <p:txBody>
+          <a:bodyPr/>
+          <a:lstStyle/>
+          <a:p>
+            <a:endParaRPr lang="ko-KR" altLang="en-US"/>
+          </a:p>
+        </p:txBody>
+      </p:sp>
+      <p:sp>
+        <p:nvSpPr>
+          <p:cNvPr id="4" name="슬라이드 번호 개체 틀 3"/>
+          <p:cNvSpPr>
+            <a:spLocks noGrp="1"/>
+          </p:cNvSpPr>
+          <p:nvPr>
+            <p:ph type="sldNum" sz="quarter" idx="10"/>
+          </p:nvPr>
+        </p:nvSpPr>
+        <p:spPr/>
+        <p:txBody>
+          <a:bodyPr/>
+          <a:lstStyle/>
+          <a:p>
+            <a:fld id="{EE8CD062-59B9-4B86-8618-879470A7C0F2}" type="slidenum">
+              <a:rPr lang="ko-KR" altLang="en-US" smtClean="0"/>
+              <a:t>11</a:t>
+            </a:fld>
+            <a:endParaRPr lang="ko-KR" altLang="en-US"/>
+          </a:p>
+        </p:txBody>
+      </p:sp>
+    </p:spTree>
+    <p:extLst>
+      <p:ext uri="{BB962C8B-B14F-4D97-AF65-F5344CB8AC3E}">
+        <p14:creationId xmlns:p14="http://schemas.microsoft.com/office/powerpoint/2010/main" val="1927646602"/>
       </p:ext>
     </p:extLst>
   </p:cSld>
@@ -4166,6 +4506,1289 @@
 </p:sld>
 </file>
 
+<file path=ppt/slides/slide10.xml><?xml version="1.0" encoding="utf-8"?>
+<p:sld xmlns:a="http://schemas.openxmlformats.org/drawingml/2006/main" xmlns:r="http://schemas.openxmlformats.org/officeDocument/2006/relationships" xmlns:p="http://schemas.openxmlformats.org/presentationml/2006/main">
+  <p:cSld>
+    <p:bg>
+      <p:bgPr>
+        <a:solidFill>
+          <a:srgbClr val="99CCFF"/>
+        </a:solidFill>
+        <a:effectLst/>
+      </p:bgPr>
+    </p:bg>
+    <p:spTree>
+      <p:nvGrpSpPr>
+        <p:cNvPr id="1" name=""/>
+        <p:cNvGrpSpPr/>
+        <p:nvPr/>
+      </p:nvGrpSpPr>
+      <p:grpSpPr>
+        <a:xfrm>
+          <a:off x="0" y="0"/>
+          <a:ext cx="0" cy="0"/>
+          <a:chOff x="0" y="0"/>
+          <a:chExt cx="0" cy="0"/>
+        </a:xfrm>
+      </p:grpSpPr>
+      <p:sp>
+        <p:nvSpPr>
+          <p:cNvPr id="2" name="순서도: 처리 1"/>
+          <p:cNvSpPr/>
+          <p:nvPr/>
+        </p:nvSpPr>
+        <p:spPr>
+          <a:xfrm>
+            <a:off x="301554" y="865761"/>
+            <a:ext cx="11517549" cy="5797685"/>
+          </a:xfrm>
+          <a:prstGeom prst="flowChartProcess">
+            <a:avLst/>
+          </a:prstGeom>
+          <a:solidFill>
+            <a:schemeClr val="bg1"/>
+          </a:solidFill>
+          <a:ln w="47625">
+            <a:solidFill>
+              <a:srgbClr val="99CCFF"/>
+            </a:solidFill>
+          </a:ln>
+        </p:spPr>
+        <p:style>
+          <a:lnRef idx="2">
+            <a:schemeClr val="accent1">
+              <a:shade val="50000"/>
+            </a:schemeClr>
+          </a:lnRef>
+          <a:fillRef idx="1">
+            <a:schemeClr val="accent1"/>
+          </a:fillRef>
+          <a:effectRef idx="0">
+            <a:schemeClr val="accent1"/>
+          </a:effectRef>
+          <a:fontRef idx="minor">
+            <a:schemeClr val="lt1"/>
+          </a:fontRef>
+        </p:style>
+        <p:txBody>
+          <a:bodyPr rtlCol="0" anchor="ctr"/>
+          <a:lstStyle/>
+          <a:p>
+            <a:pPr algn="ctr"/>
+            <a:endParaRPr lang="ko-KR" altLang="en-US" dirty="0"/>
+          </a:p>
+        </p:txBody>
+      </p:sp>
+      <p:sp>
+        <p:nvSpPr>
+          <p:cNvPr id="3" name="TextBox 2"/>
+          <p:cNvSpPr txBox="1"/>
+          <p:nvPr/>
+        </p:nvSpPr>
+        <p:spPr>
+          <a:xfrm>
+            <a:off x="4359143" y="112315"/>
+            <a:ext cx="3402373" cy="461665"/>
+          </a:xfrm>
+          <a:prstGeom prst="rect">
+            <a:avLst/>
+          </a:prstGeom>
+          <a:noFill/>
+        </p:spPr>
+        <p:txBody>
+          <a:bodyPr wrap="square" rtlCol="0">
+            <a:spAutoFit/>
+          </a:bodyPr>
+          <a:lstStyle/>
+          <a:p>
+            <a:pPr algn="ctr"/>
+            <a:r>
+              <a:rPr lang="ko-KR" altLang="en-US" sz="2400" b="1" dirty="0" smtClean="0">
+                <a:solidFill>
+                  <a:schemeClr val="accent5">
+                    <a:lumMod val="50000"/>
+                  </a:schemeClr>
+                </a:solidFill>
+                <a:latin typeface="HY견고딕" panose="02030600000101010101" pitchFamily="18" charset="-127"/>
+                <a:ea typeface="HY견고딕" panose="02030600000101010101" pitchFamily="18" charset="-127"/>
+              </a:rPr>
+              <a:t>주요기능 설명</a:t>
+            </a:r>
+            <a:endParaRPr lang="en-US" altLang="ko-KR" sz="2400" b="1" dirty="0" smtClean="0">
+              <a:solidFill>
+                <a:schemeClr val="accent5">
+                  <a:lumMod val="50000"/>
+                </a:schemeClr>
+              </a:solidFill>
+              <a:latin typeface="HY견고딕" panose="02030600000101010101" pitchFamily="18" charset="-127"/>
+              <a:ea typeface="HY견고딕" panose="02030600000101010101" pitchFamily="18" charset="-127"/>
+            </a:endParaRPr>
+          </a:p>
+        </p:txBody>
+      </p:sp>
+      <p:sp>
+        <p:nvSpPr>
+          <p:cNvPr id="5" name="순서도: 처리 4"/>
+          <p:cNvSpPr/>
+          <p:nvPr/>
+        </p:nvSpPr>
+        <p:spPr>
+          <a:xfrm>
+            <a:off x="3723974" y="1347933"/>
+            <a:ext cx="4672707" cy="446749"/>
+          </a:xfrm>
+          <a:prstGeom prst="flowChartProcess">
+            <a:avLst/>
+          </a:prstGeom>
+          <a:solidFill>
+            <a:schemeClr val="bg1"/>
+          </a:solidFill>
+          <a:ln w="15875">
+            <a:solidFill>
+              <a:schemeClr val="tx1"/>
+            </a:solidFill>
+          </a:ln>
+        </p:spPr>
+        <p:style>
+          <a:lnRef idx="2">
+            <a:schemeClr val="accent1">
+              <a:shade val="50000"/>
+            </a:schemeClr>
+          </a:lnRef>
+          <a:fillRef idx="1">
+            <a:schemeClr val="accent1"/>
+          </a:fillRef>
+          <a:effectRef idx="0">
+            <a:schemeClr val="accent1"/>
+          </a:effectRef>
+          <a:fontRef idx="minor">
+            <a:schemeClr val="lt1"/>
+          </a:fontRef>
+        </p:style>
+        <p:txBody>
+          <a:bodyPr rtlCol="0" anchor="ctr"/>
+          <a:lstStyle/>
+          <a:p>
+            <a:pPr algn="ctr"/>
+            <a:r>
+              <a:rPr lang="en-US" altLang="ko-KR" dirty="0">
+                <a:solidFill>
+                  <a:schemeClr val="tx1"/>
+                </a:solidFill>
+                <a:latin typeface="HY견고딕" panose="02030600000101010101" pitchFamily="18" charset="-127"/>
+                <a:ea typeface="HY견고딕" panose="02030600000101010101" pitchFamily="18" charset="-127"/>
+              </a:rPr>
+              <a:t>4</a:t>
+            </a:r>
+            <a:r>
+              <a:rPr lang="en-US" altLang="ko-KR" dirty="0" smtClean="0">
+                <a:solidFill>
+                  <a:schemeClr val="tx1"/>
+                </a:solidFill>
+                <a:latin typeface="HY견고딕" panose="02030600000101010101" pitchFamily="18" charset="-127"/>
+                <a:ea typeface="HY견고딕" panose="02030600000101010101" pitchFamily="18" charset="-127"/>
+              </a:rPr>
+              <a:t>. </a:t>
+            </a:r>
+            <a:r>
+              <a:rPr lang="ko-KR" altLang="en-US" dirty="0" smtClean="0">
+                <a:solidFill>
+                  <a:schemeClr val="tx1"/>
+                </a:solidFill>
+                <a:latin typeface="HY견고딕" panose="02030600000101010101" pitchFamily="18" charset="-127"/>
+                <a:ea typeface="HY견고딕" panose="02030600000101010101" pitchFamily="18" charset="-127"/>
+              </a:rPr>
+              <a:t>채굴기능</a:t>
+            </a:r>
+            <a:endParaRPr lang="en-US" altLang="ko-KR" dirty="0" smtClean="0">
+              <a:solidFill>
+                <a:schemeClr val="tx1"/>
+              </a:solidFill>
+              <a:latin typeface="HY견고딕" panose="02030600000101010101" pitchFamily="18" charset="-127"/>
+              <a:ea typeface="HY견고딕" panose="02030600000101010101" pitchFamily="18" charset="-127"/>
+            </a:endParaRPr>
+          </a:p>
+        </p:txBody>
+      </p:sp>
+      <p:pic>
+        <p:nvPicPr>
+          <p:cNvPr id="6" name="그림 5"/>
+          <p:cNvPicPr>
+            <a:picLocks noChangeAspect="1"/>
+          </p:cNvPicPr>
+          <p:nvPr/>
+        </p:nvPicPr>
+        <p:blipFill>
+          <a:blip r:embed="rId3"/>
+          <a:stretch>
+            <a:fillRect/>
+          </a:stretch>
+        </p:blipFill>
+        <p:spPr>
+          <a:xfrm>
+            <a:off x="4359143" y="3101423"/>
+            <a:ext cx="3738956" cy="1609484"/>
+          </a:xfrm>
+          <a:prstGeom prst="rect">
+            <a:avLst/>
+          </a:prstGeom>
+        </p:spPr>
+      </p:pic>
+    </p:spTree>
+    <p:extLst>
+      <p:ext uri="{BB962C8B-B14F-4D97-AF65-F5344CB8AC3E}">
+        <p14:creationId xmlns:p14="http://schemas.microsoft.com/office/powerpoint/2010/main" val="3841361101"/>
+      </p:ext>
+    </p:extLst>
+  </p:cSld>
+  <p:clrMapOvr>
+    <a:masterClrMapping/>
+  </p:clrMapOvr>
+  <p:timing>
+    <p:tnLst>
+      <p:par>
+        <p:cTn id="1" dur="indefinite" restart="never" nodeType="tmRoot"/>
+      </p:par>
+    </p:tnLst>
+  </p:timing>
+</p:sld>
+</file>
+
+<file path=ppt/slides/slide11.xml><?xml version="1.0" encoding="utf-8"?>
+<p:sld xmlns:a="http://schemas.openxmlformats.org/drawingml/2006/main" xmlns:r="http://schemas.openxmlformats.org/officeDocument/2006/relationships" xmlns:p="http://schemas.openxmlformats.org/presentationml/2006/main">
+  <p:cSld>
+    <p:bg>
+      <p:bgPr>
+        <a:solidFill>
+          <a:srgbClr val="99CCFF"/>
+        </a:solidFill>
+        <a:effectLst/>
+      </p:bgPr>
+    </p:bg>
+    <p:spTree>
+      <p:nvGrpSpPr>
+        <p:cNvPr id="1" name=""/>
+        <p:cNvGrpSpPr/>
+        <p:nvPr/>
+      </p:nvGrpSpPr>
+      <p:grpSpPr>
+        <a:xfrm>
+          <a:off x="0" y="0"/>
+          <a:ext cx="0" cy="0"/>
+          <a:chOff x="0" y="0"/>
+          <a:chExt cx="0" cy="0"/>
+        </a:xfrm>
+      </p:grpSpPr>
+      <p:sp>
+        <p:nvSpPr>
+          <p:cNvPr id="39" name="순서도: 처리 38"/>
+          <p:cNvSpPr/>
+          <p:nvPr/>
+        </p:nvSpPr>
+        <p:spPr>
+          <a:xfrm>
+            <a:off x="301554" y="865761"/>
+            <a:ext cx="11517549" cy="5797685"/>
+          </a:xfrm>
+          <a:prstGeom prst="flowChartProcess">
+            <a:avLst/>
+          </a:prstGeom>
+          <a:solidFill>
+            <a:schemeClr val="bg1"/>
+          </a:solidFill>
+          <a:ln w="47625">
+            <a:solidFill>
+              <a:srgbClr val="99CCFF"/>
+            </a:solidFill>
+          </a:ln>
+        </p:spPr>
+        <p:style>
+          <a:lnRef idx="2">
+            <a:schemeClr val="accent1">
+              <a:shade val="50000"/>
+            </a:schemeClr>
+          </a:lnRef>
+          <a:fillRef idx="1">
+            <a:schemeClr val="accent1"/>
+          </a:fillRef>
+          <a:effectRef idx="0">
+            <a:schemeClr val="accent1"/>
+          </a:effectRef>
+          <a:fontRef idx="minor">
+            <a:schemeClr val="lt1"/>
+          </a:fontRef>
+        </p:style>
+        <p:txBody>
+          <a:bodyPr rtlCol="0" anchor="ctr"/>
+          <a:lstStyle/>
+          <a:p>
+            <a:pPr algn="ctr"/>
+            <a:endParaRPr lang="ko-KR" altLang="en-US" dirty="0"/>
+          </a:p>
+        </p:txBody>
+      </p:sp>
+      <p:sp>
+        <p:nvSpPr>
+          <p:cNvPr id="3" name="TextBox 2"/>
+          <p:cNvSpPr txBox="1"/>
+          <p:nvPr/>
+        </p:nvSpPr>
+        <p:spPr>
+          <a:xfrm>
+            <a:off x="4359143" y="112315"/>
+            <a:ext cx="3402373" cy="461665"/>
+          </a:xfrm>
+          <a:prstGeom prst="rect">
+            <a:avLst/>
+          </a:prstGeom>
+          <a:noFill/>
+        </p:spPr>
+        <p:txBody>
+          <a:bodyPr wrap="square" rtlCol="0">
+            <a:spAutoFit/>
+          </a:bodyPr>
+          <a:lstStyle/>
+          <a:p>
+            <a:pPr algn="ctr"/>
+            <a:r>
+              <a:rPr lang="ko-KR" altLang="en-US" sz="2400" b="1" dirty="0" smtClean="0">
+                <a:solidFill>
+                  <a:schemeClr val="accent5">
+                    <a:lumMod val="50000"/>
+                  </a:schemeClr>
+                </a:solidFill>
+                <a:latin typeface="HY견고딕" panose="02030600000101010101" pitchFamily="18" charset="-127"/>
+                <a:ea typeface="HY견고딕" panose="02030600000101010101" pitchFamily="18" charset="-127"/>
+              </a:rPr>
+              <a:t>주요기능 설명</a:t>
+            </a:r>
+            <a:endParaRPr lang="en-US" altLang="ko-KR" sz="2400" b="1" dirty="0" smtClean="0">
+              <a:solidFill>
+                <a:schemeClr val="accent5">
+                  <a:lumMod val="50000"/>
+                </a:schemeClr>
+              </a:solidFill>
+              <a:latin typeface="HY견고딕" panose="02030600000101010101" pitchFamily="18" charset="-127"/>
+              <a:ea typeface="HY견고딕" panose="02030600000101010101" pitchFamily="18" charset="-127"/>
+            </a:endParaRPr>
+          </a:p>
+        </p:txBody>
+      </p:sp>
+      <p:sp>
+        <p:nvSpPr>
+          <p:cNvPr id="5" name="순서도: 처리 4"/>
+          <p:cNvSpPr/>
+          <p:nvPr/>
+        </p:nvSpPr>
+        <p:spPr>
+          <a:xfrm>
+            <a:off x="3723974" y="1347933"/>
+            <a:ext cx="4672707" cy="446749"/>
+          </a:xfrm>
+          <a:prstGeom prst="flowChartProcess">
+            <a:avLst/>
+          </a:prstGeom>
+          <a:solidFill>
+            <a:schemeClr val="bg1"/>
+          </a:solidFill>
+          <a:ln w="15875">
+            <a:solidFill>
+              <a:schemeClr val="tx1"/>
+            </a:solidFill>
+          </a:ln>
+        </p:spPr>
+        <p:style>
+          <a:lnRef idx="2">
+            <a:schemeClr val="accent1">
+              <a:shade val="50000"/>
+            </a:schemeClr>
+          </a:lnRef>
+          <a:fillRef idx="1">
+            <a:schemeClr val="accent1"/>
+          </a:fillRef>
+          <a:effectRef idx="0">
+            <a:schemeClr val="accent1"/>
+          </a:effectRef>
+          <a:fontRef idx="minor">
+            <a:schemeClr val="lt1"/>
+          </a:fontRef>
+        </p:style>
+        <p:txBody>
+          <a:bodyPr rtlCol="0" anchor="ctr"/>
+          <a:lstStyle/>
+          <a:p>
+            <a:pPr algn="ctr"/>
+            <a:r>
+              <a:rPr lang="en-US" altLang="ko-KR" dirty="0">
+                <a:solidFill>
+                  <a:schemeClr val="tx1"/>
+                </a:solidFill>
+                <a:latin typeface="HY견고딕" panose="02030600000101010101" pitchFamily="18" charset="-127"/>
+                <a:ea typeface="HY견고딕" panose="02030600000101010101" pitchFamily="18" charset="-127"/>
+              </a:rPr>
+              <a:t>4</a:t>
+            </a:r>
+            <a:r>
+              <a:rPr lang="en-US" altLang="ko-KR" dirty="0" smtClean="0">
+                <a:solidFill>
+                  <a:schemeClr val="tx1"/>
+                </a:solidFill>
+                <a:latin typeface="HY견고딕" panose="02030600000101010101" pitchFamily="18" charset="-127"/>
+                <a:ea typeface="HY견고딕" panose="02030600000101010101" pitchFamily="18" charset="-127"/>
+              </a:rPr>
+              <a:t>. </a:t>
+            </a:r>
+            <a:r>
+              <a:rPr lang="ko-KR" altLang="en-US" dirty="0" smtClean="0">
+                <a:solidFill>
+                  <a:schemeClr val="tx1"/>
+                </a:solidFill>
+                <a:latin typeface="HY견고딕" panose="02030600000101010101" pitchFamily="18" charset="-127"/>
+                <a:ea typeface="HY견고딕" panose="02030600000101010101" pitchFamily="18" charset="-127"/>
+              </a:rPr>
+              <a:t>채굴기능</a:t>
+            </a:r>
+            <a:endParaRPr lang="en-US" altLang="ko-KR" dirty="0" smtClean="0">
+              <a:solidFill>
+                <a:schemeClr val="tx1"/>
+              </a:solidFill>
+              <a:latin typeface="HY견고딕" panose="02030600000101010101" pitchFamily="18" charset="-127"/>
+              <a:ea typeface="HY견고딕" panose="02030600000101010101" pitchFamily="18" charset="-127"/>
+            </a:endParaRPr>
+          </a:p>
+        </p:txBody>
+      </p:sp>
+      <p:sp>
+        <p:nvSpPr>
+          <p:cNvPr id="4" name="모서리가 둥근 직사각형 3"/>
+          <p:cNvSpPr/>
+          <p:nvPr/>
+        </p:nvSpPr>
+        <p:spPr>
+          <a:xfrm>
+            <a:off x="5541239" y="2583672"/>
+            <a:ext cx="1573421" cy="1014031"/>
+          </a:xfrm>
+          <a:prstGeom prst="roundRect">
+            <a:avLst/>
+          </a:prstGeom>
+        </p:spPr>
+        <p:style>
+          <a:lnRef idx="2">
+            <a:schemeClr val="accent1">
+              <a:shade val="50000"/>
+            </a:schemeClr>
+          </a:lnRef>
+          <a:fillRef idx="1">
+            <a:schemeClr val="accent1"/>
+          </a:fillRef>
+          <a:effectRef idx="0">
+            <a:schemeClr val="accent1"/>
+          </a:effectRef>
+          <a:fontRef idx="minor">
+            <a:schemeClr val="lt1"/>
+          </a:fontRef>
+        </p:style>
+        <p:txBody>
+          <a:bodyPr rtlCol="0" anchor="ctr"/>
+          <a:lstStyle/>
+          <a:p>
+            <a:pPr algn="ctr"/>
+            <a:r>
+              <a:rPr lang="en-US" altLang="ko-KR" sz="2400" dirty="0" smtClean="0"/>
+              <a:t>SHA-512</a:t>
+            </a:r>
+            <a:endParaRPr lang="ko-KR" altLang="en-US" sz="2400" dirty="0"/>
+          </a:p>
+        </p:txBody>
+      </p:sp>
+      <p:sp>
+        <p:nvSpPr>
+          <p:cNvPr id="7" name="모서리가 둥근 직사각형 6"/>
+          <p:cNvSpPr/>
+          <p:nvPr/>
+        </p:nvSpPr>
+        <p:spPr>
+          <a:xfrm>
+            <a:off x="2128834" y="2568635"/>
+            <a:ext cx="1616652" cy="1044103"/>
+          </a:xfrm>
+          <a:prstGeom prst="roundRect">
+            <a:avLst/>
+          </a:prstGeom>
+        </p:spPr>
+        <p:style>
+          <a:lnRef idx="2">
+            <a:schemeClr val="accent1">
+              <a:shade val="50000"/>
+            </a:schemeClr>
+          </a:lnRef>
+          <a:fillRef idx="1">
+            <a:schemeClr val="accent1"/>
+          </a:fillRef>
+          <a:effectRef idx="0">
+            <a:schemeClr val="accent1"/>
+          </a:effectRef>
+          <a:fontRef idx="minor">
+            <a:schemeClr val="lt1"/>
+          </a:fontRef>
+        </p:style>
+        <p:txBody>
+          <a:bodyPr rtlCol="0" anchor="ctr"/>
+          <a:lstStyle/>
+          <a:p>
+            <a:pPr algn="ctr"/>
+            <a:r>
+              <a:rPr lang="ko-KR" altLang="en-US" sz="2400" dirty="0" err="1" smtClean="0"/>
+              <a:t>채굴기</a:t>
+            </a:r>
+            <a:endParaRPr lang="ko-KR" altLang="en-US" sz="2400" dirty="0"/>
+          </a:p>
+        </p:txBody>
+      </p:sp>
+      <p:cxnSp>
+        <p:nvCxnSpPr>
+          <p:cNvPr id="9" name="직선 화살표 연결선 8"/>
+          <p:cNvCxnSpPr/>
+          <p:nvPr/>
+        </p:nvCxnSpPr>
+        <p:spPr>
+          <a:xfrm flipV="1">
+            <a:off x="4085144" y="3173212"/>
+            <a:ext cx="1070065" cy="18890"/>
+          </a:xfrm>
+          <a:prstGeom prst="straightConnector1">
+            <a:avLst/>
+          </a:prstGeom>
+          <a:ln>
+            <a:tailEnd type="triangle"/>
+          </a:ln>
+        </p:spPr>
+        <p:style>
+          <a:lnRef idx="1">
+            <a:schemeClr val="accent1"/>
+          </a:lnRef>
+          <a:fillRef idx="0">
+            <a:schemeClr val="accent1"/>
+          </a:fillRef>
+          <a:effectRef idx="0">
+            <a:schemeClr val="accent1"/>
+          </a:effectRef>
+          <a:fontRef idx="minor">
+            <a:schemeClr val="tx1"/>
+          </a:fontRef>
+        </p:style>
+      </p:cxnSp>
+      <p:cxnSp>
+        <p:nvCxnSpPr>
+          <p:cNvPr id="15" name="직선 화살표 연결선 14"/>
+          <p:cNvCxnSpPr/>
+          <p:nvPr/>
+        </p:nvCxnSpPr>
+        <p:spPr>
+          <a:xfrm>
+            <a:off x="6624443" y="5290000"/>
+            <a:ext cx="1114827" cy="0"/>
+          </a:xfrm>
+          <a:prstGeom prst="straightConnector1">
+            <a:avLst/>
+          </a:prstGeom>
+          <a:ln>
+            <a:tailEnd type="triangle"/>
+          </a:ln>
+        </p:spPr>
+        <p:style>
+          <a:lnRef idx="1">
+            <a:schemeClr val="accent1"/>
+          </a:lnRef>
+          <a:fillRef idx="0">
+            <a:schemeClr val="accent1"/>
+          </a:fillRef>
+          <a:effectRef idx="0">
+            <a:schemeClr val="accent1"/>
+          </a:effectRef>
+          <a:fontRef idx="minor">
+            <a:schemeClr val="tx1"/>
+          </a:fontRef>
+        </p:style>
+      </p:cxnSp>
+      <p:sp>
+        <p:nvSpPr>
+          <p:cNvPr id="21" name="다이아몬드 20"/>
+          <p:cNvSpPr/>
+          <p:nvPr/>
+        </p:nvSpPr>
+        <p:spPr>
+          <a:xfrm>
+            <a:off x="1787246" y="4667148"/>
+            <a:ext cx="4575510" cy="1245704"/>
+          </a:xfrm>
+          <a:prstGeom prst="diamond">
+            <a:avLst/>
+          </a:prstGeom>
+          <a:solidFill>
+            <a:schemeClr val="accent1">
+              <a:lumMod val="75000"/>
+            </a:schemeClr>
+          </a:solidFill>
+        </p:spPr>
+        <p:style>
+          <a:lnRef idx="2">
+            <a:schemeClr val="accent1">
+              <a:shade val="50000"/>
+            </a:schemeClr>
+          </a:lnRef>
+          <a:fillRef idx="1">
+            <a:schemeClr val="accent1"/>
+          </a:fillRef>
+          <a:effectRef idx="0">
+            <a:schemeClr val="accent1"/>
+          </a:effectRef>
+          <a:fontRef idx="minor">
+            <a:schemeClr val="lt1"/>
+          </a:fontRef>
+        </p:style>
+        <p:txBody>
+          <a:bodyPr rtlCol="0" anchor="ctr"/>
+          <a:lstStyle/>
+          <a:p>
+            <a:pPr algn="ctr"/>
+            <a:r>
+              <a:rPr lang="ko-KR" altLang="en-US" dirty="0" err="1" smtClean="0"/>
+              <a:t>해쉬</a:t>
+            </a:r>
+            <a:r>
+              <a:rPr lang="ko-KR" altLang="en-US" dirty="0" smtClean="0"/>
+              <a:t> 앞자리 </a:t>
+            </a:r>
+            <a:r>
+              <a:rPr lang="ko-KR" altLang="en-US" dirty="0" err="1"/>
+              <a:t>몇</a:t>
+            </a:r>
+            <a:r>
+              <a:rPr lang="ko-KR" altLang="en-US" dirty="0" err="1" smtClean="0"/>
+              <a:t>개가</a:t>
+            </a:r>
+            <a:r>
+              <a:rPr lang="ko-KR" altLang="en-US" dirty="0" smtClean="0"/>
+              <a:t> </a:t>
+            </a:r>
+            <a:r>
+              <a:rPr lang="en-US" altLang="ko-KR" dirty="0" smtClean="0"/>
+              <a:t>0</a:t>
+            </a:r>
+            <a:r>
+              <a:rPr lang="ko-KR" altLang="en-US" dirty="0" smtClean="0"/>
+              <a:t>이라면</a:t>
+            </a:r>
+            <a:endParaRPr lang="ko-KR" altLang="en-US" dirty="0"/>
+          </a:p>
+        </p:txBody>
+      </p:sp>
+      <p:sp>
+        <p:nvSpPr>
+          <p:cNvPr id="24" name="모서리가 둥근 직사각형 23"/>
+          <p:cNvSpPr/>
+          <p:nvPr/>
+        </p:nvSpPr>
+        <p:spPr>
+          <a:xfrm>
+            <a:off x="8262644" y="4757119"/>
+            <a:ext cx="1860214" cy="1076219"/>
+          </a:xfrm>
+          <a:prstGeom prst="roundRect">
+            <a:avLst/>
+          </a:prstGeom>
+          <a:solidFill>
+            <a:schemeClr val="accent1">
+              <a:lumMod val="40000"/>
+              <a:lumOff val="60000"/>
+            </a:schemeClr>
+          </a:solidFill>
+        </p:spPr>
+        <p:style>
+          <a:lnRef idx="2">
+            <a:schemeClr val="accent1">
+              <a:shade val="50000"/>
+            </a:schemeClr>
+          </a:lnRef>
+          <a:fillRef idx="1">
+            <a:schemeClr val="accent1"/>
+          </a:fillRef>
+          <a:effectRef idx="0">
+            <a:schemeClr val="accent1"/>
+          </a:effectRef>
+          <a:fontRef idx="minor">
+            <a:schemeClr val="lt1"/>
+          </a:fontRef>
+        </p:style>
+        <p:txBody>
+          <a:bodyPr rtlCol="0" anchor="ctr"/>
+          <a:lstStyle/>
+          <a:p>
+            <a:pPr algn="ctr"/>
+            <a:r>
+              <a:rPr lang="ko-KR" altLang="en-US" dirty="0" smtClean="0">
+                <a:solidFill>
+                  <a:schemeClr val="accent1">
+                    <a:lumMod val="75000"/>
+                  </a:schemeClr>
+                </a:solidFill>
+              </a:rPr>
+              <a:t>서버</a:t>
+            </a:r>
+            <a:endParaRPr lang="ko-KR" altLang="en-US" dirty="0">
+              <a:solidFill>
+                <a:schemeClr val="accent1">
+                  <a:lumMod val="75000"/>
+                </a:schemeClr>
+              </a:solidFill>
+            </a:endParaRPr>
+          </a:p>
+        </p:txBody>
+      </p:sp>
+      <p:sp>
+        <p:nvSpPr>
+          <p:cNvPr id="25" name="모서리가 둥근 직사각형 24"/>
+          <p:cNvSpPr/>
+          <p:nvPr/>
+        </p:nvSpPr>
+        <p:spPr>
+          <a:xfrm>
+            <a:off x="8262644" y="2583672"/>
+            <a:ext cx="1860214" cy="1076219"/>
+          </a:xfrm>
+          <a:prstGeom prst="roundRect">
+            <a:avLst/>
+          </a:prstGeom>
+          <a:solidFill>
+            <a:schemeClr val="accent1">
+              <a:lumMod val="40000"/>
+              <a:lumOff val="60000"/>
+            </a:schemeClr>
+          </a:solidFill>
+        </p:spPr>
+        <p:style>
+          <a:lnRef idx="2">
+            <a:schemeClr val="accent1">
+              <a:shade val="50000"/>
+            </a:schemeClr>
+          </a:lnRef>
+          <a:fillRef idx="1">
+            <a:schemeClr val="accent1"/>
+          </a:fillRef>
+          <a:effectRef idx="0">
+            <a:schemeClr val="accent1"/>
+          </a:effectRef>
+          <a:fontRef idx="minor">
+            <a:schemeClr val="lt1"/>
+          </a:fontRef>
+        </p:style>
+        <p:txBody>
+          <a:bodyPr rtlCol="0" anchor="ctr"/>
+          <a:lstStyle/>
+          <a:p>
+            <a:pPr algn="ctr"/>
+            <a:r>
+              <a:rPr lang="en-US" altLang="ko-KR" dirty="0" smtClean="0">
+                <a:solidFill>
+                  <a:schemeClr val="accent1">
+                    <a:lumMod val="75000"/>
+                  </a:schemeClr>
+                </a:solidFill>
+              </a:rPr>
+              <a:t>DB</a:t>
+            </a:r>
+            <a:endParaRPr lang="ko-KR" altLang="en-US" dirty="0">
+              <a:solidFill>
+                <a:schemeClr val="accent1">
+                  <a:lumMod val="75000"/>
+                </a:schemeClr>
+              </a:solidFill>
+            </a:endParaRPr>
+          </a:p>
+        </p:txBody>
+      </p:sp>
+      <p:cxnSp>
+        <p:nvCxnSpPr>
+          <p:cNvPr id="27" name="직선 화살표 연결선 26"/>
+          <p:cNvCxnSpPr/>
+          <p:nvPr/>
+        </p:nvCxnSpPr>
+        <p:spPr>
+          <a:xfrm flipV="1">
+            <a:off x="9225575" y="3848401"/>
+            <a:ext cx="11209" cy="689112"/>
+          </a:xfrm>
+          <a:prstGeom prst="straightConnector1">
+            <a:avLst/>
+          </a:prstGeom>
+          <a:ln>
+            <a:tailEnd type="triangle"/>
+          </a:ln>
+        </p:spPr>
+        <p:style>
+          <a:lnRef idx="1">
+            <a:schemeClr val="accent1"/>
+          </a:lnRef>
+          <a:fillRef idx="0">
+            <a:schemeClr val="accent1"/>
+          </a:fillRef>
+          <a:effectRef idx="0">
+            <a:schemeClr val="accent1"/>
+          </a:effectRef>
+          <a:fontRef idx="minor">
+            <a:schemeClr val="tx1"/>
+          </a:fontRef>
+        </p:style>
+      </p:cxnSp>
+      <p:cxnSp>
+        <p:nvCxnSpPr>
+          <p:cNvPr id="28" name="직선 화살표 연결선 27"/>
+          <p:cNvCxnSpPr/>
+          <p:nvPr/>
+        </p:nvCxnSpPr>
+        <p:spPr>
+          <a:xfrm flipH="1">
+            <a:off x="5068135" y="3695264"/>
+            <a:ext cx="1130625" cy="971884"/>
+          </a:xfrm>
+          <a:prstGeom prst="straightConnector1">
+            <a:avLst/>
+          </a:prstGeom>
+          <a:ln>
+            <a:tailEnd type="triangle"/>
+          </a:ln>
+        </p:spPr>
+        <p:style>
+          <a:lnRef idx="1">
+            <a:schemeClr val="accent1"/>
+          </a:lnRef>
+          <a:fillRef idx="0">
+            <a:schemeClr val="accent1"/>
+          </a:fillRef>
+          <a:effectRef idx="0">
+            <a:schemeClr val="accent1"/>
+          </a:effectRef>
+          <a:fontRef idx="minor">
+            <a:schemeClr val="tx1"/>
+          </a:fontRef>
+        </p:style>
+      </p:cxnSp>
+    </p:spTree>
+    <p:extLst>
+      <p:ext uri="{BB962C8B-B14F-4D97-AF65-F5344CB8AC3E}">
+        <p14:creationId xmlns:p14="http://schemas.microsoft.com/office/powerpoint/2010/main" val="2929415055"/>
+      </p:ext>
+    </p:extLst>
+  </p:cSld>
+  <p:clrMapOvr>
+    <a:masterClrMapping/>
+  </p:clrMapOvr>
+  <p:timing>
+    <p:tnLst>
+      <p:par>
+        <p:cTn id="1" dur="indefinite" restart="never" nodeType="tmRoot"/>
+      </p:par>
+    </p:tnLst>
+  </p:timing>
+</p:sld>
+</file>
+
+<file path=ppt/slides/slide12.xml><?xml version="1.0" encoding="utf-8"?>
+<p:sld xmlns:a="http://schemas.openxmlformats.org/drawingml/2006/main" xmlns:r="http://schemas.openxmlformats.org/officeDocument/2006/relationships" xmlns:p="http://schemas.openxmlformats.org/presentationml/2006/main">
+  <p:cSld>
+    <p:bg>
+      <p:bgPr>
+        <a:solidFill>
+          <a:srgbClr val="99CCFF"/>
+        </a:solidFill>
+        <a:effectLst/>
+      </p:bgPr>
+    </p:bg>
+    <p:spTree>
+      <p:nvGrpSpPr>
+        <p:cNvPr id="1" name=""/>
+        <p:cNvGrpSpPr/>
+        <p:nvPr/>
+      </p:nvGrpSpPr>
+      <p:grpSpPr>
+        <a:xfrm>
+          <a:off x="0" y="0"/>
+          <a:ext cx="0" cy="0"/>
+          <a:chOff x="0" y="0"/>
+          <a:chExt cx="0" cy="0"/>
+        </a:xfrm>
+      </p:grpSpPr>
+      <p:sp>
+        <p:nvSpPr>
+          <p:cNvPr id="39" name="순서도: 처리 38"/>
+          <p:cNvSpPr/>
+          <p:nvPr/>
+        </p:nvSpPr>
+        <p:spPr>
+          <a:xfrm>
+            <a:off x="301554" y="918770"/>
+            <a:ext cx="11517549" cy="5797685"/>
+          </a:xfrm>
+          <a:prstGeom prst="flowChartProcess">
+            <a:avLst/>
+          </a:prstGeom>
+          <a:solidFill>
+            <a:schemeClr val="bg1"/>
+          </a:solidFill>
+          <a:ln w="47625">
+            <a:solidFill>
+              <a:srgbClr val="99CCFF"/>
+            </a:solidFill>
+          </a:ln>
+        </p:spPr>
+        <p:style>
+          <a:lnRef idx="2">
+            <a:schemeClr val="accent1">
+              <a:shade val="50000"/>
+            </a:schemeClr>
+          </a:lnRef>
+          <a:fillRef idx="1">
+            <a:schemeClr val="accent1"/>
+          </a:fillRef>
+          <a:effectRef idx="0">
+            <a:schemeClr val="accent1"/>
+          </a:effectRef>
+          <a:fontRef idx="minor">
+            <a:schemeClr val="lt1"/>
+          </a:fontRef>
+        </p:style>
+        <p:txBody>
+          <a:bodyPr rtlCol="0" anchor="ctr"/>
+          <a:lstStyle/>
+          <a:p>
+            <a:pPr algn="ctr"/>
+            <a:r>
+              <a:rPr lang="ko-KR" altLang="en-US" sz="2400" dirty="0" smtClean="0">
+                <a:solidFill>
+                  <a:schemeClr val="accent1">
+                    <a:lumMod val="75000"/>
+                  </a:schemeClr>
+                </a:solidFill>
+              </a:rPr>
+              <a:t>여기서부터는 프로그램을</a:t>
+            </a:r>
+            <a:endParaRPr lang="en-US" altLang="ko-KR" sz="2400" dirty="0" smtClean="0">
+              <a:solidFill>
+                <a:schemeClr val="accent1">
+                  <a:lumMod val="75000"/>
+                </a:schemeClr>
+              </a:solidFill>
+            </a:endParaRPr>
+          </a:p>
+          <a:p>
+            <a:pPr algn="ctr"/>
+            <a:r>
+              <a:rPr lang="ko-KR" altLang="en-US" sz="2400" dirty="0" smtClean="0">
+                <a:solidFill>
+                  <a:schemeClr val="accent1">
+                    <a:lumMod val="75000"/>
+                  </a:schemeClr>
+                </a:solidFill>
+              </a:rPr>
+              <a:t>직접 시연하겠습니다</a:t>
+            </a:r>
+            <a:endParaRPr lang="ko-KR" altLang="en-US" sz="2400" dirty="0">
+              <a:solidFill>
+                <a:schemeClr val="accent1">
+                  <a:lumMod val="75000"/>
+                </a:schemeClr>
+              </a:solidFill>
+            </a:endParaRPr>
+          </a:p>
+        </p:txBody>
+      </p:sp>
+      <p:sp>
+        <p:nvSpPr>
+          <p:cNvPr id="3" name="TextBox 2"/>
+          <p:cNvSpPr txBox="1"/>
+          <p:nvPr/>
+        </p:nvSpPr>
+        <p:spPr>
+          <a:xfrm>
+            <a:off x="4359143" y="112315"/>
+            <a:ext cx="3402373" cy="461665"/>
+          </a:xfrm>
+          <a:prstGeom prst="rect">
+            <a:avLst/>
+          </a:prstGeom>
+          <a:noFill/>
+        </p:spPr>
+        <p:txBody>
+          <a:bodyPr wrap="square" rtlCol="0">
+            <a:spAutoFit/>
+          </a:bodyPr>
+          <a:lstStyle/>
+          <a:p>
+            <a:pPr algn="ctr"/>
+            <a:r>
+              <a:rPr lang="ko-KR" altLang="en-US" sz="2400" b="1" dirty="0" smtClean="0">
+                <a:solidFill>
+                  <a:schemeClr val="accent5">
+                    <a:lumMod val="50000"/>
+                  </a:schemeClr>
+                </a:solidFill>
+                <a:latin typeface="HY견고딕" panose="02030600000101010101" pitchFamily="18" charset="-127"/>
+                <a:ea typeface="HY견고딕" panose="02030600000101010101" pitchFamily="18" charset="-127"/>
+              </a:rPr>
+              <a:t>직접 시연</a:t>
+            </a:r>
+            <a:endParaRPr lang="en-US" altLang="ko-KR" sz="2400" b="1" dirty="0" smtClean="0">
+              <a:solidFill>
+                <a:schemeClr val="accent5">
+                  <a:lumMod val="50000"/>
+                </a:schemeClr>
+              </a:solidFill>
+              <a:latin typeface="HY견고딕" panose="02030600000101010101" pitchFamily="18" charset="-127"/>
+              <a:ea typeface="HY견고딕" panose="02030600000101010101" pitchFamily="18" charset="-127"/>
+            </a:endParaRPr>
+          </a:p>
+        </p:txBody>
+      </p:sp>
+    </p:spTree>
+    <p:extLst>
+      <p:ext uri="{BB962C8B-B14F-4D97-AF65-F5344CB8AC3E}">
+        <p14:creationId xmlns:p14="http://schemas.microsoft.com/office/powerpoint/2010/main" val="3037992672"/>
+      </p:ext>
+    </p:extLst>
+  </p:cSld>
+  <p:clrMapOvr>
+    <a:masterClrMapping/>
+  </p:clrMapOvr>
+  <p:timing>
+    <p:tnLst>
+      <p:par>
+        <p:cTn id="1" dur="indefinite" restart="never" nodeType="tmRoot"/>
+      </p:par>
+    </p:tnLst>
+  </p:timing>
+</p:sld>
+</file>
+
+<file path=ppt/slides/slide13.xml><?xml version="1.0" encoding="utf-8"?>
+<p:sld xmlns:a="http://schemas.openxmlformats.org/drawingml/2006/main" xmlns:r="http://schemas.openxmlformats.org/officeDocument/2006/relationships" xmlns:p="http://schemas.openxmlformats.org/presentationml/2006/main">
+  <p:cSld>
+    <p:bg>
+      <p:bgPr>
+        <a:solidFill>
+          <a:srgbClr val="99CCFF"/>
+        </a:solidFill>
+        <a:effectLst/>
+      </p:bgPr>
+    </p:bg>
+    <p:spTree>
+      <p:nvGrpSpPr>
+        <p:cNvPr id="1" name=""/>
+        <p:cNvGrpSpPr/>
+        <p:nvPr/>
+      </p:nvGrpSpPr>
+      <p:grpSpPr>
+        <a:xfrm>
+          <a:off x="0" y="0"/>
+          <a:ext cx="0" cy="0"/>
+          <a:chOff x="0" y="0"/>
+          <a:chExt cx="0" cy="0"/>
+        </a:xfrm>
+      </p:grpSpPr>
+      <p:sp>
+        <p:nvSpPr>
+          <p:cNvPr id="39" name="순서도: 처리 38"/>
+          <p:cNvSpPr/>
+          <p:nvPr/>
+        </p:nvSpPr>
+        <p:spPr>
+          <a:xfrm>
+            <a:off x="301554" y="918770"/>
+            <a:ext cx="11517549" cy="5797685"/>
+          </a:xfrm>
+          <a:prstGeom prst="flowChartProcess">
+            <a:avLst/>
+          </a:prstGeom>
+          <a:solidFill>
+            <a:schemeClr val="bg1"/>
+          </a:solidFill>
+          <a:ln w="47625">
+            <a:solidFill>
+              <a:srgbClr val="99CCFF"/>
+            </a:solidFill>
+          </a:ln>
+        </p:spPr>
+        <p:style>
+          <a:lnRef idx="2">
+            <a:schemeClr val="accent1">
+              <a:shade val="50000"/>
+            </a:schemeClr>
+          </a:lnRef>
+          <a:fillRef idx="1">
+            <a:schemeClr val="accent1"/>
+          </a:fillRef>
+          <a:effectRef idx="0">
+            <a:schemeClr val="accent1"/>
+          </a:effectRef>
+          <a:fontRef idx="minor">
+            <a:schemeClr val="lt1"/>
+          </a:fontRef>
+        </p:style>
+        <p:txBody>
+          <a:bodyPr rtlCol="0" anchor="ctr"/>
+          <a:lstStyle/>
+          <a:p>
+            <a:pPr algn="ctr"/>
+            <a:r>
+              <a:rPr lang="ko-KR" altLang="en-US" sz="2400" dirty="0" smtClean="0">
+                <a:solidFill>
+                  <a:schemeClr val="accent1">
+                    <a:lumMod val="75000"/>
+                  </a:schemeClr>
+                </a:solidFill>
+              </a:rPr>
+              <a:t>지금까지 </a:t>
+            </a:r>
+            <a:r>
+              <a:rPr lang="ko-KR" altLang="en-US" sz="2400" dirty="0" err="1" smtClean="0">
+                <a:solidFill>
+                  <a:schemeClr val="accent1">
+                    <a:lumMod val="75000"/>
+                  </a:schemeClr>
+                </a:solidFill>
+              </a:rPr>
+              <a:t>양디코인</a:t>
+            </a:r>
+            <a:r>
+              <a:rPr lang="ko-KR" altLang="en-US" sz="2400" dirty="0" smtClean="0">
+                <a:solidFill>
+                  <a:schemeClr val="accent1">
+                    <a:lumMod val="75000"/>
+                  </a:schemeClr>
+                </a:solidFill>
+              </a:rPr>
+              <a:t> 거래소였습니다</a:t>
+            </a:r>
+            <a:endParaRPr lang="en-US" altLang="ko-KR" sz="2400" dirty="0" smtClean="0">
+              <a:solidFill>
+                <a:schemeClr val="accent1">
+                  <a:lumMod val="75000"/>
+                </a:schemeClr>
+              </a:solidFill>
+            </a:endParaRPr>
+          </a:p>
+          <a:p>
+            <a:pPr algn="ctr"/>
+            <a:endParaRPr lang="en-US" altLang="ko-KR" sz="2400" dirty="0" smtClean="0">
+              <a:solidFill>
+                <a:schemeClr val="accent1">
+                  <a:lumMod val="75000"/>
+                </a:schemeClr>
+              </a:solidFill>
+            </a:endParaRPr>
+          </a:p>
+          <a:p>
+            <a:pPr algn="ctr"/>
+            <a:r>
+              <a:rPr lang="ko-KR" altLang="en-US" sz="2400" dirty="0" smtClean="0">
+                <a:solidFill>
+                  <a:schemeClr val="accent1">
+                    <a:lumMod val="75000"/>
+                  </a:schemeClr>
+                </a:solidFill>
+              </a:rPr>
+              <a:t>발표를 들어주셔서 감사합니다</a:t>
+            </a:r>
+            <a:endParaRPr lang="ko-KR" altLang="en-US" sz="2400" dirty="0">
+              <a:solidFill>
+                <a:schemeClr val="accent1">
+                  <a:lumMod val="75000"/>
+                </a:schemeClr>
+              </a:solidFill>
+            </a:endParaRPr>
+          </a:p>
+        </p:txBody>
+      </p:sp>
+      <p:sp>
+        <p:nvSpPr>
+          <p:cNvPr id="3" name="TextBox 2"/>
+          <p:cNvSpPr txBox="1"/>
+          <p:nvPr/>
+        </p:nvSpPr>
+        <p:spPr>
+          <a:xfrm>
+            <a:off x="4359143" y="112315"/>
+            <a:ext cx="3402373" cy="461665"/>
+          </a:xfrm>
+          <a:prstGeom prst="rect">
+            <a:avLst/>
+          </a:prstGeom>
+          <a:noFill/>
+        </p:spPr>
+        <p:txBody>
+          <a:bodyPr wrap="square" rtlCol="0">
+            <a:spAutoFit/>
+          </a:bodyPr>
+          <a:lstStyle/>
+          <a:p>
+            <a:pPr algn="ctr"/>
+            <a:r>
+              <a:rPr lang="ko-KR" altLang="en-US" sz="2400" b="1" dirty="0" smtClean="0">
+                <a:solidFill>
+                  <a:schemeClr val="accent5">
+                    <a:lumMod val="50000"/>
+                  </a:schemeClr>
+                </a:solidFill>
+                <a:latin typeface="HY견고딕" panose="02030600000101010101" pitchFamily="18" charset="-127"/>
+                <a:ea typeface="HY견고딕" panose="02030600000101010101" pitchFamily="18" charset="-127"/>
+              </a:rPr>
+              <a:t>끝으로</a:t>
+            </a:r>
+            <a:r>
+              <a:rPr lang="en-US" altLang="ko-KR" sz="2400" b="1" dirty="0" smtClean="0">
+                <a:solidFill>
+                  <a:schemeClr val="accent5">
+                    <a:lumMod val="50000"/>
+                  </a:schemeClr>
+                </a:solidFill>
+                <a:latin typeface="HY견고딕" panose="02030600000101010101" pitchFamily="18" charset="-127"/>
+                <a:ea typeface="HY견고딕" panose="02030600000101010101" pitchFamily="18" charset="-127"/>
+              </a:rPr>
+              <a:t>..</a:t>
+            </a:r>
+            <a:endParaRPr lang="en-US" altLang="ko-KR" sz="2400" b="1" dirty="0" smtClean="0">
+              <a:solidFill>
+                <a:schemeClr val="accent5">
+                  <a:lumMod val="50000"/>
+                </a:schemeClr>
+              </a:solidFill>
+              <a:latin typeface="HY견고딕" panose="02030600000101010101" pitchFamily="18" charset="-127"/>
+              <a:ea typeface="HY견고딕" panose="02030600000101010101" pitchFamily="18" charset="-127"/>
+            </a:endParaRPr>
+          </a:p>
+        </p:txBody>
+      </p:sp>
+    </p:spTree>
+    <p:extLst>
+      <p:ext uri="{BB962C8B-B14F-4D97-AF65-F5344CB8AC3E}">
+        <p14:creationId xmlns:p14="http://schemas.microsoft.com/office/powerpoint/2010/main" val="3597190719"/>
+      </p:ext>
+    </p:extLst>
+  </p:cSld>
+  <p:clrMapOvr>
+    <a:masterClrMapping/>
+  </p:clrMapOvr>
+  <p:timing>
+    <p:tnLst>
+      <p:par>
+        <p:cTn id="1" dur="indefinite" restart="never" nodeType="tmRoot"/>
+      </p:par>
+    </p:tnLst>
+  </p:timing>
+</p:sld>
+</file>
+
 <file path=ppt/slides/slide2.xml><?xml version="1.0" encoding="utf-8"?>
 <p:sld xmlns:a="http://schemas.openxmlformats.org/drawingml/2006/main" xmlns:r="http://schemas.openxmlformats.org/officeDocument/2006/relationships" xmlns:p="http://schemas.openxmlformats.org/presentationml/2006/main">
   <p:cSld>
@@ -5127,13 +6750,6 @@
               </a:rPr>
               <a:t> </a:t>
             </a:r>
-            <a:endParaRPr lang="en-US" altLang="ko-KR" dirty="0" smtClean="0">
-              <a:solidFill>
-                <a:schemeClr val="tx1"/>
-              </a:solidFill>
-              <a:latin typeface="HY견고딕" panose="02030600000101010101" pitchFamily="18" charset="-127"/>
-              <a:ea typeface="HY견고딕" panose="02030600000101010101" pitchFamily="18" charset="-127"/>
-            </a:endParaRPr>
           </a:p>
         </p:txBody>
       </p:sp>
@@ -5353,17 +6969,7 @@
                 <a:latin typeface="HY견고딕" panose="02030600000101010101" pitchFamily="18" charset="-127"/>
                 <a:ea typeface="HY견고딕" panose="02030600000101010101" pitchFamily="18" charset="-127"/>
               </a:rPr>
-              <a:t>2.1</a:t>
-            </a:r>
-            <a:r>
-              <a:rPr lang="en-US" altLang="ko-KR" dirty="0" smtClean="0">
-                <a:solidFill>
-                  <a:schemeClr val="tx1"/>
-                </a:solidFill>
-                <a:latin typeface="HY견고딕" panose="02030600000101010101" pitchFamily="18" charset="-127"/>
-                <a:ea typeface="HY견고딕" panose="02030600000101010101" pitchFamily="18" charset="-127"/>
-              </a:rPr>
-              <a:t> </a:t>
+              <a:t>2.1 </a:t>
             </a:r>
             <a:r>
               <a:rPr lang="ko-KR" altLang="en-US" dirty="0" smtClean="0">
@@ -6393,6 +7999,30 @@
           </a:p>
         </p:txBody>
       </p:sp>
+      <p:pic>
+        <p:nvPicPr>
+          <p:cNvPr id="4" name="그림 3"/>
+          <p:cNvPicPr>
+            <a:picLocks noChangeAspect="1"/>
+          </p:cNvPicPr>
+          <p:nvPr/>
+        </p:nvPicPr>
+        <p:blipFill>
+          <a:blip r:embed="rId3"/>
+          <a:stretch>
+            <a:fillRect/>
+          </a:stretch>
+        </p:blipFill>
+        <p:spPr>
+          <a:xfrm>
+            <a:off x="2739415" y="2086463"/>
+            <a:ext cx="6643124" cy="4562376"/>
+          </a:xfrm>
+          <a:prstGeom prst="rect">
+            <a:avLst/>
+          </a:prstGeom>
+        </p:spPr>
+      </p:pic>
     </p:spTree>
     <p:extLst>
       <p:ext uri="{BB962C8B-B14F-4D97-AF65-F5344CB8AC3E}">
